--- a/09-linear_R/slides.pptx
+++ b/09-linear_R/slides.pptx
@@ -6,7 +6,7 @@
     <p:sldMasterId id="2147483649" r:id="rId2"/>
   </p:sldMasterIdLst>
   <p:notesMasterIdLst>
-    <p:notesMasterId r:id="rId52"/>
+    <p:notesMasterId r:id="rId37"/>
   </p:notesMasterIdLst>
   <p:sldIdLst>
     <p:sldId id="258" r:id="rId3"/>
@@ -33,31 +33,16 @@
     <p:sldId id="631" r:id="rId24"/>
     <p:sldId id="645" r:id="rId25"/>
     <p:sldId id="632" r:id="rId26"/>
-    <p:sldId id="573" r:id="rId27"/>
-    <p:sldId id="574" r:id="rId28"/>
-    <p:sldId id="575" r:id="rId29"/>
-    <p:sldId id="576" r:id="rId30"/>
-    <p:sldId id="577" r:id="rId31"/>
-    <p:sldId id="581" r:id="rId32"/>
-    <p:sldId id="584" r:id="rId33"/>
-    <p:sldId id="590" r:id="rId34"/>
-    <p:sldId id="587" r:id="rId35"/>
-    <p:sldId id="591" r:id="rId36"/>
-    <p:sldId id="592" r:id="rId37"/>
-    <p:sldId id="593" r:id="rId38"/>
-    <p:sldId id="595" r:id="rId39"/>
-    <p:sldId id="594" r:id="rId40"/>
-    <p:sldId id="597" r:id="rId41"/>
-    <p:sldId id="646" r:id="rId42"/>
-    <p:sldId id="647" r:id="rId43"/>
-    <p:sldId id="648" r:id="rId44"/>
-    <p:sldId id="649" r:id="rId45"/>
-    <p:sldId id="650" r:id="rId46"/>
-    <p:sldId id="651" r:id="rId47"/>
-    <p:sldId id="652" r:id="rId48"/>
-    <p:sldId id="653" r:id="rId49"/>
-    <p:sldId id="654" r:id="rId50"/>
-    <p:sldId id="600" r:id="rId51"/>
+    <p:sldId id="646" r:id="rId27"/>
+    <p:sldId id="647" r:id="rId28"/>
+    <p:sldId id="648" r:id="rId29"/>
+    <p:sldId id="649" r:id="rId30"/>
+    <p:sldId id="650" r:id="rId31"/>
+    <p:sldId id="651" r:id="rId32"/>
+    <p:sldId id="652" r:id="rId33"/>
+    <p:sldId id="653" r:id="rId34"/>
+    <p:sldId id="654" r:id="rId35"/>
+    <p:sldId id="600" r:id="rId36"/>
   </p:sldIdLst>
   <p:sldSz cx="9363075" cy="5257800"/>
   <p:notesSz cx="6858000" cy="9144000"/>
@@ -280,7 +265,7 @@
           <a:p>
             <a:fld id="{DB92F479-4B50-F243-9713-1B12EC2B4BDB}" type="datetimeFigureOut">
               <a:rPr lang="en-US" smtClean="0"/>
-              <a:t>3/30/14</a:t>
+              <a:t>8/17/14</a:t>
             </a:fld>
             <a:endParaRPr lang="en-US"/>
           </a:p>
@@ -2556,9 +2541,32 @@
           <a:bodyPr/>
           <a:lstStyle/>
           <a:p>
-            <a:r>
-              <a:rPr lang="en-US" baseline="0" dirty="0" smtClean="0"/>
-              <a:t>Polynomial regression is a linear modeling technique</a:t>
+            <a:pPr marL="0" marR="0" indent="0" algn="l" defTabSz="457200" rtl="0" eaLnBrk="1" fontAlgn="auto" latinLnBrk="0" hangingPunct="1">
+              <a:lnSpc>
+                <a:spcPct val="100000"/>
+              </a:lnSpc>
+              <a:spcBef>
+                <a:spcPts val="0"/>
+              </a:spcBef>
+              <a:spcAft>
+                <a:spcPts val="0"/>
+              </a:spcAft>
+              <a:buClrTx/>
+              <a:buSzTx/>
+              <a:buFontTx/>
+              <a:buNone/>
+              <a:tabLst/>
+              <a:defRPr/>
+            </a:pPr>
+            <a:r>
+              <a:rPr lang="en-US" sz="1200" baseline="0" dirty="0" smtClean="0">
+                <a:solidFill>
+                  <a:prstClr val="black"/>
+                </a:solidFill>
+                <a:latin typeface="ArialMT"/>
+                <a:sym typeface="Wingdings"/>
+              </a:rPr>
+              <a:t> </a:t>
             </a:r>
           </a:p>
         </p:txBody>
@@ -2589,7 +2597,7 @@
     </p:spTree>
     <p:extLst>
       <p:ext uri="{BB962C8B-B14F-4D97-AF65-F5344CB8AC3E}">
-        <p14:creationId xmlns:p14="http://schemas.microsoft.com/office/powerpoint/2010/main" val="158773868"/>
+        <p14:creationId xmlns:p14="http://schemas.microsoft.com/office/powerpoint/2010/main" val="645762702"/>
       </p:ext>
     </p:extLst>
   </p:cSld>
@@ -2888,7 +2896,7 @@
                 <a:latin typeface="ArialMT"/>
                 <a:sym typeface="Wingdings"/>
               </a:rPr>
-              <a:t>Linear in the parameter vector.</a:t>
+              <a:t> </a:t>
             </a:r>
           </a:p>
         </p:txBody>
@@ -2998,7 +3006,7 @@
                 <a:latin typeface="ArialMT"/>
                 <a:sym typeface="Wingdings"/>
               </a:rPr>
-              <a:t>Note: nonlinear regression refers to something different!</a:t>
+              <a:t> </a:t>
             </a:r>
           </a:p>
         </p:txBody>
@@ -3526,7 +3534,7 @@
                 <a:latin typeface="ArialMT"/>
                 <a:sym typeface="Wingdings"/>
               </a:rPr>
-              <a:t>Show scatterplot of x9, x10 in R.</a:t>
+              <a:t> </a:t>
             </a:r>
           </a:p>
         </p:txBody>
@@ -3611,33 +3619,7 @@
           <a:bodyPr/>
           <a:lstStyle/>
           <a:p>
-            <a:pPr marL="0" marR="0" indent="0" algn="l" defTabSz="457200" rtl="0" eaLnBrk="1" fontAlgn="auto" latinLnBrk="0" hangingPunct="1">
-              <a:lnSpc>
-                <a:spcPct val="100000"/>
-              </a:lnSpc>
-              <a:spcBef>
-                <a:spcPts val="0"/>
-              </a:spcBef>
-              <a:spcAft>
-                <a:spcPts val="0"/>
-              </a:spcAft>
-              <a:buClrTx/>
-              <a:buSzTx/>
-              <a:buFontTx/>
-              <a:buNone/>
-              <a:tabLst/>
-              <a:defRPr/>
-            </a:pPr>
-            <a:r>
-              <a:rPr lang="en-US" sz="1200" baseline="0" dirty="0" smtClean="0">
-                <a:solidFill>
-                  <a:prstClr val="black"/>
-                </a:solidFill>
-                <a:latin typeface="ArialMT"/>
-                <a:sym typeface="Wingdings"/>
-              </a:rPr>
-              <a:t> </a:t>
-            </a:r>
+            <a:endParaRPr lang="en-US" baseline="0" dirty="0" smtClean="0"/>
           </a:p>
         </p:txBody>
       </p:sp>
@@ -3667,557 +3649,7 @@
     </p:spTree>
     <p:extLst>
       <p:ext uri="{BB962C8B-B14F-4D97-AF65-F5344CB8AC3E}">
-        <p14:creationId xmlns:p14="http://schemas.microsoft.com/office/powerpoint/2010/main" val="645762702"/>
-      </p:ext>
-    </p:extLst>
-  </p:cSld>
-  <p:clrMapOvr>
-    <a:masterClrMapping/>
-  </p:clrMapOvr>
-</p:notes>
-</file>
-
-<file path=ppt/notesSlides/notesSlide35.xml><?xml version="1.0" encoding="utf-8"?>
-<p:notes xmlns:a="http://schemas.openxmlformats.org/drawingml/2006/main" xmlns:r="http://schemas.openxmlformats.org/officeDocument/2006/relationships" xmlns:p="http://schemas.openxmlformats.org/presentationml/2006/main">
-  <p:cSld>
-    <p:spTree>
-      <p:nvGrpSpPr>
-        <p:cNvPr id="1" name=""/>
-        <p:cNvGrpSpPr/>
-        <p:nvPr/>
-      </p:nvGrpSpPr>
-      <p:grpSpPr>
-        <a:xfrm>
-          <a:off x="0" y="0"/>
-          <a:ext cx="0" cy="0"/>
-          <a:chOff x="0" y="0"/>
-          <a:chExt cx="0" cy="0"/>
-        </a:xfrm>
-      </p:grpSpPr>
-      <p:sp>
-        <p:nvSpPr>
-          <p:cNvPr id="2" name="Slide Image Placeholder 1"/>
-          <p:cNvSpPr>
-            <a:spLocks noGrp="1" noRot="1" noChangeAspect="1"/>
-          </p:cNvSpPr>
-          <p:nvPr>
-            <p:ph type="sldImg"/>
-          </p:nvPr>
-        </p:nvSpPr>
-        <p:spPr/>
-      </p:sp>
-      <p:sp>
-        <p:nvSpPr>
-          <p:cNvPr id="3" name="Notes Placeholder 2"/>
-          <p:cNvSpPr>
-            <a:spLocks noGrp="1"/>
-          </p:cNvSpPr>
-          <p:nvPr>
-            <p:ph type="body" idx="1"/>
-          </p:nvPr>
-        </p:nvSpPr>
-        <p:spPr/>
-        <p:txBody>
-          <a:bodyPr/>
-          <a:lstStyle/>
-          <a:p>
-            <a:pPr marL="0" marR="0" indent="0" algn="l" defTabSz="457200" rtl="0" eaLnBrk="1" fontAlgn="auto" latinLnBrk="0" hangingPunct="1">
-              <a:lnSpc>
-                <a:spcPct val="100000"/>
-              </a:lnSpc>
-              <a:spcBef>
-                <a:spcPts val="0"/>
-              </a:spcBef>
-              <a:spcAft>
-                <a:spcPts val="0"/>
-              </a:spcAft>
-              <a:buClrTx/>
-              <a:buSzTx/>
-              <a:buFontTx/>
-              <a:buNone/>
-              <a:tabLst/>
-              <a:defRPr/>
-            </a:pPr>
-            <a:r>
-              <a:rPr lang="en-US" sz="1200" baseline="0" dirty="0" smtClean="0">
-                <a:solidFill>
-                  <a:prstClr val="black"/>
-                </a:solidFill>
-                <a:latin typeface="ArialMT"/>
-                <a:sym typeface="Wingdings"/>
-              </a:rPr>
-              <a:t> </a:t>
-            </a:r>
-          </a:p>
-        </p:txBody>
-      </p:sp>
-      <p:sp>
-        <p:nvSpPr>
-          <p:cNvPr id="4" name="Slide Number Placeholder 3"/>
-          <p:cNvSpPr>
-            <a:spLocks noGrp="1"/>
-          </p:cNvSpPr>
-          <p:nvPr>
-            <p:ph type="sldNum" sz="quarter" idx="10"/>
-          </p:nvPr>
-        </p:nvSpPr>
-        <p:spPr/>
-        <p:txBody>
-          <a:bodyPr/>
-          <a:lstStyle/>
-          <a:p>
-            <a:fld id="{ADD4B5B7-85EF-4E48-AC80-2380FACD9C23}" type="slidenum">
-              <a:rPr lang="en-US" smtClean="0"/>
-              <a:t>35</a:t>
-            </a:fld>
-            <a:endParaRPr lang="en-US"/>
-          </a:p>
-        </p:txBody>
-      </p:sp>
-    </p:spTree>
-    <p:extLst>
-      <p:ext uri="{BB962C8B-B14F-4D97-AF65-F5344CB8AC3E}">
-        <p14:creationId xmlns:p14="http://schemas.microsoft.com/office/powerpoint/2010/main" val="645762702"/>
-      </p:ext>
-    </p:extLst>
-  </p:cSld>
-  <p:clrMapOvr>
-    <a:masterClrMapping/>
-  </p:clrMapOvr>
-</p:notes>
-</file>
-
-<file path=ppt/notesSlides/notesSlide36.xml><?xml version="1.0" encoding="utf-8"?>
-<p:notes xmlns:a="http://schemas.openxmlformats.org/drawingml/2006/main" xmlns:r="http://schemas.openxmlformats.org/officeDocument/2006/relationships" xmlns:p="http://schemas.openxmlformats.org/presentationml/2006/main">
-  <p:cSld>
-    <p:spTree>
-      <p:nvGrpSpPr>
-        <p:cNvPr id="1" name=""/>
-        <p:cNvGrpSpPr/>
-        <p:nvPr/>
-      </p:nvGrpSpPr>
-      <p:grpSpPr>
-        <a:xfrm>
-          <a:off x="0" y="0"/>
-          <a:ext cx="0" cy="0"/>
-          <a:chOff x="0" y="0"/>
-          <a:chExt cx="0" cy="0"/>
-        </a:xfrm>
-      </p:grpSpPr>
-      <p:sp>
-        <p:nvSpPr>
-          <p:cNvPr id="2" name="Slide Image Placeholder 1"/>
-          <p:cNvSpPr>
-            <a:spLocks noGrp="1" noRot="1" noChangeAspect="1"/>
-          </p:cNvSpPr>
-          <p:nvPr>
-            <p:ph type="sldImg"/>
-          </p:nvPr>
-        </p:nvSpPr>
-        <p:spPr/>
-      </p:sp>
-      <p:sp>
-        <p:nvSpPr>
-          <p:cNvPr id="3" name="Notes Placeholder 2"/>
-          <p:cNvSpPr>
-            <a:spLocks noGrp="1"/>
-          </p:cNvSpPr>
-          <p:nvPr>
-            <p:ph type="body" idx="1"/>
-          </p:nvPr>
-        </p:nvSpPr>
-        <p:spPr/>
-        <p:txBody>
-          <a:bodyPr/>
-          <a:lstStyle/>
-          <a:p>
-            <a:pPr marL="0" marR="0" indent="0" algn="l" defTabSz="457200" rtl="0" eaLnBrk="1" fontAlgn="auto" latinLnBrk="0" hangingPunct="1">
-              <a:lnSpc>
-                <a:spcPct val="100000"/>
-              </a:lnSpc>
-              <a:spcBef>
-                <a:spcPts val="0"/>
-              </a:spcBef>
-              <a:spcAft>
-                <a:spcPts val="0"/>
-              </a:spcAft>
-              <a:buClrTx/>
-              <a:buSzTx/>
-              <a:buFontTx/>
-              <a:buNone/>
-              <a:tabLst/>
-              <a:defRPr/>
-            </a:pPr>
-            <a:r>
-              <a:rPr lang="en-US" sz="1200" baseline="0" dirty="0" smtClean="0">
-                <a:solidFill>
-                  <a:prstClr val="black"/>
-                </a:solidFill>
-                <a:latin typeface="ArialMT"/>
-                <a:sym typeface="Wingdings"/>
-              </a:rPr>
-              <a:t> </a:t>
-            </a:r>
-          </a:p>
-        </p:txBody>
-      </p:sp>
-      <p:sp>
-        <p:nvSpPr>
-          <p:cNvPr id="4" name="Slide Number Placeholder 3"/>
-          <p:cNvSpPr>
-            <a:spLocks noGrp="1"/>
-          </p:cNvSpPr>
-          <p:nvPr>
-            <p:ph type="sldNum" sz="quarter" idx="10"/>
-          </p:nvPr>
-        </p:nvSpPr>
-        <p:spPr/>
-        <p:txBody>
-          <a:bodyPr/>
-          <a:lstStyle/>
-          <a:p>
-            <a:fld id="{ADD4B5B7-85EF-4E48-AC80-2380FACD9C23}" type="slidenum">
-              <a:rPr lang="en-US" smtClean="0"/>
-              <a:t>36</a:t>
-            </a:fld>
-            <a:endParaRPr lang="en-US"/>
-          </a:p>
-        </p:txBody>
-      </p:sp>
-    </p:spTree>
-    <p:extLst>
-      <p:ext uri="{BB962C8B-B14F-4D97-AF65-F5344CB8AC3E}">
-        <p14:creationId xmlns:p14="http://schemas.microsoft.com/office/powerpoint/2010/main" val="645762702"/>
-      </p:ext>
-    </p:extLst>
-  </p:cSld>
-  <p:clrMapOvr>
-    <a:masterClrMapping/>
-  </p:clrMapOvr>
-</p:notes>
-</file>
-
-<file path=ppt/notesSlides/notesSlide37.xml><?xml version="1.0" encoding="utf-8"?>
-<p:notes xmlns:a="http://schemas.openxmlformats.org/drawingml/2006/main" xmlns:r="http://schemas.openxmlformats.org/officeDocument/2006/relationships" xmlns:p="http://schemas.openxmlformats.org/presentationml/2006/main">
-  <p:cSld>
-    <p:spTree>
-      <p:nvGrpSpPr>
-        <p:cNvPr id="1" name=""/>
-        <p:cNvGrpSpPr/>
-        <p:nvPr/>
-      </p:nvGrpSpPr>
-      <p:grpSpPr>
-        <a:xfrm>
-          <a:off x="0" y="0"/>
-          <a:ext cx="0" cy="0"/>
-          <a:chOff x="0" y="0"/>
-          <a:chExt cx="0" cy="0"/>
-        </a:xfrm>
-      </p:grpSpPr>
-      <p:sp>
-        <p:nvSpPr>
-          <p:cNvPr id="2" name="Slide Image Placeholder 1"/>
-          <p:cNvSpPr>
-            <a:spLocks noGrp="1" noRot="1" noChangeAspect="1"/>
-          </p:cNvSpPr>
-          <p:nvPr>
-            <p:ph type="sldImg"/>
-          </p:nvPr>
-        </p:nvSpPr>
-        <p:spPr/>
-      </p:sp>
-      <p:sp>
-        <p:nvSpPr>
-          <p:cNvPr id="3" name="Notes Placeholder 2"/>
-          <p:cNvSpPr>
-            <a:spLocks noGrp="1"/>
-          </p:cNvSpPr>
-          <p:nvPr>
-            <p:ph type="body" idx="1"/>
-          </p:nvPr>
-        </p:nvSpPr>
-        <p:spPr/>
-        <p:txBody>
-          <a:bodyPr/>
-          <a:lstStyle/>
-          <a:p>
-            <a:pPr marL="0" marR="0" indent="0" algn="l" defTabSz="457200" rtl="0" eaLnBrk="1" fontAlgn="auto" latinLnBrk="0" hangingPunct="1">
-              <a:lnSpc>
-                <a:spcPct val="100000"/>
-              </a:lnSpc>
-              <a:spcBef>
-                <a:spcPts val="0"/>
-              </a:spcBef>
-              <a:spcAft>
-                <a:spcPts val="0"/>
-              </a:spcAft>
-              <a:buClrTx/>
-              <a:buSzTx/>
-              <a:buFontTx/>
-              <a:buNone/>
-              <a:tabLst/>
-              <a:defRPr/>
-            </a:pPr>
-            <a:r>
-              <a:rPr lang="en-US" sz="1200" baseline="0" dirty="0" smtClean="0">
-                <a:solidFill>
-                  <a:prstClr val="black"/>
-                </a:solidFill>
-                <a:latin typeface="ArialMT"/>
-                <a:sym typeface="Wingdings"/>
-              </a:rPr>
-              <a:t> </a:t>
-            </a:r>
-          </a:p>
-        </p:txBody>
-      </p:sp>
-      <p:sp>
-        <p:nvSpPr>
-          <p:cNvPr id="4" name="Slide Number Placeholder 3"/>
-          <p:cNvSpPr>
-            <a:spLocks noGrp="1"/>
-          </p:cNvSpPr>
-          <p:nvPr>
-            <p:ph type="sldNum" sz="quarter" idx="10"/>
-          </p:nvPr>
-        </p:nvSpPr>
-        <p:spPr/>
-        <p:txBody>
-          <a:bodyPr/>
-          <a:lstStyle/>
-          <a:p>
-            <a:fld id="{ADD4B5B7-85EF-4E48-AC80-2380FACD9C23}" type="slidenum">
-              <a:rPr lang="en-US" smtClean="0"/>
-              <a:t>37</a:t>
-            </a:fld>
-            <a:endParaRPr lang="en-US"/>
-          </a:p>
-        </p:txBody>
-      </p:sp>
-    </p:spTree>
-    <p:extLst>
-      <p:ext uri="{BB962C8B-B14F-4D97-AF65-F5344CB8AC3E}">
-        <p14:creationId xmlns:p14="http://schemas.microsoft.com/office/powerpoint/2010/main" val="645762702"/>
-      </p:ext>
-    </p:extLst>
-  </p:cSld>
-  <p:clrMapOvr>
-    <a:masterClrMapping/>
-  </p:clrMapOvr>
-</p:notes>
-</file>
-
-<file path=ppt/notesSlides/notesSlide38.xml><?xml version="1.0" encoding="utf-8"?>
-<p:notes xmlns:a="http://schemas.openxmlformats.org/drawingml/2006/main" xmlns:r="http://schemas.openxmlformats.org/officeDocument/2006/relationships" xmlns:p="http://schemas.openxmlformats.org/presentationml/2006/main">
-  <p:cSld>
-    <p:spTree>
-      <p:nvGrpSpPr>
-        <p:cNvPr id="1" name=""/>
-        <p:cNvGrpSpPr/>
-        <p:nvPr/>
-      </p:nvGrpSpPr>
-      <p:grpSpPr>
-        <a:xfrm>
-          <a:off x="0" y="0"/>
-          <a:ext cx="0" cy="0"/>
-          <a:chOff x="0" y="0"/>
-          <a:chExt cx="0" cy="0"/>
-        </a:xfrm>
-      </p:grpSpPr>
-      <p:sp>
-        <p:nvSpPr>
-          <p:cNvPr id="2" name="Slide Image Placeholder 1"/>
-          <p:cNvSpPr>
-            <a:spLocks noGrp="1" noRot="1" noChangeAspect="1"/>
-          </p:cNvSpPr>
-          <p:nvPr>
-            <p:ph type="sldImg"/>
-          </p:nvPr>
-        </p:nvSpPr>
-        <p:spPr/>
-      </p:sp>
-      <p:sp>
-        <p:nvSpPr>
-          <p:cNvPr id="3" name="Notes Placeholder 2"/>
-          <p:cNvSpPr>
-            <a:spLocks noGrp="1"/>
-          </p:cNvSpPr>
-          <p:nvPr>
-            <p:ph type="body" idx="1"/>
-          </p:nvPr>
-        </p:nvSpPr>
-        <p:spPr/>
-        <p:txBody>
-          <a:bodyPr/>
-          <a:lstStyle/>
-          <a:p>
-            <a:pPr marL="0" marR="0" indent="0" algn="l" defTabSz="457200" rtl="0" eaLnBrk="1" fontAlgn="auto" latinLnBrk="0" hangingPunct="1">
-              <a:lnSpc>
-                <a:spcPct val="100000"/>
-              </a:lnSpc>
-              <a:spcBef>
-                <a:spcPts val="0"/>
-              </a:spcBef>
-              <a:spcAft>
-                <a:spcPts val="0"/>
-              </a:spcAft>
-              <a:buClrTx/>
-              <a:buSzTx/>
-              <a:buFontTx/>
-              <a:buNone/>
-              <a:tabLst/>
-              <a:defRPr/>
-            </a:pPr>
-            <a:r>
-              <a:rPr lang="en-US" sz="1200" baseline="0" dirty="0" smtClean="0">
-                <a:solidFill>
-                  <a:prstClr val="black"/>
-                </a:solidFill>
-                <a:latin typeface="ArialMT"/>
-                <a:sym typeface="Wingdings"/>
-              </a:rPr>
-              <a:t> </a:t>
-            </a:r>
-          </a:p>
-        </p:txBody>
-      </p:sp>
-      <p:sp>
-        <p:nvSpPr>
-          <p:cNvPr id="4" name="Slide Number Placeholder 3"/>
-          <p:cNvSpPr>
-            <a:spLocks noGrp="1"/>
-          </p:cNvSpPr>
-          <p:nvPr>
-            <p:ph type="sldNum" sz="quarter" idx="10"/>
-          </p:nvPr>
-        </p:nvSpPr>
-        <p:spPr/>
-        <p:txBody>
-          <a:bodyPr/>
-          <a:lstStyle/>
-          <a:p>
-            <a:fld id="{ADD4B5B7-85EF-4E48-AC80-2380FACD9C23}" type="slidenum">
-              <a:rPr lang="en-US" smtClean="0"/>
-              <a:t>38</a:t>
-            </a:fld>
-            <a:endParaRPr lang="en-US"/>
-          </a:p>
-        </p:txBody>
-      </p:sp>
-    </p:spTree>
-    <p:extLst>
-      <p:ext uri="{BB962C8B-B14F-4D97-AF65-F5344CB8AC3E}">
-        <p14:creationId xmlns:p14="http://schemas.microsoft.com/office/powerpoint/2010/main" val="645762702"/>
-      </p:ext>
-    </p:extLst>
-  </p:cSld>
-  <p:clrMapOvr>
-    <a:masterClrMapping/>
-  </p:clrMapOvr>
-</p:notes>
-</file>
-
-<file path=ppt/notesSlides/notesSlide39.xml><?xml version="1.0" encoding="utf-8"?>
-<p:notes xmlns:a="http://schemas.openxmlformats.org/drawingml/2006/main" xmlns:r="http://schemas.openxmlformats.org/officeDocument/2006/relationships" xmlns:p="http://schemas.openxmlformats.org/presentationml/2006/main">
-  <p:cSld>
-    <p:spTree>
-      <p:nvGrpSpPr>
-        <p:cNvPr id="1" name=""/>
-        <p:cNvGrpSpPr/>
-        <p:nvPr/>
-      </p:nvGrpSpPr>
-      <p:grpSpPr>
-        <a:xfrm>
-          <a:off x="0" y="0"/>
-          <a:ext cx="0" cy="0"/>
-          <a:chOff x="0" y="0"/>
-          <a:chExt cx="0" cy="0"/>
-        </a:xfrm>
-      </p:grpSpPr>
-      <p:sp>
-        <p:nvSpPr>
-          <p:cNvPr id="2" name="Slide Image Placeholder 1"/>
-          <p:cNvSpPr>
-            <a:spLocks noGrp="1" noRot="1" noChangeAspect="1"/>
-          </p:cNvSpPr>
-          <p:nvPr>
-            <p:ph type="sldImg"/>
-          </p:nvPr>
-        </p:nvSpPr>
-        <p:spPr/>
-      </p:sp>
-      <p:sp>
-        <p:nvSpPr>
-          <p:cNvPr id="3" name="Notes Placeholder 2"/>
-          <p:cNvSpPr>
-            <a:spLocks noGrp="1"/>
-          </p:cNvSpPr>
-          <p:nvPr>
-            <p:ph type="body" idx="1"/>
-          </p:nvPr>
-        </p:nvSpPr>
-        <p:spPr/>
-        <p:txBody>
-          <a:bodyPr/>
-          <a:lstStyle/>
-          <a:p>
-            <a:pPr marL="0" marR="0" indent="0" algn="l" defTabSz="457200" rtl="0" eaLnBrk="1" fontAlgn="auto" latinLnBrk="0" hangingPunct="1">
-              <a:lnSpc>
-                <a:spcPct val="100000"/>
-              </a:lnSpc>
-              <a:spcBef>
-                <a:spcPts val="0"/>
-              </a:spcBef>
-              <a:spcAft>
-                <a:spcPts val="0"/>
-              </a:spcAft>
-              <a:buClrTx/>
-              <a:buSzTx/>
-              <a:buFontTx/>
-              <a:buNone/>
-              <a:tabLst/>
-              <a:defRPr/>
-            </a:pPr>
-            <a:r>
-              <a:rPr lang="en-US" sz="1200" baseline="0" dirty="0" smtClean="0">
-                <a:solidFill>
-                  <a:prstClr val="black"/>
-                </a:solidFill>
-                <a:latin typeface="ArialMT"/>
-                <a:sym typeface="Wingdings"/>
-              </a:rPr>
-              <a:t>R can handle this for us automatically, and it’s really easy as we will see!</a:t>
-            </a:r>
-          </a:p>
-        </p:txBody>
-      </p:sp>
-      <p:sp>
-        <p:nvSpPr>
-          <p:cNvPr id="4" name="Slide Number Placeholder 3"/>
-          <p:cNvSpPr>
-            <a:spLocks noGrp="1"/>
-          </p:cNvSpPr>
-          <p:nvPr>
-            <p:ph type="sldNum" sz="quarter" idx="10"/>
-          </p:nvPr>
-        </p:nvSpPr>
-        <p:spPr/>
-        <p:txBody>
-          <a:bodyPr/>
-          <a:lstStyle/>
-          <a:p>
-            <a:fld id="{ADD4B5B7-85EF-4E48-AC80-2380FACD9C23}" type="slidenum">
-              <a:rPr lang="en-US" smtClean="0"/>
-              <a:t>39</a:t>
-            </a:fld>
-            <a:endParaRPr lang="en-US"/>
-          </a:p>
-        </p:txBody>
-      </p:sp>
-    </p:spTree>
-    <p:extLst>
-      <p:ext uri="{BB962C8B-B14F-4D97-AF65-F5344CB8AC3E}">
-        <p14:creationId xmlns:p14="http://schemas.microsoft.com/office/powerpoint/2010/main" val="645762702"/>
+        <p14:creationId xmlns:p14="http://schemas.microsoft.com/office/powerpoint/2010/main" val="158773868"/>
       </p:ext>
     </p:extLst>
   </p:cSld>
@@ -4328,1080 +3760,6 @@
     <p:extLst>
       <p:ext uri="{BB962C8B-B14F-4D97-AF65-F5344CB8AC3E}">
         <p14:creationId xmlns:p14="http://schemas.microsoft.com/office/powerpoint/2010/main" val="645762702"/>
-      </p:ext>
-    </p:extLst>
-  </p:cSld>
-  <p:clrMapOvr>
-    <a:masterClrMapping/>
-  </p:clrMapOvr>
-</p:notes>
-</file>
-
-<file path=ppt/notesSlides/notesSlide40.xml><?xml version="1.0" encoding="utf-8"?>
-<p:notes xmlns:a="http://schemas.openxmlformats.org/drawingml/2006/main" xmlns:r="http://schemas.openxmlformats.org/officeDocument/2006/relationships" xmlns:p="http://schemas.openxmlformats.org/presentationml/2006/main">
-  <p:cSld>
-    <p:spTree>
-      <p:nvGrpSpPr>
-        <p:cNvPr id="1" name=""/>
-        <p:cNvGrpSpPr/>
-        <p:nvPr/>
-      </p:nvGrpSpPr>
-      <p:grpSpPr>
-        <a:xfrm>
-          <a:off x="0" y="0"/>
-          <a:ext cx="0" cy="0"/>
-          <a:chOff x="0" y="0"/>
-          <a:chExt cx="0" cy="0"/>
-        </a:xfrm>
-      </p:grpSpPr>
-      <p:sp>
-        <p:nvSpPr>
-          <p:cNvPr id="2" name="Slide Image Placeholder 1"/>
-          <p:cNvSpPr>
-            <a:spLocks noGrp="1" noRot="1" noChangeAspect="1"/>
-          </p:cNvSpPr>
-          <p:nvPr>
-            <p:ph type="sldImg"/>
-          </p:nvPr>
-        </p:nvSpPr>
-        <p:spPr/>
-      </p:sp>
-      <p:sp>
-        <p:nvSpPr>
-          <p:cNvPr id="3" name="Notes Placeholder 2"/>
-          <p:cNvSpPr>
-            <a:spLocks noGrp="1"/>
-          </p:cNvSpPr>
-          <p:nvPr>
-            <p:ph type="body" idx="1"/>
-          </p:nvPr>
-        </p:nvSpPr>
-        <p:spPr/>
-        <p:txBody>
-          <a:bodyPr/>
-          <a:lstStyle/>
-          <a:p>
-            <a:pPr marL="0" marR="0" indent="0" algn="l" defTabSz="457200" rtl="0" eaLnBrk="1" fontAlgn="auto" latinLnBrk="0" hangingPunct="1">
-              <a:lnSpc>
-                <a:spcPct val="100000"/>
-              </a:lnSpc>
-              <a:spcBef>
-                <a:spcPts val="0"/>
-              </a:spcBef>
-              <a:spcAft>
-                <a:spcPts val="0"/>
-              </a:spcAft>
-              <a:buClrTx/>
-              <a:buSzTx/>
-              <a:buFontTx/>
-              <a:buNone/>
-              <a:tabLst/>
-              <a:defRPr/>
-            </a:pPr>
-            <a:r>
-              <a:rPr lang="en-US" sz="1200" baseline="0" dirty="0" smtClean="0">
-                <a:solidFill>
-                  <a:prstClr val="black"/>
-                </a:solidFill>
-                <a:latin typeface="ArialMT"/>
-                <a:sym typeface="Wingdings"/>
-              </a:rPr>
-              <a:t> </a:t>
-            </a:r>
-          </a:p>
-        </p:txBody>
-      </p:sp>
-      <p:sp>
-        <p:nvSpPr>
-          <p:cNvPr id="4" name="Slide Number Placeholder 3"/>
-          <p:cNvSpPr>
-            <a:spLocks noGrp="1"/>
-          </p:cNvSpPr>
-          <p:nvPr>
-            <p:ph type="sldNum" sz="quarter" idx="10"/>
-          </p:nvPr>
-        </p:nvSpPr>
-        <p:spPr/>
-        <p:txBody>
-          <a:bodyPr/>
-          <a:lstStyle/>
-          <a:p>
-            <a:fld id="{ADD4B5B7-85EF-4E48-AC80-2380FACD9C23}" type="slidenum">
-              <a:rPr lang="en-US" smtClean="0"/>
-              <a:t>40</a:t>
-            </a:fld>
-            <a:endParaRPr lang="en-US"/>
-          </a:p>
-        </p:txBody>
-      </p:sp>
-    </p:spTree>
-    <p:extLst>
-      <p:ext uri="{BB962C8B-B14F-4D97-AF65-F5344CB8AC3E}">
-        <p14:creationId xmlns:p14="http://schemas.microsoft.com/office/powerpoint/2010/main" val="645762702"/>
-      </p:ext>
-    </p:extLst>
-  </p:cSld>
-  <p:clrMapOvr>
-    <a:masterClrMapping/>
-  </p:clrMapOvr>
-</p:notes>
-</file>
-
-<file path=ppt/notesSlides/notesSlide41.xml><?xml version="1.0" encoding="utf-8"?>
-<p:notes xmlns:a="http://schemas.openxmlformats.org/drawingml/2006/main" xmlns:r="http://schemas.openxmlformats.org/officeDocument/2006/relationships" xmlns:p="http://schemas.openxmlformats.org/presentationml/2006/main">
-  <p:cSld>
-    <p:spTree>
-      <p:nvGrpSpPr>
-        <p:cNvPr id="1" name=""/>
-        <p:cNvGrpSpPr/>
-        <p:nvPr/>
-      </p:nvGrpSpPr>
-      <p:grpSpPr>
-        <a:xfrm>
-          <a:off x="0" y="0"/>
-          <a:ext cx="0" cy="0"/>
-          <a:chOff x="0" y="0"/>
-          <a:chExt cx="0" cy="0"/>
-        </a:xfrm>
-      </p:grpSpPr>
-      <p:sp>
-        <p:nvSpPr>
-          <p:cNvPr id="2" name="Slide Image Placeholder 1"/>
-          <p:cNvSpPr>
-            <a:spLocks noGrp="1" noRot="1" noChangeAspect="1"/>
-          </p:cNvSpPr>
-          <p:nvPr>
-            <p:ph type="sldImg"/>
-          </p:nvPr>
-        </p:nvSpPr>
-        <p:spPr/>
-      </p:sp>
-      <p:sp>
-        <p:nvSpPr>
-          <p:cNvPr id="3" name="Notes Placeholder 2"/>
-          <p:cNvSpPr>
-            <a:spLocks noGrp="1"/>
-          </p:cNvSpPr>
-          <p:nvPr>
-            <p:ph type="body" idx="1"/>
-          </p:nvPr>
-        </p:nvSpPr>
-        <p:spPr/>
-        <p:txBody>
-          <a:bodyPr/>
-          <a:lstStyle/>
-          <a:p>
-            <a:pPr marL="0" marR="0" indent="0" algn="l" defTabSz="457200" rtl="0" eaLnBrk="1" fontAlgn="auto" latinLnBrk="0" hangingPunct="1">
-              <a:lnSpc>
-                <a:spcPct val="100000"/>
-              </a:lnSpc>
-              <a:spcBef>
-                <a:spcPts val="0"/>
-              </a:spcBef>
-              <a:spcAft>
-                <a:spcPts val="0"/>
-              </a:spcAft>
-              <a:buClrTx/>
-              <a:buSzTx/>
-              <a:buFontTx/>
-              <a:buNone/>
-              <a:tabLst/>
-              <a:defRPr/>
-            </a:pPr>
-            <a:r>
-              <a:rPr lang="en-US" sz="1200" baseline="0" dirty="0" smtClean="0">
-                <a:solidFill>
-                  <a:prstClr val="black"/>
-                </a:solidFill>
-                <a:latin typeface="ArialMT"/>
-                <a:sym typeface="Wingdings"/>
-              </a:rPr>
-              <a:t> </a:t>
-            </a:r>
-          </a:p>
-        </p:txBody>
-      </p:sp>
-      <p:sp>
-        <p:nvSpPr>
-          <p:cNvPr id="4" name="Slide Number Placeholder 3"/>
-          <p:cNvSpPr>
-            <a:spLocks noGrp="1"/>
-          </p:cNvSpPr>
-          <p:nvPr>
-            <p:ph type="sldNum" sz="quarter" idx="10"/>
-          </p:nvPr>
-        </p:nvSpPr>
-        <p:spPr/>
-        <p:txBody>
-          <a:bodyPr/>
-          <a:lstStyle/>
-          <a:p>
-            <a:fld id="{ADD4B5B7-85EF-4E48-AC80-2380FACD9C23}" type="slidenum">
-              <a:rPr lang="en-US" smtClean="0"/>
-              <a:t>41</a:t>
-            </a:fld>
-            <a:endParaRPr lang="en-US"/>
-          </a:p>
-        </p:txBody>
-      </p:sp>
-    </p:spTree>
-    <p:extLst>
-      <p:ext uri="{BB962C8B-B14F-4D97-AF65-F5344CB8AC3E}">
-        <p14:creationId xmlns:p14="http://schemas.microsoft.com/office/powerpoint/2010/main" val="645762702"/>
-      </p:ext>
-    </p:extLst>
-  </p:cSld>
-  <p:clrMapOvr>
-    <a:masterClrMapping/>
-  </p:clrMapOvr>
-</p:notes>
-</file>
-
-<file path=ppt/notesSlides/notesSlide42.xml><?xml version="1.0" encoding="utf-8"?>
-<p:notes xmlns:a="http://schemas.openxmlformats.org/drawingml/2006/main" xmlns:r="http://schemas.openxmlformats.org/officeDocument/2006/relationships" xmlns:p="http://schemas.openxmlformats.org/presentationml/2006/main">
-  <p:cSld>
-    <p:spTree>
-      <p:nvGrpSpPr>
-        <p:cNvPr id="1" name=""/>
-        <p:cNvGrpSpPr/>
-        <p:nvPr/>
-      </p:nvGrpSpPr>
-      <p:grpSpPr>
-        <a:xfrm>
-          <a:off x="0" y="0"/>
-          <a:ext cx="0" cy="0"/>
-          <a:chOff x="0" y="0"/>
-          <a:chExt cx="0" cy="0"/>
-        </a:xfrm>
-      </p:grpSpPr>
-      <p:sp>
-        <p:nvSpPr>
-          <p:cNvPr id="2" name="Slide Image Placeholder 1"/>
-          <p:cNvSpPr>
-            <a:spLocks noGrp="1" noRot="1" noChangeAspect="1"/>
-          </p:cNvSpPr>
-          <p:nvPr>
-            <p:ph type="sldImg"/>
-          </p:nvPr>
-        </p:nvSpPr>
-        <p:spPr/>
-      </p:sp>
-      <p:sp>
-        <p:nvSpPr>
-          <p:cNvPr id="3" name="Notes Placeholder 2"/>
-          <p:cNvSpPr>
-            <a:spLocks noGrp="1"/>
-          </p:cNvSpPr>
-          <p:nvPr>
-            <p:ph type="body" idx="1"/>
-          </p:nvPr>
-        </p:nvSpPr>
-        <p:spPr/>
-        <p:txBody>
-          <a:bodyPr/>
-          <a:lstStyle/>
-          <a:p>
-            <a:pPr marL="0" marR="0" indent="0" algn="l" defTabSz="457200" rtl="0" eaLnBrk="1" fontAlgn="auto" latinLnBrk="0" hangingPunct="1">
-              <a:lnSpc>
-                <a:spcPct val="100000"/>
-              </a:lnSpc>
-              <a:spcBef>
-                <a:spcPts val="0"/>
-              </a:spcBef>
-              <a:spcAft>
-                <a:spcPts val="0"/>
-              </a:spcAft>
-              <a:buClrTx/>
-              <a:buSzTx/>
-              <a:buFontTx/>
-              <a:buNone/>
-              <a:tabLst/>
-              <a:defRPr/>
-            </a:pPr>
-            <a:r>
-              <a:rPr lang="en-US" sz="1200" baseline="0" dirty="0" smtClean="0">
-                <a:solidFill>
-                  <a:prstClr val="black"/>
-                </a:solidFill>
-                <a:latin typeface="ArialMT"/>
-                <a:sym typeface="Wingdings"/>
-              </a:rPr>
-              <a:t> </a:t>
-            </a:r>
-          </a:p>
-        </p:txBody>
-      </p:sp>
-      <p:sp>
-        <p:nvSpPr>
-          <p:cNvPr id="4" name="Slide Number Placeholder 3"/>
-          <p:cNvSpPr>
-            <a:spLocks noGrp="1"/>
-          </p:cNvSpPr>
-          <p:nvPr>
-            <p:ph type="sldNum" sz="quarter" idx="10"/>
-          </p:nvPr>
-        </p:nvSpPr>
-        <p:spPr/>
-        <p:txBody>
-          <a:bodyPr/>
-          <a:lstStyle/>
-          <a:p>
-            <a:fld id="{ADD4B5B7-85EF-4E48-AC80-2380FACD9C23}" type="slidenum">
-              <a:rPr lang="en-US" smtClean="0"/>
-              <a:t>42</a:t>
-            </a:fld>
-            <a:endParaRPr lang="en-US"/>
-          </a:p>
-        </p:txBody>
-      </p:sp>
-    </p:spTree>
-    <p:extLst>
-      <p:ext uri="{BB962C8B-B14F-4D97-AF65-F5344CB8AC3E}">
-        <p14:creationId xmlns:p14="http://schemas.microsoft.com/office/powerpoint/2010/main" val="645762702"/>
-      </p:ext>
-    </p:extLst>
-  </p:cSld>
-  <p:clrMapOvr>
-    <a:masterClrMapping/>
-  </p:clrMapOvr>
-</p:notes>
-</file>
-
-<file path=ppt/notesSlides/notesSlide43.xml><?xml version="1.0" encoding="utf-8"?>
-<p:notes xmlns:a="http://schemas.openxmlformats.org/drawingml/2006/main" xmlns:r="http://schemas.openxmlformats.org/officeDocument/2006/relationships" xmlns:p="http://schemas.openxmlformats.org/presentationml/2006/main">
-  <p:cSld>
-    <p:spTree>
-      <p:nvGrpSpPr>
-        <p:cNvPr id="1" name=""/>
-        <p:cNvGrpSpPr/>
-        <p:nvPr/>
-      </p:nvGrpSpPr>
-      <p:grpSpPr>
-        <a:xfrm>
-          <a:off x="0" y="0"/>
-          <a:ext cx="0" cy="0"/>
-          <a:chOff x="0" y="0"/>
-          <a:chExt cx="0" cy="0"/>
-        </a:xfrm>
-      </p:grpSpPr>
-      <p:sp>
-        <p:nvSpPr>
-          <p:cNvPr id="2" name="Slide Image Placeholder 1"/>
-          <p:cNvSpPr>
-            <a:spLocks noGrp="1" noRot="1" noChangeAspect="1"/>
-          </p:cNvSpPr>
-          <p:nvPr>
-            <p:ph type="sldImg"/>
-          </p:nvPr>
-        </p:nvSpPr>
-        <p:spPr/>
-      </p:sp>
-      <p:sp>
-        <p:nvSpPr>
-          <p:cNvPr id="3" name="Notes Placeholder 2"/>
-          <p:cNvSpPr>
-            <a:spLocks noGrp="1"/>
-          </p:cNvSpPr>
-          <p:nvPr>
-            <p:ph type="body" idx="1"/>
-          </p:nvPr>
-        </p:nvSpPr>
-        <p:spPr/>
-        <p:txBody>
-          <a:bodyPr/>
-          <a:lstStyle/>
-          <a:p>
-            <a:pPr marL="0" marR="0" indent="0" algn="l" defTabSz="457200" rtl="0" eaLnBrk="1" fontAlgn="auto" latinLnBrk="0" hangingPunct="1">
-              <a:lnSpc>
-                <a:spcPct val="100000"/>
-              </a:lnSpc>
-              <a:spcBef>
-                <a:spcPts val="0"/>
-              </a:spcBef>
-              <a:spcAft>
-                <a:spcPts val="0"/>
-              </a:spcAft>
-              <a:buClrTx/>
-              <a:buSzTx/>
-              <a:buFontTx/>
-              <a:buNone/>
-              <a:tabLst/>
-              <a:defRPr/>
-            </a:pPr>
-            <a:r>
-              <a:rPr lang="en-US" sz="1200" baseline="0" dirty="0" smtClean="0">
-                <a:solidFill>
-                  <a:prstClr val="black"/>
-                </a:solidFill>
-                <a:latin typeface="ArialMT"/>
-                <a:sym typeface="Wingdings"/>
-              </a:rPr>
-              <a:t> </a:t>
-            </a:r>
-          </a:p>
-        </p:txBody>
-      </p:sp>
-      <p:sp>
-        <p:nvSpPr>
-          <p:cNvPr id="4" name="Slide Number Placeholder 3"/>
-          <p:cNvSpPr>
-            <a:spLocks noGrp="1"/>
-          </p:cNvSpPr>
-          <p:nvPr>
-            <p:ph type="sldNum" sz="quarter" idx="10"/>
-          </p:nvPr>
-        </p:nvSpPr>
-        <p:spPr/>
-        <p:txBody>
-          <a:bodyPr/>
-          <a:lstStyle/>
-          <a:p>
-            <a:fld id="{ADD4B5B7-85EF-4E48-AC80-2380FACD9C23}" type="slidenum">
-              <a:rPr lang="en-US" smtClean="0"/>
-              <a:t>43</a:t>
-            </a:fld>
-            <a:endParaRPr lang="en-US"/>
-          </a:p>
-        </p:txBody>
-      </p:sp>
-    </p:spTree>
-    <p:extLst>
-      <p:ext uri="{BB962C8B-B14F-4D97-AF65-F5344CB8AC3E}">
-        <p14:creationId xmlns:p14="http://schemas.microsoft.com/office/powerpoint/2010/main" val="645762702"/>
-      </p:ext>
-    </p:extLst>
-  </p:cSld>
-  <p:clrMapOvr>
-    <a:masterClrMapping/>
-  </p:clrMapOvr>
-</p:notes>
-</file>
-
-<file path=ppt/notesSlides/notesSlide44.xml><?xml version="1.0" encoding="utf-8"?>
-<p:notes xmlns:a="http://schemas.openxmlformats.org/drawingml/2006/main" xmlns:r="http://schemas.openxmlformats.org/officeDocument/2006/relationships" xmlns:p="http://schemas.openxmlformats.org/presentationml/2006/main">
-  <p:cSld>
-    <p:spTree>
-      <p:nvGrpSpPr>
-        <p:cNvPr id="1" name=""/>
-        <p:cNvGrpSpPr/>
-        <p:nvPr/>
-      </p:nvGrpSpPr>
-      <p:grpSpPr>
-        <a:xfrm>
-          <a:off x="0" y="0"/>
-          <a:ext cx="0" cy="0"/>
-          <a:chOff x="0" y="0"/>
-          <a:chExt cx="0" cy="0"/>
-        </a:xfrm>
-      </p:grpSpPr>
-      <p:sp>
-        <p:nvSpPr>
-          <p:cNvPr id="2" name="Slide Image Placeholder 1"/>
-          <p:cNvSpPr>
-            <a:spLocks noGrp="1" noRot="1" noChangeAspect="1"/>
-          </p:cNvSpPr>
-          <p:nvPr>
-            <p:ph type="sldImg"/>
-          </p:nvPr>
-        </p:nvSpPr>
-        <p:spPr/>
-      </p:sp>
-      <p:sp>
-        <p:nvSpPr>
-          <p:cNvPr id="3" name="Notes Placeholder 2"/>
-          <p:cNvSpPr>
-            <a:spLocks noGrp="1"/>
-          </p:cNvSpPr>
-          <p:nvPr>
-            <p:ph type="body" idx="1"/>
-          </p:nvPr>
-        </p:nvSpPr>
-        <p:spPr/>
-        <p:txBody>
-          <a:bodyPr/>
-          <a:lstStyle/>
-          <a:p>
-            <a:pPr marL="0" marR="0" indent="0" algn="l" defTabSz="457200" rtl="0" eaLnBrk="1" fontAlgn="auto" latinLnBrk="0" hangingPunct="1">
-              <a:lnSpc>
-                <a:spcPct val="100000"/>
-              </a:lnSpc>
-              <a:spcBef>
-                <a:spcPts val="0"/>
-              </a:spcBef>
-              <a:spcAft>
-                <a:spcPts val="0"/>
-              </a:spcAft>
-              <a:buClrTx/>
-              <a:buSzTx/>
-              <a:buFontTx/>
-              <a:buNone/>
-              <a:tabLst/>
-              <a:defRPr/>
-            </a:pPr>
-            <a:r>
-              <a:rPr lang="en-US" sz="1200" baseline="0" dirty="0" smtClean="0">
-                <a:solidFill>
-                  <a:prstClr val="black"/>
-                </a:solidFill>
-                <a:latin typeface="ArialMT"/>
-                <a:sym typeface="Wingdings"/>
-              </a:rPr>
-              <a:t> </a:t>
-            </a:r>
-          </a:p>
-        </p:txBody>
-      </p:sp>
-      <p:sp>
-        <p:nvSpPr>
-          <p:cNvPr id="4" name="Slide Number Placeholder 3"/>
-          <p:cNvSpPr>
-            <a:spLocks noGrp="1"/>
-          </p:cNvSpPr>
-          <p:nvPr>
-            <p:ph type="sldNum" sz="quarter" idx="10"/>
-          </p:nvPr>
-        </p:nvSpPr>
-        <p:spPr/>
-        <p:txBody>
-          <a:bodyPr/>
-          <a:lstStyle/>
-          <a:p>
-            <a:fld id="{ADD4B5B7-85EF-4E48-AC80-2380FACD9C23}" type="slidenum">
-              <a:rPr lang="en-US" smtClean="0"/>
-              <a:t>44</a:t>
-            </a:fld>
-            <a:endParaRPr lang="en-US"/>
-          </a:p>
-        </p:txBody>
-      </p:sp>
-    </p:spTree>
-    <p:extLst>
-      <p:ext uri="{BB962C8B-B14F-4D97-AF65-F5344CB8AC3E}">
-        <p14:creationId xmlns:p14="http://schemas.microsoft.com/office/powerpoint/2010/main" val="645762702"/>
-      </p:ext>
-    </p:extLst>
-  </p:cSld>
-  <p:clrMapOvr>
-    <a:masterClrMapping/>
-  </p:clrMapOvr>
-</p:notes>
-</file>
-
-<file path=ppt/notesSlides/notesSlide45.xml><?xml version="1.0" encoding="utf-8"?>
-<p:notes xmlns:a="http://schemas.openxmlformats.org/drawingml/2006/main" xmlns:r="http://schemas.openxmlformats.org/officeDocument/2006/relationships" xmlns:p="http://schemas.openxmlformats.org/presentationml/2006/main">
-  <p:cSld>
-    <p:spTree>
-      <p:nvGrpSpPr>
-        <p:cNvPr id="1" name=""/>
-        <p:cNvGrpSpPr/>
-        <p:nvPr/>
-      </p:nvGrpSpPr>
-      <p:grpSpPr>
-        <a:xfrm>
-          <a:off x="0" y="0"/>
-          <a:ext cx="0" cy="0"/>
-          <a:chOff x="0" y="0"/>
-          <a:chExt cx="0" cy="0"/>
-        </a:xfrm>
-      </p:grpSpPr>
-      <p:sp>
-        <p:nvSpPr>
-          <p:cNvPr id="2" name="Slide Image Placeholder 1"/>
-          <p:cNvSpPr>
-            <a:spLocks noGrp="1" noRot="1" noChangeAspect="1"/>
-          </p:cNvSpPr>
-          <p:nvPr>
-            <p:ph type="sldImg"/>
-          </p:nvPr>
-        </p:nvSpPr>
-        <p:spPr/>
-      </p:sp>
-      <p:sp>
-        <p:nvSpPr>
-          <p:cNvPr id="3" name="Notes Placeholder 2"/>
-          <p:cNvSpPr>
-            <a:spLocks noGrp="1"/>
-          </p:cNvSpPr>
-          <p:nvPr>
-            <p:ph type="body" idx="1"/>
-          </p:nvPr>
-        </p:nvSpPr>
-        <p:spPr/>
-        <p:txBody>
-          <a:bodyPr/>
-          <a:lstStyle/>
-          <a:p>
-            <a:pPr marL="0" marR="0" indent="0" algn="l" defTabSz="457200" rtl="0" eaLnBrk="1" fontAlgn="auto" latinLnBrk="0" hangingPunct="1">
-              <a:lnSpc>
-                <a:spcPct val="100000"/>
-              </a:lnSpc>
-              <a:spcBef>
-                <a:spcPts val="0"/>
-              </a:spcBef>
-              <a:spcAft>
-                <a:spcPts val="0"/>
-              </a:spcAft>
-              <a:buClrTx/>
-              <a:buSzTx/>
-              <a:buFontTx/>
-              <a:buNone/>
-              <a:tabLst/>
-              <a:defRPr/>
-            </a:pPr>
-            <a:r>
-              <a:rPr lang="en-US" sz="1200" baseline="0" dirty="0" smtClean="0">
-                <a:solidFill>
-                  <a:prstClr val="black"/>
-                </a:solidFill>
-                <a:latin typeface="ArialMT"/>
-                <a:sym typeface="Wingdings"/>
-              </a:rPr>
-              <a:t> </a:t>
-            </a:r>
-          </a:p>
-        </p:txBody>
-      </p:sp>
-      <p:sp>
-        <p:nvSpPr>
-          <p:cNvPr id="4" name="Slide Number Placeholder 3"/>
-          <p:cNvSpPr>
-            <a:spLocks noGrp="1"/>
-          </p:cNvSpPr>
-          <p:nvPr>
-            <p:ph type="sldNum" sz="quarter" idx="10"/>
-          </p:nvPr>
-        </p:nvSpPr>
-        <p:spPr/>
-        <p:txBody>
-          <a:bodyPr/>
-          <a:lstStyle/>
-          <a:p>
-            <a:fld id="{ADD4B5B7-85EF-4E48-AC80-2380FACD9C23}" type="slidenum">
-              <a:rPr lang="en-US" smtClean="0"/>
-              <a:t>45</a:t>
-            </a:fld>
-            <a:endParaRPr lang="en-US"/>
-          </a:p>
-        </p:txBody>
-      </p:sp>
-    </p:spTree>
-    <p:extLst>
-      <p:ext uri="{BB962C8B-B14F-4D97-AF65-F5344CB8AC3E}">
-        <p14:creationId xmlns:p14="http://schemas.microsoft.com/office/powerpoint/2010/main" val="645762702"/>
-      </p:ext>
-    </p:extLst>
-  </p:cSld>
-  <p:clrMapOvr>
-    <a:masterClrMapping/>
-  </p:clrMapOvr>
-</p:notes>
-</file>
-
-<file path=ppt/notesSlides/notesSlide46.xml><?xml version="1.0" encoding="utf-8"?>
-<p:notes xmlns:a="http://schemas.openxmlformats.org/drawingml/2006/main" xmlns:r="http://schemas.openxmlformats.org/officeDocument/2006/relationships" xmlns:p="http://schemas.openxmlformats.org/presentationml/2006/main">
-  <p:cSld>
-    <p:spTree>
-      <p:nvGrpSpPr>
-        <p:cNvPr id="1" name=""/>
-        <p:cNvGrpSpPr/>
-        <p:nvPr/>
-      </p:nvGrpSpPr>
-      <p:grpSpPr>
-        <a:xfrm>
-          <a:off x="0" y="0"/>
-          <a:ext cx="0" cy="0"/>
-          <a:chOff x="0" y="0"/>
-          <a:chExt cx="0" cy="0"/>
-        </a:xfrm>
-      </p:grpSpPr>
-      <p:sp>
-        <p:nvSpPr>
-          <p:cNvPr id="2" name="Slide Image Placeholder 1"/>
-          <p:cNvSpPr>
-            <a:spLocks noGrp="1" noRot="1" noChangeAspect="1"/>
-          </p:cNvSpPr>
-          <p:nvPr>
-            <p:ph type="sldImg"/>
-          </p:nvPr>
-        </p:nvSpPr>
-        <p:spPr/>
-      </p:sp>
-      <p:sp>
-        <p:nvSpPr>
-          <p:cNvPr id="3" name="Notes Placeholder 2"/>
-          <p:cNvSpPr>
-            <a:spLocks noGrp="1"/>
-          </p:cNvSpPr>
-          <p:nvPr>
-            <p:ph type="body" idx="1"/>
-          </p:nvPr>
-        </p:nvSpPr>
-        <p:spPr/>
-        <p:txBody>
-          <a:bodyPr/>
-          <a:lstStyle/>
-          <a:p>
-            <a:pPr marL="0" marR="0" indent="0" algn="l" defTabSz="457200" rtl="0" eaLnBrk="1" fontAlgn="auto" latinLnBrk="0" hangingPunct="1">
-              <a:lnSpc>
-                <a:spcPct val="100000"/>
-              </a:lnSpc>
-              <a:spcBef>
-                <a:spcPts val="0"/>
-              </a:spcBef>
-              <a:spcAft>
-                <a:spcPts val="0"/>
-              </a:spcAft>
-              <a:buClrTx/>
-              <a:buSzTx/>
-              <a:buFontTx/>
-              <a:buNone/>
-              <a:tabLst/>
-              <a:defRPr/>
-            </a:pPr>
-            <a:r>
-              <a:rPr lang="en-US" sz="1200" baseline="0" dirty="0" smtClean="0">
-                <a:solidFill>
-                  <a:prstClr val="black"/>
-                </a:solidFill>
-                <a:latin typeface="ArialMT"/>
-                <a:sym typeface="Wingdings"/>
-              </a:rPr>
-              <a:t> </a:t>
-            </a:r>
-          </a:p>
-        </p:txBody>
-      </p:sp>
-      <p:sp>
-        <p:nvSpPr>
-          <p:cNvPr id="4" name="Slide Number Placeholder 3"/>
-          <p:cNvSpPr>
-            <a:spLocks noGrp="1"/>
-          </p:cNvSpPr>
-          <p:nvPr>
-            <p:ph type="sldNum" sz="quarter" idx="10"/>
-          </p:nvPr>
-        </p:nvSpPr>
-        <p:spPr/>
-        <p:txBody>
-          <a:bodyPr/>
-          <a:lstStyle/>
-          <a:p>
-            <a:fld id="{ADD4B5B7-85EF-4E48-AC80-2380FACD9C23}" type="slidenum">
-              <a:rPr lang="en-US" smtClean="0"/>
-              <a:t>46</a:t>
-            </a:fld>
-            <a:endParaRPr lang="en-US"/>
-          </a:p>
-        </p:txBody>
-      </p:sp>
-    </p:spTree>
-    <p:extLst>
-      <p:ext uri="{BB962C8B-B14F-4D97-AF65-F5344CB8AC3E}">
-        <p14:creationId xmlns:p14="http://schemas.microsoft.com/office/powerpoint/2010/main" val="645762702"/>
-      </p:ext>
-    </p:extLst>
-  </p:cSld>
-  <p:clrMapOvr>
-    <a:masterClrMapping/>
-  </p:clrMapOvr>
-</p:notes>
-</file>
-
-<file path=ppt/notesSlides/notesSlide47.xml><?xml version="1.0" encoding="utf-8"?>
-<p:notes xmlns:a="http://schemas.openxmlformats.org/drawingml/2006/main" xmlns:r="http://schemas.openxmlformats.org/officeDocument/2006/relationships" xmlns:p="http://schemas.openxmlformats.org/presentationml/2006/main">
-  <p:cSld>
-    <p:spTree>
-      <p:nvGrpSpPr>
-        <p:cNvPr id="1" name=""/>
-        <p:cNvGrpSpPr/>
-        <p:nvPr/>
-      </p:nvGrpSpPr>
-      <p:grpSpPr>
-        <a:xfrm>
-          <a:off x="0" y="0"/>
-          <a:ext cx="0" cy="0"/>
-          <a:chOff x="0" y="0"/>
-          <a:chExt cx="0" cy="0"/>
-        </a:xfrm>
-      </p:grpSpPr>
-      <p:sp>
-        <p:nvSpPr>
-          <p:cNvPr id="2" name="Slide Image Placeholder 1"/>
-          <p:cNvSpPr>
-            <a:spLocks noGrp="1" noRot="1" noChangeAspect="1"/>
-          </p:cNvSpPr>
-          <p:nvPr>
-            <p:ph type="sldImg"/>
-          </p:nvPr>
-        </p:nvSpPr>
-        <p:spPr/>
-      </p:sp>
-      <p:sp>
-        <p:nvSpPr>
-          <p:cNvPr id="3" name="Notes Placeholder 2"/>
-          <p:cNvSpPr>
-            <a:spLocks noGrp="1"/>
-          </p:cNvSpPr>
-          <p:nvPr>
-            <p:ph type="body" idx="1"/>
-          </p:nvPr>
-        </p:nvSpPr>
-        <p:spPr/>
-        <p:txBody>
-          <a:bodyPr/>
-          <a:lstStyle/>
-          <a:p>
-            <a:pPr marL="0" marR="0" indent="0" algn="l" defTabSz="457200" rtl="0" eaLnBrk="1" fontAlgn="auto" latinLnBrk="0" hangingPunct="1">
-              <a:lnSpc>
-                <a:spcPct val="100000"/>
-              </a:lnSpc>
-              <a:spcBef>
-                <a:spcPts val="0"/>
-              </a:spcBef>
-              <a:spcAft>
-                <a:spcPts val="0"/>
-              </a:spcAft>
-              <a:buClrTx/>
-              <a:buSzTx/>
-              <a:buFontTx/>
-              <a:buNone/>
-              <a:tabLst/>
-              <a:defRPr/>
-            </a:pPr>
-            <a:r>
-              <a:rPr lang="en-US" sz="1200" baseline="0" dirty="0" smtClean="0">
-                <a:solidFill>
-                  <a:prstClr val="black"/>
-                </a:solidFill>
-                <a:latin typeface="ArialMT"/>
-                <a:sym typeface="Wingdings"/>
-              </a:rPr>
-              <a:t> </a:t>
-            </a:r>
-          </a:p>
-        </p:txBody>
-      </p:sp>
-      <p:sp>
-        <p:nvSpPr>
-          <p:cNvPr id="4" name="Slide Number Placeholder 3"/>
-          <p:cNvSpPr>
-            <a:spLocks noGrp="1"/>
-          </p:cNvSpPr>
-          <p:nvPr>
-            <p:ph type="sldNum" sz="quarter" idx="10"/>
-          </p:nvPr>
-        </p:nvSpPr>
-        <p:spPr/>
-        <p:txBody>
-          <a:bodyPr/>
-          <a:lstStyle/>
-          <a:p>
-            <a:fld id="{ADD4B5B7-85EF-4E48-AC80-2380FACD9C23}" type="slidenum">
-              <a:rPr lang="en-US" smtClean="0"/>
-              <a:t>47</a:t>
-            </a:fld>
-            <a:endParaRPr lang="en-US"/>
-          </a:p>
-        </p:txBody>
-      </p:sp>
-    </p:spTree>
-    <p:extLst>
-      <p:ext uri="{BB962C8B-B14F-4D97-AF65-F5344CB8AC3E}">
-        <p14:creationId xmlns:p14="http://schemas.microsoft.com/office/powerpoint/2010/main" val="645762702"/>
-      </p:ext>
-    </p:extLst>
-  </p:cSld>
-  <p:clrMapOvr>
-    <a:masterClrMapping/>
-  </p:clrMapOvr>
-</p:notes>
-</file>
-
-<file path=ppt/notesSlides/notesSlide48.xml><?xml version="1.0" encoding="utf-8"?>
-<p:notes xmlns:a="http://schemas.openxmlformats.org/drawingml/2006/main" xmlns:r="http://schemas.openxmlformats.org/officeDocument/2006/relationships" xmlns:p="http://schemas.openxmlformats.org/presentationml/2006/main">
-  <p:cSld>
-    <p:spTree>
-      <p:nvGrpSpPr>
-        <p:cNvPr id="1" name=""/>
-        <p:cNvGrpSpPr/>
-        <p:nvPr/>
-      </p:nvGrpSpPr>
-      <p:grpSpPr>
-        <a:xfrm>
-          <a:off x="0" y="0"/>
-          <a:ext cx="0" cy="0"/>
-          <a:chOff x="0" y="0"/>
-          <a:chExt cx="0" cy="0"/>
-        </a:xfrm>
-      </p:grpSpPr>
-      <p:sp>
-        <p:nvSpPr>
-          <p:cNvPr id="2" name="Slide Image Placeholder 1"/>
-          <p:cNvSpPr>
-            <a:spLocks noGrp="1" noRot="1" noChangeAspect="1"/>
-          </p:cNvSpPr>
-          <p:nvPr>
-            <p:ph type="sldImg"/>
-          </p:nvPr>
-        </p:nvSpPr>
-        <p:spPr/>
-      </p:sp>
-      <p:sp>
-        <p:nvSpPr>
-          <p:cNvPr id="3" name="Notes Placeholder 2"/>
-          <p:cNvSpPr>
-            <a:spLocks noGrp="1"/>
-          </p:cNvSpPr>
-          <p:nvPr>
-            <p:ph type="body" idx="1"/>
-          </p:nvPr>
-        </p:nvSpPr>
-        <p:spPr/>
-        <p:txBody>
-          <a:bodyPr/>
-          <a:lstStyle/>
-          <a:p>
-            <a:pPr marL="0" marR="0" indent="0" algn="l" defTabSz="457200" rtl="0" eaLnBrk="1" fontAlgn="auto" latinLnBrk="0" hangingPunct="1">
-              <a:lnSpc>
-                <a:spcPct val="100000"/>
-              </a:lnSpc>
-              <a:spcBef>
-                <a:spcPts val="0"/>
-              </a:spcBef>
-              <a:spcAft>
-                <a:spcPts val="0"/>
-              </a:spcAft>
-              <a:buClrTx/>
-              <a:buSzTx/>
-              <a:buFontTx/>
-              <a:buNone/>
-              <a:tabLst/>
-              <a:defRPr/>
-            </a:pPr>
-            <a:r>
-              <a:rPr lang="en-US" sz="1200" baseline="0" dirty="0" smtClean="0">
-                <a:solidFill>
-                  <a:prstClr val="black"/>
-                </a:solidFill>
-                <a:latin typeface="ArialMT"/>
-                <a:sym typeface="Wingdings"/>
-              </a:rPr>
-              <a:t> </a:t>
-            </a:r>
-          </a:p>
-        </p:txBody>
-      </p:sp>
-      <p:sp>
-        <p:nvSpPr>
-          <p:cNvPr id="4" name="Slide Number Placeholder 3"/>
-          <p:cNvSpPr>
-            <a:spLocks noGrp="1"/>
-          </p:cNvSpPr>
-          <p:nvPr>
-            <p:ph type="sldNum" sz="quarter" idx="10"/>
-          </p:nvPr>
-        </p:nvSpPr>
-        <p:spPr/>
-        <p:txBody>
-          <a:bodyPr/>
-          <a:lstStyle/>
-          <a:p>
-            <a:fld id="{ADD4B5B7-85EF-4E48-AC80-2380FACD9C23}" type="slidenum">
-              <a:rPr lang="en-US" smtClean="0"/>
-              <a:t>48</a:t>
-            </a:fld>
-            <a:endParaRPr lang="en-US"/>
-          </a:p>
-        </p:txBody>
-      </p:sp>
-    </p:spTree>
-    <p:extLst>
-      <p:ext uri="{BB962C8B-B14F-4D97-AF65-F5344CB8AC3E}">
-        <p14:creationId xmlns:p14="http://schemas.microsoft.com/office/powerpoint/2010/main" val="645762702"/>
-      </p:ext>
-    </p:extLst>
-  </p:cSld>
-  <p:clrMapOvr>
-    <a:masterClrMapping/>
-  </p:clrMapOvr>
-</p:notes>
-</file>
-
-<file path=ppt/notesSlides/notesSlide49.xml><?xml version="1.0" encoding="utf-8"?>
-<p:notes xmlns:a="http://schemas.openxmlformats.org/drawingml/2006/main" xmlns:r="http://schemas.openxmlformats.org/officeDocument/2006/relationships" xmlns:p="http://schemas.openxmlformats.org/presentationml/2006/main">
-  <p:cSld>
-    <p:spTree>
-      <p:nvGrpSpPr>
-        <p:cNvPr id="1" name=""/>
-        <p:cNvGrpSpPr/>
-        <p:nvPr/>
-      </p:nvGrpSpPr>
-      <p:grpSpPr>
-        <a:xfrm>
-          <a:off x="0" y="0"/>
-          <a:ext cx="0" cy="0"/>
-          <a:chOff x="0" y="0"/>
-          <a:chExt cx="0" cy="0"/>
-        </a:xfrm>
-      </p:grpSpPr>
-      <p:sp>
-        <p:nvSpPr>
-          <p:cNvPr id="2" name="Slide Image Placeholder 1"/>
-          <p:cNvSpPr>
-            <a:spLocks noGrp="1" noRot="1" noChangeAspect="1"/>
-          </p:cNvSpPr>
-          <p:nvPr>
-            <p:ph type="sldImg"/>
-          </p:nvPr>
-        </p:nvSpPr>
-        <p:spPr/>
-      </p:sp>
-      <p:sp>
-        <p:nvSpPr>
-          <p:cNvPr id="3" name="Notes Placeholder 2"/>
-          <p:cNvSpPr>
-            <a:spLocks noGrp="1"/>
-          </p:cNvSpPr>
-          <p:nvPr>
-            <p:ph type="body" idx="1"/>
-          </p:nvPr>
-        </p:nvSpPr>
-        <p:spPr/>
-        <p:txBody>
-          <a:bodyPr/>
-          <a:lstStyle/>
-          <a:p>
-            <a:endParaRPr lang="en-US" baseline="0" dirty="0" smtClean="0"/>
-          </a:p>
-        </p:txBody>
-      </p:sp>
-      <p:sp>
-        <p:nvSpPr>
-          <p:cNvPr id="4" name="Slide Number Placeholder 3"/>
-          <p:cNvSpPr>
-            <a:spLocks noGrp="1"/>
-          </p:cNvSpPr>
-          <p:nvPr>
-            <p:ph type="sldNum" sz="quarter" idx="10"/>
-          </p:nvPr>
-        </p:nvSpPr>
-        <p:spPr/>
-        <p:txBody>
-          <a:bodyPr/>
-          <a:lstStyle/>
-          <a:p>
-            <a:fld id="{ADD4B5B7-85EF-4E48-AC80-2380FACD9C23}" type="slidenum">
-              <a:rPr lang="en-US" smtClean="0"/>
-              <a:t>49</a:t>
-            </a:fld>
-            <a:endParaRPr lang="en-US"/>
-          </a:p>
-        </p:txBody>
-      </p:sp>
-    </p:spTree>
-    <p:extLst>
-      <p:ext uri="{BB962C8B-B14F-4D97-AF65-F5344CB8AC3E}">
-        <p14:creationId xmlns:p14="http://schemas.microsoft.com/office/powerpoint/2010/main" val="158773868"/>
       </p:ext>
     </p:extLst>
   </p:cSld>
@@ -14963,56 +13321,7 @@
                 <a:latin typeface="PFDinTextCompPro-Italic"/>
                 <a:cs typeface="PFDinTextCompPro-Italic"/>
               </a:rPr>
-              <a:t>The </a:t>
-            </a:r>
-            <a:r>
-              <a:rPr lang="en-US" sz="3000" dirty="0" smtClean="0">
-                <a:latin typeface="PFDinTextCompPro-Italic"/>
-                <a:cs typeface="PFDinTextCompPro-Italic"/>
-              </a:rPr>
-              <a:t>details </a:t>
-            </a:r>
-            <a:r>
-              <a:rPr lang="en-US" sz="3000" dirty="0" smtClean="0">
-                <a:latin typeface="PFDinTextCompPro-Italic"/>
-                <a:cs typeface="PFDinTextCompPro-Italic"/>
-              </a:rPr>
-              <a:t>are</a:t>
-            </a:r>
-            <a:r>
-              <a:rPr lang="en-US" sz="3000" dirty="0" smtClean="0">
-                <a:latin typeface="PFDinTextCompPro-Italic"/>
-                <a:cs typeface="PFDinTextCompPro-Italic"/>
-              </a:rPr>
-              <a:t> </a:t>
-            </a:r>
-            <a:r>
-              <a:rPr lang="en-US" sz="3000" dirty="0" smtClean="0">
-                <a:latin typeface="PFDinTextCompPro-Italic"/>
-                <a:cs typeface="PFDinTextCompPro-Italic"/>
-              </a:rPr>
-              <a:t>not very important for our purposes, but you can check </a:t>
-            </a:r>
-            <a:r>
-              <a:rPr lang="en-US" sz="3000" dirty="0" smtClean="0">
-                <a:latin typeface="PFDinTextCompPro-Italic"/>
-                <a:cs typeface="PFDinTextCompPro-Italic"/>
-              </a:rPr>
-              <a:t>them</a:t>
-            </a:r>
-            <a:r>
-              <a:rPr lang="en-US" sz="3000" dirty="0" smtClean="0">
-                <a:latin typeface="PFDinTextCompPro-Italic"/>
-                <a:cs typeface="PFDinTextCompPro-Italic"/>
-              </a:rPr>
-              <a:t> </a:t>
-            </a:r>
-            <a:r>
-              <a:rPr lang="en-US" sz="3000" dirty="0" smtClean="0">
-                <a:latin typeface="PFDinTextCompPro-Italic"/>
-                <a:cs typeface="PFDinTextCompPro-Italic"/>
-              </a:rPr>
-              <a:t>out if you’re interested.</a:t>
+              <a:t>The details are not very important for our purposes, but you can check them out if you’re interested.</a:t>
             </a:r>
           </a:p>
         </p:txBody>
@@ -15276,15 +13585,7 @@
                 <a:ea typeface="ヒラギノ角ゴ ProN W6" charset="0"/>
                 <a:cs typeface="ヒラギノ角ゴ ProN W6" charset="0"/>
               </a:rPr>
-              <a:t>I. </a:t>
-            </a:r>
-            <a:r>
-              <a:rPr lang="en-US" sz="3000" dirty="0" smtClean="0">
-                <a:latin typeface="PFDinTextCompPro-Bold" charset="0"/>
-                <a:ea typeface="ヒラギノ角ゴ ProN W6" charset="0"/>
-                <a:cs typeface="ヒラギノ角ゴ ProN W6" charset="0"/>
-              </a:rPr>
-              <a:t>Linear </a:t>
+              <a:t>I. Linear </a:t>
             </a:r>
             <a:r>
               <a:rPr lang="en-US" sz="3000" dirty="0" smtClean="0">
@@ -15310,30 +13611,6 @@
               </a:rPr>
             </a:br>
             <a:r>
-              <a:rPr lang="en-US" sz="3000" dirty="0" err="1" smtClean="0">
-                <a:latin typeface="PFDinTextCompPro-Bold" charset="0"/>
-                <a:ea typeface="ヒラギノ角ゴ ProN W6" charset="0"/>
-                <a:cs typeface="ヒラギノ角ゴ ProN W6" charset="0"/>
-              </a:rPr>
-              <a:t>iI</a:t>
-            </a:r>
-            <a:r>
-              <a:rPr lang="en-US" sz="3000" dirty="0" smtClean="0">
-                <a:latin typeface="PFDinTextCompPro-Bold" charset="0"/>
-                <a:ea typeface="ヒラギノ角ゴ ProN W6" charset="0"/>
-                <a:cs typeface="ヒラギノ角ゴ ProN W6" charset="0"/>
-              </a:rPr>
-              <a:t>. </a:t>
-            </a:r>
-            <a:r>
-              <a:rPr lang="en-US" sz="3000" dirty="0" smtClean="0">
-                <a:latin typeface="PFDinTextCompPro-Bold" charset="0"/>
-                <a:ea typeface="ヒラギノ角ゴ ProN W6" charset="0"/>
-                <a:cs typeface="ヒラギノ角ゴ ProN W6" charset="0"/>
-              </a:rPr>
-              <a:t>Polynomial Regression</a:t>
-            </a:r>
-            <a:r>
               <a:rPr lang="en-US" sz="3000" dirty="0" smtClean="0">
                 <a:latin typeface="PFDinTextCompPro-Bold" charset="0"/>
                 <a:ea typeface="ヒラギノ角ゴ ProN W6" charset="0"/>
@@ -15354,7 +13631,7 @@
                 <a:ea typeface="ヒラギノ角ゴ ProN W6" charset="0"/>
                 <a:cs typeface="ヒラギノ角ゴ ProN W6" charset="0"/>
               </a:rPr>
-              <a:t/>
+              <a:t>exercises:</a:t>
             </a:r>
             <a:br>
               <a:rPr lang="en-US" sz="3000" dirty="0" smtClean="0">
@@ -15369,7 +13646,7 @@
                 <a:ea typeface="ヒラギノ角ゴ ProN W6" charset="0"/>
                 <a:cs typeface="ヒラギノ角ゴ ProN W6" charset="0"/>
               </a:rPr>
-              <a:t>exercises:</a:t>
+              <a:t>II. </a:t>
             </a:r>
             <a:r>
               <a:rPr lang="en-US" sz="3000" dirty="0" smtClean="0">
@@ -15377,45 +13654,15 @@
                 <a:ea typeface="ヒラギノ角ゴ ProN W6" charset="0"/>
                 <a:cs typeface="ヒラギノ角ゴ ProN W6" charset="0"/>
               </a:rPr>
-              <a:t/>
-            </a:r>
-            <a:br>
+              <a:t>Linear Regression in </a:t>
+            </a:r>
+            <a:r>
               <a:rPr lang="en-US" sz="3000" dirty="0" smtClean="0">
                 <a:latin typeface="PFDinTextCompPro-Bold" charset="0"/>
                 <a:ea typeface="ヒラギノ角ゴ ProN W6" charset="0"/>
                 <a:cs typeface="ヒラギノ角ゴ ProN W6" charset="0"/>
               </a:rPr>
-            </a:br>
-            <a:r>
-              <a:rPr lang="en-US" sz="3000" dirty="0" smtClean="0">
-                <a:latin typeface="PFDinTextCompPro-Bold" charset="0"/>
-                <a:ea typeface="ヒラギノ角ゴ ProN W6" charset="0"/>
-                <a:cs typeface="ヒラギノ角ゴ ProN W6" charset="0"/>
-              </a:rPr>
-              <a:t>III. </a:t>
-            </a:r>
-            <a:r>
-              <a:rPr lang="en-US" sz="3000" dirty="0" smtClean="0">
-                <a:latin typeface="PFDinTextCompPro-Bold" charset="0"/>
-                <a:ea typeface="ヒラギノ角ゴ ProN W6" charset="0"/>
-                <a:cs typeface="ヒラギノ角ゴ ProN W6" charset="0"/>
-              </a:rPr>
-              <a:t>Linear Regression in R</a:t>
-            </a:r>
-            <a:br>
-              <a:rPr lang="en-US" sz="3000" dirty="0" smtClean="0">
-                <a:latin typeface="PFDinTextCompPro-Bold" charset="0"/>
-                <a:ea typeface="ヒラギノ角ゴ ProN W6" charset="0"/>
-                <a:cs typeface="ヒラギノ角ゴ ProN W6" charset="0"/>
-              </a:rPr>
-            </a:br>
-            <a:r>
-              <a:rPr lang="en-US" sz="3000" dirty="0" smtClean="0">
-                <a:latin typeface="PFDinTextCompPro-Bold" charset="0"/>
-                <a:ea typeface="ヒラギノ角ゴ ProN W6" charset="0"/>
-                <a:cs typeface="ヒラギノ角ゴ ProN W6" charset="0"/>
-              </a:rPr>
-              <a:t>IV. Predicting Baseball Salaries</a:t>
+              <a:t>R</a:t>
             </a:r>
             <a:endParaRPr lang="en-US" sz="3000" cap="none" dirty="0">
               <a:latin typeface="PFDinTextCompPro-Bold" charset="0"/>
@@ -15786,28 +14033,7 @@
                 <a:latin typeface="PFDinTextCompPro-Italic"/>
                 <a:cs typeface="PFDinTextCompPro-Italic"/>
               </a:rPr>
-              <a:t>inimize </a:t>
-            </a:r>
-            <a:r>
-              <a:rPr lang="en-US" sz="3000" dirty="0" smtClean="0">
-                <a:latin typeface="PFDinTextCompPro-Italic"/>
-                <a:cs typeface="PFDinTextCompPro-Italic"/>
-              </a:rPr>
-              <a:t>the sum of the squared residuals (</a:t>
-            </a:r>
-            <a:r>
-              <a:rPr lang="en-US" sz="3000" dirty="0" smtClean="0">
-                <a:latin typeface="PFDinTextCompPro-Italic"/>
-                <a:cs typeface="PFDinTextCompPro-Italic"/>
-              </a:rPr>
-              <a:t>Ordinary Least Squares)</a:t>
-            </a:r>
-            <a:r>
-              <a:rPr lang="en-US" sz="3000" dirty="0" smtClean="0">
-                <a:latin typeface="PFDinTextCompPro-Italic"/>
-                <a:cs typeface="PFDinTextCompPro-Italic"/>
-              </a:rPr>
-              <a:t>.</a:t>
+              <a:t>inimize the sum of the squared residuals (Ordinary Least Squares).</a:t>
             </a:r>
           </a:p>
         </p:txBody>
@@ -16390,20 +14616,48 @@
       </p:grpSpPr>
       <p:sp>
         <p:nvSpPr>
-          <p:cNvPr id="2" name="Title 1"/>
-          <p:cNvSpPr>
-            <a:spLocks noGrp="1"/>
-          </p:cNvSpPr>
-          <p:nvPr>
-            <p:ph type="title"/>
+          <p:cNvPr id="4" name="Content Placeholder 3"/>
+          <p:cNvSpPr>
+            <a:spLocks noGrp="1"/>
+          </p:cNvSpPr>
+          <p:nvPr>
+            <p:ph sz="quarter" idx="11"/>
           </p:nvPr>
         </p:nvSpPr>
         <p:spPr>
           <a:xfrm>
-            <a:off x="347663" y="3467100"/>
-            <a:ext cx="8426450" cy="1828800"/>
+            <a:off x="414337" y="495300"/>
+            <a:ext cx="6400800" cy="304800"/>
           </a:xfrm>
         </p:spPr>
+        <p:txBody>
+          <a:bodyPr/>
+          <a:lstStyle/>
+          <a:p>
+            <a:pPr eaLnBrk="1" hangingPunct="1">
+              <a:lnSpc>
+                <a:spcPts val="2448"/>
+              </a:lnSpc>
+              <a:defRPr/>
+            </a:pPr>
+            <a:r>
+              <a:rPr lang="en-US" dirty="0"/>
+              <a:t>Intro to regression</a:t>
+            </a:r>
+          </a:p>
+        </p:txBody>
+      </p:sp>
+      <p:sp>
+        <p:nvSpPr>
+          <p:cNvPr id="8" name="Slide Number Placeholder 3"/>
+          <p:cNvSpPr>
+            <a:spLocks noGrp="1"/>
+          </p:cNvSpPr>
+          <p:nvPr>
+            <p:ph type="sldNum" sz="quarter" idx="13"/>
+          </p:nvPr>
+        </p:nvSpPr>
+        <p:spPr/>
         <p:txBody>
           <a:bodyPr/>
           <a:lstStyle/>
@@ -16411,58 +14665,56 @@
             <a:pPr>
               <a:defRPr/>
             </a:pPr>
-            <a:r>
-              <a:rPr lang="en-US" sz="7300" cap="none" dirty="0" smtClean="0"/>
-              <a:t/>
-            </a:r>
-            <a:br>
-              <a:rPr lang="en-US" sz="7300" cap="none" dirty="0" smtClean="0"/>
-            </a:br>
-            <a:r>
-              <a:rPr lang="en-US" sz="7300" cap="none" dirty="0" smtClean="0"/>
-              <a:t>II: POLYNOMIAL REGRESSION</a:t>
-            </a:r>
-            <a:endParaRPr lang="en-US" sz="7300" cap="none" dirty="0"/>
-          </a:p>
-        </p:txBody>
-      </p:sp>
-      <p:sp>
-        <p:nvSpPr>
-          <p:cNvPr id="4" name="Content Placeholder 3"/>
-          <p:cNvSpPr>
-            <a:spLocks noGrp="1"/>
-          </p:cNvSpPr>
-          <p:nvPr>
-            <p:ph sz="quarter" idx="11"/>
-          </p:nvPr>
+            <a:fld id="{BD5AD749-DAD1-6A4A-A2AA-CB20EAD0AEB7}" type="slidenum">
+              <a:rPr lang="en-US"/>
+              <a:pPr>
+                <a:defRPr/>
+              </a:pPr>
+              <a:t>25</a:t>
+            </a:fld>
+            <a:endParaRPr lang="en-US"/>
+          </a:p>
+        </p:txBody>
+      </p:sp>
+      <p:sp>
+        <p:nvSpPr>
+          <p:cNvPr id="9" name="TextBox 8"/>
+          <p:cNvSpPr txBox="1"/>
+          <p:nvPr/>
         </p:nvSpPr>
         <p:spPr>
           <a:xfrm>
-            <a:off x="371475" y="495300"/>
-            <a:ext cx="6400800" cy="304800"/>
+            <a:off x="566737" y="952500"/>
+            <a:ext cx="8382000" cy="1015663"/>
           </a:xfrm>
+          <a:prstGeom prst="rect">
+            <a:avLst/>
+          </a:prstGeom>
+          <a:noFill/>
         </p:spPr>
         <p:txBody>
-          <a:bodyPr wrap="square" lIns="91440" tIns="45720" rIns="91440" bIns="45720" numCol="1" anchor="t" anchorCtr="0" compatLnSpc="1">
-            <a:prstTxWarp prst="textNoShape">
-              <a:avLst/>
-            </a:prstTxWarp>
+          <a:bodyPr wrap="square" rtlCol="0">
+            <a:spAutoFit/>
           </a:bodyPr>
           <a:lstStyle/>
           <a:p>
-            <a:pPr marL="0" indent="0"/>
-            <a:r>
-              <a:rPr lang="en-US" cap="none" dirty="0" smtClean="0">
-                <a:latin typeface="PFDinTextCompPro-Bold" charset="0"/>
-                <a:ea typeface="ヒラギノ角ゴ ProN W3" charset="0"/>
-                <a:cs typeface="ヒラギノ角ゴ ProN W3" charset="0"/>
-              </a:rPr>
-              <a:t>INTRO TO DATA SCIENCE</a:t>
-            </a:r>
-            <a:endParaRPr lang="en-US" cap="none" dirty="0">
-              <a:latin typeface="PFDinTextCompPro-Bold" charset="0"/>
-              <a:ea typeface="ヒラギノ角ゴ ProN W3" charset="0"/>
-              <a:cs typeface="ヒラギノ角ゴ ProN W3" charset="0"/>
+            <a:pPr algn="l"/>
+            <a:r>
+              <a:rPr lang="en-US" sz="3000" dirty="0" smtClean="0">
+                <a:latin typeface="PFDinTextCompPro-Italic"/>
+                <a:cs typeface="PFDinTextCompPro-Italic"/>
+              </a:rPr>
+              <a:t>Q: So, how do we select a linear regression model?</a:t>
+            </a:r>
+          </a:p>
+          <a:p>
+            <a:pPr marL="457200" indent="-457200" algn="l">
+              <a:buFont typeface="Arial"/>
+              <a:buChar char="•"/>
+            </a:pPr>
+            <a:endParaRPr lang="en-US" sz="3000" dirty="0">
+              <a:latin typeface="PFDinTextCompPro-Italic"/>
+              <a:cs typeface="PFDinTextCompPro-Italic"/>
             </a:endParaRPr>
           </a:p>
         </p:txBody>
@@ -16470,7 +14722,7 @@
     </p:spTree>
     <p:extLst>
       <p:ext uri="{BB962C8B-B14F-4D97-AF65-F5344CB8AC3E}">
-        <p14:creationId xmlns:p14="http://schemas.microsoft.com/office/powerpoint/2010/main" val="3747571003"/>
+        <p14:creationId xmlns:p14="http://schemas.microsoft.com/office/powerpoint/2010/main" val="1165243398"/>
       </p:ext>
     </p:extLst>
   </p:cSld>
@@ -16533,7 +14785,7 @@
             </a:pPr>
             <a:r>
               <a:rPr lang="en-US" dirty="0"/>
-              <a:t>Polynomial regression</a:t>
+              <a:t>Intro to regression</a:t>
             </a:r>
           </a:p>
         </p:txBody>
@@ -16569,14 +14821,14 @@
       </p:sp>
       <p:sp>
         <p:nvSpPr>
-          <p:cNvPr id="5" name="TextBox 4"/>
+          <p:cNvPr id="9" name="TextBox 8"/>
           <p:cNvSpPr txBox="1"/>
           <p:nvPr/>
         </p:nvSpPr>
         <p:spPr>
           <a:xfrm>
-            <a:off x="566737" y="1104900"/>
-            <a:ext cx="8382000" cy="1169551"/>
+            <a:off x="566737" y="952500"/>
+            <a:ext cx="8382000" cy="1477328"/>
           </a:xfrm>
           <a:prstGeom prst="rect">
             <a:avLst/>
@@ -16595,140 +14847,38 @@
                 <a:latin typeface="PFDinTextCompPro-Italic"/>
                 <a:cs typeface="PFDinTextCompPro-Italic"/>
               </a:rPr>
-              <a:t>Consider the following </a:t>
-            </a:r>
-            <a:r>
-              <a:rPr lang="en-US" sz="3000" dirty="0" smtClean="0">
-                <a:latin typeface="PFDinTextCompPro-Medium"/>
-                <a:cs typeface="PFDinTextCompPro-Medium"/>
-              </a:rPr>
-              <a:t>polynomial regression</a:t>
-            </a:r>
+              <a:t>Q: So, how do we select a linear regression model?</a:t>
+            </a:r>
+          </a:p>
+          <a:p>
+            <a:pPr marL="457200" indent="-457200" algn="l">
+              <a:buFont typeface="Arial"/>
+              <a:buChar char="•"/>
+            </a:pPr>
             <a:r>
               <a:rPr lang="en-US" sz="3000" dirty="0" smtClean="0">
                 <a:latin typeface="PFDinTextCompPro-Italic"/>
                 <a:cs typeface="PFDinTextCompPro-Italic"/>
               </a:rPr>
-              <a:t> model:</a:t>
-            </a:r>
+              <a:t>Techniques for producing designs</a:t>
+            </a:r>
+          </a:p>
+          <a:p>
+            <a:pPr marL="457200" indent="-457200" algn="l">
+              <a:buFont typeface="Arial"/>
+              <a:buChar char="•"/>
+            </a:pPr>
             <a:endParaRPr lang="en-US" sz="3000" dirty="0">
               <a:latin typeface="PFDinTextCompPro-Italic"/>
               <a:cs typeface="PFDinTextCompPro-Italic"/>
             </a:endParaRPr>
           </a:p>
-          <a:p>
-            <a:pPr>
-              <a:lnSpc>
-                <a:spcPct val="140000"/>
-              </a:lnSpc>
-            </a:pPr>
-            <a:r>
-              <a:rPr lang="en-US" sz="2500" i="1" spc="300" dirty="0" smtClean="0">
-                <a:latin typeface="+mn-lt"/>
-                <a:cs typeface="PFDinTextCompPro-Italic"/>
-              </a:rPr>
-              <a:t>y = </a:t>
-            </a:r>
-            <a:r>
-              <a:rPr lang="en-US" sz="3000" i="1" spc="300" dirty="0" smtClean="0">
-                <a:latin typeface="Symbol" charset="2"/>
-                <a:cs typeface="Symbol" charset="2"/>
-              </a:rPr>
-              <a:t>a</a:t>
-            </a:r>
-            <a:r>
-              <a:rPr lang="en-US" sz="2500" i="1" spc="300" dirty="0" smtClean="0">
-                <a:latin typeface="+mn-lt"/>
-                <a:cs typeface="PFDinTextCompPro-Italic"/>
-              </a:rPr>
-              <a:t> + </a:t>
-            </a:r>
-            <a:r>
-              <a:rPr lang="en-US" sz="3000" i="1" spc="300" dirty="0" smtClean="0">
-                <a:latin typeface="Symbol" charset="2"/>
-                <a:cs typeface="Symbol" charset="2"/>
-              </a:rPr>
-              <a:t>β</a:t>
-            </a:r>
-            <a:r>
-              <a:rPr lang="en-US" sz="2500" i="1" spc="300" baseline="-25000" dirty="0" smtClean="0">
-                <a:latin typeface="+mn-lt"/>
-                <a:cs typeface="PFDinTextCompPro-Italic"/>
-              </a:rPr>
-              <a:t>1</a:t>
-            </a:r>
-            <a:r>
-              <a:rPr lang="en-US" sz="2500" i="1" spc="300" dirty="0" smtClean="0">
-                <a:latin typeface="+mn-lt"/>
-                <a:cs typeface="PFDinTextCompPro-Italic"/>
-              </a:rPr>
-              <a:t>x +</a:t>
-            </a:r>
-            <a:r>
-              <a:rPr lang="en-US" sz="2500" i="1" spc="300" dirty="0" smtClean="0">
-                <a:cs typeface="PFDinTextCompPro-Italic"/>
-              </a:rPr>
-              <a:t> </a:t>
-            </a:r>
-            <a:r>
-              <a:rPr lang="en-US" sz="3000" i="1" spc="300" dirty="0" smtClean="0">
-                <a:latin typeface="Symbol" charset="2"/>
-                <a:cs typeface="Symbol" charset="2"/>
-              </a:rPr>
-              <a:t>β</a:t>
-            </a:r>
-            <a:r>
-              <a:rPr lang="en-US" sz="2500" i="1" spc="300" baseline="-25000" dirty="0" smtClean="0">
-                <a:latin typeface="+mn-lt"/>
-                <a:cs typeface="PFDinTextCompPro-Italic"/>
-              </a:rPr>
-              <a:t>2</a:t>
-            </a:r>
-            <a:r>
-              <a:rPr lang="en-US" sz="2500" i="1" spc="300" dirty="0" smtClean="0">
-                <a:latin typeface="+mn-lt"/>
-                <a:cs typeface="PFDinTextCompPro-Italic"/>
-              </a:rPr>
-              <a:t>x</a:t>
-            </a:r>
-            <a:r>
-              <a:rPr lang="en-US" sz="2500" i="1" spc="300" baseline="30000" dirty="0" smtClean="0">
-                <a:latin typeface="+mn-lt"/>
-                <a:cs typeface="PFDinTextCompPro-Italic"/>
-              </a:rPr>
-              <a:t>2</a:t>
-            </a:r>
-            <a:r>
-              <a:rPr lang="en-US" sz="2500" i="1" spc="300" dirty="0" smtClean="0">
-                <a:cs typeface="PFDinTextCompPro-Italic"/>
-              </a:rPr>
-              <a:t> </a:t>
-            </a:r>
-            <a:r>
-              <a:rPr lang="en-US" sz="2500" i="1" spc="300" dirty="0" smtClean="0">
-                <a:latin typeface="+mn-lt"/>
-                <a:cs typeface="PFDinTextCompPro-Italic"/>
-              </a:rPr>
-              <a:t>+ </a:t>
-            </a:r>
-            <a:r>
-              <a:rPr lang="en-US" sz="3000" i="1" spc="300" dirty="0" smtClean="0">
-                <a:latin typeface="Symbol" charset="2"/>
-                <a:cs typeface="Symbol" charset="2"/>
-              </a:rPr>
-              <a:t>e</a:t>
-            </a:r>
-            <a:endParaRPr lang="en-US" sz="3000" spc="300" dirty="0" smtClean="0">
-              <a:latin typeface="PFDinTextCompPro-Italic"/>
-              <a:cs typeface="PFDinTextCompPro-Italic"/>
-            </a:endParaRPr>
-          </a:p>
         </p:txBody>
       </p:sp>
     </p:spTree>
     <p:extLst>
       <p:ext uri="{BB962C8B-B14F-4D97-AF65-F5344CB8AC3E}">
-        <p14:creationId xmlns:p14="http://schemas.microsoft.com/office/powerpoint/2010/main" val="1989076702"/>
+        <p14:creationId xmlns:p14="http://schemas.microsoft.com/office/powerpoint/2010/main" val="2449941988"/>
       </p:ext>
     </p:extLst>
   </p:cSld>
@@ -16791,7 +14941,7 @@
             </a:pPr>
             <a:r>
               <a:rPr lang="en-US" dirty="0"/>
-              <a:t>Polynomial regression</a:t>
+              <a:t>Intro to regression</a:t>
             </a:r>
           </a:p>
         </p:txBody>
@@ -16827,14 +14977,14 @@
       </p:sp>
       <p:sp>
         <p:nvSpPr>
-          <p:cNvPr id="5" name="TextBox 4"/>
+          <p:cNvPr id="9" name="TextBox 8"/>
           <p:cNvSpPr txBox="1"/>
           <p:nvPr/>
         </p:nvSpPr>
         <p:spPr>
           <a:xfrm>
-            <a:off x="566737" y="1104900"/>
-            <a:ext cx="8382000" cy="1661993"/>
+            <a:off x="566737" y="952500"/>
+            <a:ext cx="8382000" cy="1938992"/>
           </a:xfrm>
           <a:prstGeom prst="rect">
             <a:avLst/>
@@ -16853,154 +15003,51 @@
                 <a:latin typeface="PFDinTextCompPro-Italic"/>
                 <a:cs typeface="PFDinTextCompPro-Italic"/>
               </a:rPr>
-              <a:t>Consider the following </a:t>
-            </a:r>
-            <a:r>
-              <a:rPr lang="en-US" sz="3000" dirty="0" smtClean="0">
-                <a:latin typeface="PFDinTextCompPro-Medium"/>
-                <a:cs typeface="PFDinTextCompPro-Medium"/>
-              </a:rPr>
-              <a:t>polynomial regression</a:t>
-            </a:r>
+              <a:t>Q: So, how do we select a linear regression model?</a:t>
+            </a:r>
+          </a:p>
+          <a:p>
+            <a:pPr marL="457200" indent="-457200" algn="l">
+              <a:buFont typeface="Arial"/>
+              <a:buChar char="•"/>
+            </a:pPr>
             <a:r>
               <a:rPr lang="en-US" sz="3000" dirty="0" smtClean="0">
                 <a:latin typeface="PFDinTextCompPro-Italic"/>
                 <a:cs typeface="PFDinTextCompPro-Italic"/>
               </a:rPr>
-              <a:t> model:</a:t>
-            </a:r>
+              <a:t>Techniques for producing designs</a:t>
+            </a:r>
+          </a:p>
+          <a:p>
+            <a:pPr marL="785813" lvl="1" indent="-457200" algn="l">
+              <a:buFont typeface="Arial"/>
+              <a:buChar char="•"/>
+            </a:pPr>
+            <a:r>
+              <a:rPr lang="en-US" sz="3000" dirty="0" smtClean="0">
+                <a:latin typeface="PFDinTextCompPro-Italic"/>
+                <a:cs typeface="PFDinTextCompPro-Italic"/>
+              </a:rPr>
+              <a:t>Theory</a:t>
+            </a:r>
+          </a:p>
+          <a:p>
+            <a:pPr marL="457200" indent="-457200" algn="l">
+              <a:buFont typeface="Arial"/>
+              <a:buChar char="•"/>
+            </a:pPr>
             <a:endParaRPr lang="en-US" sz="3000" dirty="0">
               <a:latin typeface="PFDinTextCompPro-Italic"/>
               <a:cs typeface="PFDinTextCompPro-Italic"/>
             </a:endParaRPr>
           </a:p>
-          <a:p>
-            <a:pPr>
-              <a:lnSpc>
-                <a:spcPct val="140000"/>
-              </a:lnSpc>
-            </a:pPr>
-            <a:r>
-              <a:rPr lang="en-US" sz="2500" i="1" spc="300" dirty="0" smtClean="0">
-                <a:latin typeface="+mn-lt"/>
-                <a:cs typeface="PFDinTextCompPro-Italic"/>
-              </a:rPr>
-              <a:t>y = </a:t>
-            </a:r>
-            <a:r>
-              <a:rPr lang="en-US" sz="3000" i="1" spc="300" dirty="0" smtClean="0">
-                <a:latin typeface="Symbol" charset="2"/>
-                <a:cs typeface="Symbol" charset="2"/>
-              </a:rPr>
-              <a:t>a</a:t>
-            </a:r>
-            <a:r>
-              <a:rPr lang="en-US" sz="2500" i="1" spc="300" dirty="0" smtClean="0">
-                <a:latin typeface="+mn-lt"/>
-                <a:cs typeface="PFDinTextCompPro-Italic"/>
-              </a:rPr>
-              <a:t> + </a:t>
-            </a:r>
-            <a:r>
-              <a:rPr lang="en-US" sz="3000" i="1" spc="300" dirty="0" smtClean="0">
-                <a:latin typeface="Symbol" charset="2"/>
-                <a:cs typeface="Symbol" charset="2"/>
-              </a:rPr>
-              <a:t>β</a:t>
-            </a:r>
-            <a:r>
-              <a:rPr lang="en-US" sz="2500" i="1" spc="300" baseline="-25000" dirty="0" smtClean="0">
-                <a:latin typeface="+mn-lt"/>
-                <a:cs typeface="PFDinTextCompPro-Italic"/>
-              </a:rPr>
-              <a:t>1</a:t>
-            </a:r>
-            <a:r>
-              <a:rPr lang="en-US" sz="2500" i="1" spc="300" dirty="0" smtClean="0">
-                <a:latin typeface="+mn-lt"/>
-                <a:cs typeface="PFDinTextCompPro-Italic"/>
-              </a:rPr>
-              <a:t>x +</a:t>
-            </a:r>
-            <a:r>
-              <a:rPr lang="en-US" sz="2500" i="1" spc="300" dirty="0" smtClean="0">
-                <a:cs typeface="PFDinTextCompPro-Italic"/>
-              </a:rPr>
-              <a:t> </a:t>
-            </a:r>
-            <a:r>
-              <a:rPr lang="en-US" sz="3000" i="1" spc="300" dirty="0" smtClean="0">
-                <a:latin typeface="Symbol" charset="2"/>
-                <a:cs typeface="Symbol" charset="2"/>
-              </a:rPr>
-              <a:t>β</a:t>
-            </a:r>
-            <a:r>
-              <a:rPr lang="en-US" sz="2500" i="1" spc="300" baseline="-25000" dirty="0" smtClean="0">
-                <a:latin typeface="+mn-lt"/>
-                <a:cs typeface="PFDinTextCompPro-Italic"/>
-              </a:rPr>
-              <a:t>2</a:t>
-            </a:r>
-            <a:r>
-              <a:rPr lang="en-US" sz="2500" i="1" spc="300" dirty="0" smtClean="0">
-                <a:latin typeface="+mn-lt"/>
-                <a:cs typeface="PFDinTextCompPro-Italic"/>
-              </a:rPr>
-              <a:t>x</a:t>
-            </a:r>
-            <a:r>
-              <a:rPr lang="en-US" sz="2500" i="1" spc="300" baseline="30000" dirty="0" smtClean="0">
-                <a:latin typeface="+mn-lt"/>
-                <a:cs typeface="PFDinTextCompPro-Italic"/>
-              </a:rPr>
-              <a:t>2</a:t>
-            </a:r>
-            <a:r>
-              <a:rPr lang="en-US" sz="2500" i="1" spc="300" dirty="0" smtClean="0">
-                <a:cs typeface="PFDinTextCompPro-Italic"/>
-              </a:rPr>
-              <a:t> </a:t>
-            </a:r>
-            <a:r>
-              <a:rPr lang="en-US" sz="2500" i="1" spc="300" dirty="0" smtClean="0">
-                <a:latin typeface="+mn-lt"/>
-                <a:cs typeface="PFDinTextCompPro-Italic"/>
-              </a:rPr>
-              <a:t>+ </a:t>
-            </a:r>
-            <a:r>
-              <a:rPr lang="en-US" sz="3000" i="1" spc="300" dirty="0" smtClean="0">
-                <a:latin typeface="Symbol" charset="2"/>
-                <a:cs typeface="Symbol" charset="2"/>
-              </a:rPr>
-              <a:t>e</a:t>
-            </a:r>
-            <a:endParaRPr lang="en-US" sz="3000" spc="300" dirty="0" smtClean="0">
-              <a:latin typeface="PFDinTextCompPro-Italic"/>
-              <a:cs typeface="PFDinTextCompPro-Italic"/>
-            </a:endParaRPr>
-          </a:p>
-          <a:p>
-            <a:pPr algn="l"/>
-            <a:r>
-              <a:rPr lang="en-US" sz="3000" dirty="0" smtClean="0">
-                <a:latin typeface="PFDinTextCompPro-Italic"/>
-                <a:cs typeface="PFDinTextCompPro-Italic"/>
-              </a:rPr>
-              <a:t>Q:  This represents a nonlinear relationship. Is it still a linear model?</a:t>
-            </a:r>
-            <a:endParaRPr lang="en-US" sz="3000" dirty="0">
-              <a:latin typeface="PFDinTextCompPro-Italic"/>
-              <a:cs typeface="PFDinTextCompPro-Italic"/>
-            </a:endParaRPr>
-          </a:p>
         </p:txBody>
       </p:sp>
     </p:spTree>
     <p:extLst>
       <p:ext uri="{BB962C8B-B14F-4D97-AF65-F5344CB8AC3E}">
-        <p14:creationId xmlns:p14="http://schemas.microsoft.com/office/powerpoint/2010/main" val="1774852116"/>
+        <p14:creationId xmlns:p14="http://schemas.microsoft.com/office/powerpoint/2010/main" val="2449941988"/>
       </p:ext>
     </p:extLst>
   </p:cSld>
@@ -17063,7 +15110,7 @@
             </a:pPr>
             <a:r>
               <a:rPr lang="en-US" dirty="0"/>
-              <a:t>Polynomial regression</a:t>
+              <a:t>Intro to regression</a:t>
             </a:r>
           </a:p>
         </p:txBody>
@@ -17099,14 +15146,14 @@
       </p:sp>
       <p:sp>
         <p:nvSpPr>
-          <p:cNvPr id="5" name="TextBox 4"/>
+          <p:cNvPr id="9" name="TextBox 8"/>
           <p:cNvSpPr txBox="1"/>
           <p:nvPr/>
         </p:nvSpPr>
         <p:spPr>
           <a:xfrm>
-            <a:off x="566737" y="1104900"/>
-            <a:ext cx="8382000" cy="2200602"/>
+            <a:off x="566737" y="952500"/>
+            <a:ext cx="8382000" cy="2400657"/>
           </a:xfrm>
           <a:prstGeom prst="rect">
             <a:avLst/>
@@ -17125,199 +15172,64 @@
                 <a:latin typeface="PFDinTextCompPro-Italic"/>
                 <a:cs typeface="PFDinTextCompPro-Italic"/>
               </a:rPr>
-              <a:t>Consider the following </a:t>
-            </a:r>
-            <a:r>
-              <a:rPr lang="en-US" sz="3000" dirty="0" smtClean="0">
-                <a:latin typeface="PFDinTextCompPro-Medium"/>
-                <a:cs typeface="PFDinTextCompPro-Medium"/>
-              </a:rPr>
-              <a:t>polynomial regression</a:t>
-            </a:r>
+              <a:t>Q: So, how do we select a linear regression model?</a:t>
+            </a:r>
+          </a:p>
+          <a:p>
+            <a:pPr marL="457200" indent="-457200" algn="l">
+              <a:buFont typeface="Arial"/>
+              <a:buChar char="•"/>
+            </a:pPr>
             <a:r>
               <a:rPr lang="en-US" sz="3000" dirty="0" smtClean="0">
                 <a:latin typeface="PFDinTextCompPro-Italic"/>
                 <a:cs typeface="PFDinTextCompPro-Italic"/>
               </a:rPr>
-              <a:t> model:</a:t>
-            </a:r>
+              <a:t>Techniques for producing designs</a:t>
+            </a:r>
+          </a:p>
+          <a:p>
+            <a:pPr marL="785813" lvl="1" indent="-457200" algn="l">
+              <a:buFont typeface="Arial"/>
+              <a:buChar char="•"/>
+            </a:pPr>
+            <a:r>
+              <a:rPr lang="en-US" sz="3000" dirty="0" smtClean="0">
+                <a:latin typeface="PFDinTextCompPro-Italic"/>
+                <a:cs typeface="PFDinTextCompPro-Italic"/>
+              </a:rPr>
+              <a:t>Theory</a:t>
+            </a:r>
+          </a:p>
+          <a:p>
+            <a:pPr marL="785813" lvl="1" indent="-457200" algn="l">
+              <a:buFont typeface="Arial"/>
+              <a:buChar char="•"/>
+            </a:pPr>
+            <a:r>
+              <a:rPr lang="en-US" sz="3000" dirty="0" smtClean="0">
+                <a:latin typeface="PFDinTextCompPro-Italic"/>
+                <a:cs typeface="PFDinTextCompPro-Italic"/>
+              </a:rPr>
+              <a:t>Forward selection</a:t>
+            </a:r>
+          </a:p>
+          <a:p>
+            <a:pPr marL="457200" indent="-457200" algn="l">
+              <a:buFont typeface="Arial"/>
+              <a:buChar char="•"/>
+            </a:pPr>
             <a:endParaRPr lang="en-US" sz="3000" dirty="0">
               <a:latin typeface="PFDinTextCompPro-Italic"/>
               <a:cs typeface="PFDinTextCompPro-Italic"/>
             </a:endParaRPr>
           </a:p>
-          <a:p>
-            <a:pPr>
-              <a:lnSpc>
-                <a:spcPct val="140000"/>
-              </a:lnSpc>
-            </a:pPr>
-            <a:r>
-              <a:rPr lang="en-US" sz="2500" i="1" spc="300" dirty="0" smtClean="0">
-                <a:latin typeface="+mn-lt"/>
-                <a:cs typeface="PFDinTextCompPro-Italic"/>
-              </a:rPr>
-              <a:t>y = </a:t>
-            </a:r>
-            <a:r>
-              <a:rPr lang="en-US" sz="3000" i="1" spc="300" dirty="0" smtClean="0">
-                <a:latin typeface="Symbol" charset="2"/>
-                <a:cs typeface="Symbol" charset="2"/>
-              </a:rPr>
-              <a:t>a</a:t>
-            </a:r>
-            <a:r>
-              <a:rPr lang="en-US" sz="2500" i="1" spc="300" dirty="0" smtClean="0">
-                <a:latin typeface="+mn-lt"/>
-                <a:cs typeface="PFDinTextCompPro-Italic"/>
-              </a:rPr>
-              <a:t> + </a:t>
-            </a:r>
-            <a:r>
-              <a:rPr lang="en-US" sz="3000" i="1" spc="300" dirty="0" smtClean="0">
-                <a:latin typeface="Symbol" charset="2"/>
-                <a:cs typeface="Symbol" charset="2"/>
-              </a:rPr>
-              <a:t>β</a:t>
-            </a:r>
-            <a:r>
-              <a:rPr lang="en-US" sz="2500" i="1" spc="300" baseline="-25000" dirty="0" smtClean="0">
-                <a:latin typeface="+mn-lt"/>
-                <a:cs typeface="PFDinTextCompPro-Italic"/>
-              </a:rPr>
-              <a:t>1</a:t>
-            </a:r>
-            <a:r>
-              <a:rPr lang="en-US" sz="2500" i="1" spc="300" dirty="0" smtClean="0">
-                <a:latin typeface="+mn-lt"/>
-                <a:cs typeface="PFDinTextCompPro-Italic"/>
-              </a:rPr>
-              <a:t>x +</a:t>
-            </a:r>
-            <a:r>
-              <a:rPr lang="en-US" sz="2500" i="1" spc="300" dirty="0" smtClean="0">
-                <a:cs typeface="PFDinTextCompPro-Italic"/>
-              </a:rPr>
-              <a:t> </a:t>
-            </a:r>
-            <a:r>
-              <a:rPr lang="en-US" sz="3000" i="1" spc="300" dirty="0" smtClean="0">
-                <a:latin typeface="Symbol" charset="2"/>
-                <a:cs typeface="Symbol" charset="2"/>
-              </a:rPr>
-              <a:t>β</a:t>
-            </a:r>
-            <a:r>
-              <a:rPr lang="en-US" sz="2500" i="1" spc="300" baseline="-25000" dirty="0" smtClean="0">
-                <a:latin typeface="+mn-lt"/>
-                <a:cs typeface="PFDinTextCompPro-Italic"/>
-              </a:rPr>
-              <a:t>2</a:t>
-            </a:r>
-            <a:r>
-              <a:rPr lang="en-US" sz="2500" i="1" spc="300" dirty="0" smtClean="0">
-                <a:latin typeface="+mn-lt"/>
-                <a:cs typeface="PFDinTextCompPro-Italic"/>
-              </a:rPr>
-              <a:t>x</a:t>
-            </a:r>
-            <a:r>
-              <a:rPr lang="en-US" sz="2500" i="1" spc="300" baseline="30000" dirty="0" smtClean="0">
-                <a:latin typeface="+mn-lt"/>
-                <a:cs typeface="PFDinTextCompPro-Italic"/>
-              </a:rPr>
-              <a:t>2</a:t>
-            </a:r>
-            <a:r>
-              <a:rPr lang="en-US" sz="2500" i="1" spc="300" dirty="0" smtClean="0">
-                <a:cs typeface="PFDinTextCompPro-Italic"/>
-              </a:rPr>
-              <a:t> </a:t>
-            </a:r>
-            <a:r>
-              <a:rPr lang="en-US" sz="2500" i="1" spc="300" dirty="0" smtClean="0">
-                <a:latin typeface="+mn-lt"/>
-                <a:cs typeface="PFDinTextCompPro-Italic"/>
-              </a:rPr>
-              <a:t>+ </a:t>
-            </a:r>
-            <a:r>
-              <a:rPr lang="en-US" sz="3000" i="1" spc="300" dirty="0" smtClean="0">
-                <a:latin typeface="Symbol" charset="2"/>
-                <a:cs typeface="Symbol" charset="2"/>
-              </a:rPr>
-              <a:t>e</a:t>
-            </a:r>
-            <a:endParaRPr lang="en-US" sz="3000" spc="300" dirty="0" smtClean="0">
-              <a:latin typeface="PFDinTextCompPro-Italic"/>
-              <a:cs typeface="PFDinTextCompPro-Italic"/>
-            </a:endParaRPr>
-          </a:p>
-          <a:p>
-            <a:pPr algn="l"/>
-            <a:r>
-              <a:rPr lang="en-US" sz="3000" dirty="0">
-                <a:latin typeface="PFDinTextCompPro-Italic"/>
-                <a:cs typeface="PFDinTextCompPro-Italic"/>
-              </a:rPr>
-              <a:t>Q:  This represents a nonlinear relationship. </a:t>
-            </a:r>
-            <a:r>
-              <a:rPr lang="en-US" sz="3000" dirty="0" smtClean="0">
-                <a:latin typeface="PFDinTextCompPro-Italic"/>
-                <a:cs typeface="PFDinTextCompPro-Italic"/>
-              </a:rPr>
-              <a:t>Is </a:t>
-            </a:r>
-            <a:r>
-              <a:rPr lang="en-US" sz="3000" dirty="0">
-                <a:latin typeface="PFDinTextCompPro-Italic"/>
-                <a:cs typeface="PFDinTextCompPro-Italic"/>
-              </a:rPr>
-              <a:t>it still a linear model?</a:t>
-            </a:r>
-          </a:p>
-          <a:p>
-            <a:pPr algn="l">
-              <a:lnSpc>
-                <a:spcPct val="120000"/>
-              </a:lnSpc>
-            </a:pPr>
-            <a:r>
-              <a:rPr lang="en-US" sz="3000" dirty="0" smtClean="0">
-                <a:latin typeface="PFDinTextCompPro-Italic"/>
-                <a:cs typeface="PFDinTextCompPro-Italic"/>
-              </a:rPr>
-              <a:t>A:  Yes, because it’s linear in the </a:t>
-            </a:r>
-            <a:r>
-              <a:rPr lang="en-US" sz="3000" i="1" spc="300" dirty="0" smtClean="0">
-                <a:latin typeface="Symbol" charset="2"/>
-                <a:cs typeface="Symbol" charset="2"/>
-              </a:rPr>
-              <a:t>b</a:t>
-            </a:r>
-            <a:r>
-              <a:rPr lang="en-US" sz="3000" spc="300" dirty="0" smtClean="0">
-                <a:latin typeface="PFDinTextCompPro-Italic"/>
-                <a:cs typeface="PFDinTextCompPro-Italic"/>
-              </a:rPr>
-              <a:t>’s</a:t>
-            </a:r>
-            <a:r>
-              <a:rPr lang="en-US" sz="3000" dirty="0" smtClean="0">
-                <a:latin typeface="PFDinTextCompPro-Italic"/>
-                <a:cs typeface="PFDinTextCompPro-Italic"/>
-              </a:rPr>
-              <a:t>!</a:t>
-            </a:r>
-          </a:p>
         </p:txBody>
       </p:sp>
     </p:spTree>
     <p:extLst>
       <p:ext uri="{BB962C8B-B14F-4D97-AF65-F5344CB8AC3E}">
-        <p14:creationId xmlns:p14="http://schemas.microsoft.com/office/powerpoint/2010/main" val="2098529365"/>
+        <p14:creationId xmlns:p14="http://schemas.microsoft.com/office/powerpoint/2010/main" val="2449941988"/>
       </p:ext>
     </p:extLst>
   </p:cSld>
@@ -17380,7 +15292,7 @@
             </a:pPr>
             <a:r>
               <a:rPr lang="en-US" dirty="0"/>
-              <a:t>Polynomial regression</a:t>
+              <a:t>Intro to regression</a:t>
             </a:r>
           </a:p>
         </p:txBody>
@@ -17416,14 +15328,14 @@
       </p:sp>
       <p:sp>
         <p:nvSpPr>
-          <p:cNvPr id="5" name="TextBox 4"/>
+          <p:cNvPr id="9" name="TextBox 8"/>
           <p:cNvSpPr txBox="1"/>
           <p:nvPr/>
         </p:nvSpPr>
         <p:spPr>
           <a:xfrm>
-            <a:off x="566737" y="1104900"/>
-            <a:ext cx="8382000" cy="4052391"/>
+            <a:off x="566737" y="952500"/>
+            <a:ext cx="8382000" cy="2862322"/>
           </a:xfrm>
           <a:prstGeom prst="rect">
             <a:avLst/>
@@ -17442,280 +15354,77 @@
                 <a:latin typeface="PFDinTextCompPro-Italic"/>
                 <a:cs typeface="PFDinTextCompPro-Italic"/>
               </a:rPr>
-              <a:t>Consider the following </a:t>
-            </a:r>
-            <a:r>
-              <a:rPr lang="en-US" sz="3000" dirty="0" smtClean="0">
-                <a:latin typeface="PFDinTextCompPro-Medium"/>
-                <a:cs typeface="PFDinTextCompPro-Medium"/>
-              </a:rPr>
-              <a:t>polynomial regression</a:t>
-            </a:r>
+              <a:t>Q: So, how do we select a linear regression model?</a:t>
+            </a:r>
+          </a:p>
+          <a:p>
+            <a:pPr marL="457200" indent="-457200" algn="l">
+              <a:buFont typeface="Arial"/>
+              <a:buChar char="•"/>
+            </a:pPr>
             <a:r>
               <a:rPr lang="en-US" sz="3000" dirty="0" smtClean="0">
                 <a:latin typeface="PFDinTextCompPro-Italic"/>
                 <a:cs typeface="PFDinTextCompPro-Italic"/>
               </a:rPr>
-              <a:t> model:</a:t>
-            </a:r>
+              <a:t>Techniques for producing designs</a:t>
+            </a:r>
+          </a:p>
+          <a:p>
+            <a:pPr marL="785813" lvl="1" indent="-457200" algn="l">
+              <a:buFont typeface="Arial"/>
+              <a:buChar char="•"/>
+            </a:pPr>
+            <a:r>
+              <a:rPr lang="en-US" sz="3000" dirty="0" smtClean="0">
+                <a:latin typeface="PFDinTextCompPro-Italic"/>
+                <a:cs typeface="PFDinTextCompPro-Italic"/>
+              </a:rPr>
+              <a:t>Theory</a:t>
+            </a:r>
+          </a:p>
+          <a:p>
+            <a:pPr marL="785813" lvl="1" indent="-457200" algn="l">
+              <a:buFont typeface="Arial"/>
+              <a:buChar char="•"/>
+            </a:pPr>
+            <a:r>
+              <a:rPr lang="en-US" sz="3000" dirty="0" smtClean="0">
+                <a:latin typeface="PFDinTextCompPro-Italic"/>
+                <a:cs typeface="PFDinTextCompPro-Italic"/>
+              </a:rPr>
+              <a:t>Forward selection</a:t>
+            </a:r>
+          </a:p>
+          <a:p>
+            <a:pPr marL="785813" lvl="1" indent="-457200" algn="l">
+              <a:buFont typeface="Arial"/>
+              <a:buChar char="•"/>
+            </a:pPr>
+            <a:r>
+              <a:rPr lang="en-US" sz="3000" dirty="0" smtClean="0">
+                <a:latin typeface="PFDinTextCompPro-Italic"/>
+                <a:cs typeface="PFDinTextCompPro-Italic"/>
+              </a:rPr>
+              <a:t>Backward elimination</a:t>
+            </a:r>
+          </a:p>
+          <a:p>
+            <a:pPr marL="457200" indent="-457200" algn="l">
+              <a:buFont typeface="Arial"/>
+              <a:buChar char="•"/>
+            </a:pPr>
             <a:endParaRPr lang="en-US" sz="3000" dirty="0">
               <a:latin typeface="PFDinTextCompPro-Italic"/>
               <a:cs typeface="PFDinTextCompPro-Italic"/>
             </a:endParaRPr>
           </a:p>
-          <a:p>
-            <a:pPr>
-              <a:lnSpc>
-                <a:spcPct val="140000"/>
-              </a:lnSpc>
-            </a:pPr>
-            <a:r>
-              <a:rPr lang="en-US" sz="2500" i="1" spc="300" dirty="0" smtClean="0">
-                <a:latin typeface="+mn-lt"/>
-                <a:cs typeface="PFDinTextCompPro-Italic"/>
-              </a:rPr>
-              <a:t>y = </a:t>
-            </a:r>
-            <a:r>
-              <a:rPr lang="en-US" sz="3000" i="1" spc="300" dirty="0" smtClean="0">
-                <a:latin typeface="Symbol" charset="2"/>
-                <a:cs typeface="Symbol" charset="2"/>
-              </a:rPr>
-              <a:t>a</a:t>
-            </a:r>
-            <a:r>
-              <a:rPr lang="en-US" sz="2500" i="1" spc="300" dirty="0" smtClean="0">
-                <a:latin typeface="+mn-lt"/>
-                <a:cs typeface="PFDinTextCompPro-Italic"/>
-              </a:rPr>
-              <a:t> + </a:t>
-            </a:r>
-            <a:r>
-              <a:rPr lang="en-US" sz="3000" i="1" spc="300" dirty="0" smtClean="0">
-                <a:latin typeface="Symbol" charset="2"/>
-                <a:cs typeface="Symbol" charset="2"/>
-              </a:rPr>
-              <a:t>β</a:t>
-            </a:r>
-            <a:r>
-              <a:rPr lang="en-US" sz="2500" i="1" spc="300" baseline="-25000" dirty="0" smtClean="0">
-                <a:latin typeface="+mn-lt"/>
-                <a:cs typeface="PFDinTextCompPro-Italic"/>
-              </a:rPr>
-              <a:t>1</a:t>
-            </a:r>
-            <a:r>
-              <a:rPr lang="en-US" sz="2500" i="1" spc="300" dirty="0" smtClean="0">
-                <a:latin typeface="+mn-lt"/>
-                <a:cs typeface="PFDinTextCompPro-Italic"/>
-              </a:rPr>
-              <a:t>x +</a:t>
-            </a:r>
-            <a:r>
-              <a:rPr lang="en-US" sz="2500" i="1" spc="300" dirty="0" smtClean="0">
-                <a:cs typeface="PFDinTextCompPro-Italic"/>
-              </a:rPr>
-              <a:t> </a:t>
-            </a:r>
-            <a:r>
-              <a:rPr lang="en-US" sz="3000" i="1" spc="300" dirty="0" smtClean="0">
-                <a:latin typeface="Symbol" charset="2"/>
-                <a:cs typeface="Symbol" charset="2"/>
-              </a:rPr>
-              <a:t>β</a:t>
-            </a:r>
-            <a:r>
-              <a:rPr lang="en-US" sz="2500" i="1" spc="300" baseline="-25000" dirty="0" smtClean="0">
-                <a:latin typeface="+mn-lt"/>
-                <a:cs typeface="PFDinTextCompPro-Italic"/>
-              </a:rPr>
-              <a:t>2</a:t>
-            </a:r>
-            <a:r>
-              <a:rPr lang="en-US" sz="2500" i="1" spc="300" dirty="0" smtClean="0">
-                <a:latin typeface="+mn-lt"/>
-                <a:cs typeface="PFDinTextCompPro-Italic"/>
-              </a:rPr>
-              <a:t>x</a:t>
-            </a:r>
-            <a:r>
-              <a:rPr lang="en-US" sz="2500" i="1" spc="300" baseline="30000" dirty="0" smtClean="0">
-                <a:latin typeface="+mn-lt"/>
-                <a:cs typeface="PFDinTextCompPro-Italic"/>
-              </a:rPr>
-              <a:t>2</a:t>
-            </a:r>
-            <a:r>
-              <a:rPr lang="en-US" sz="2500" i="1" spc="300" dirty="0" smtClean="0">
-                <a:cs typeface="PFDinTextCompPro-Italic"/>
-              </a:rPr>
-              <a:t> </a:t>
-            </a:r>
-            <a:r>
-              <a:rPr lang="en-US" sz="2500" i="1" spc="300" dirty="0" smtClean="0">
-                <a:latin typeface="+mn-lt"/>
-                <a:cs typeface="PFDinTextCompPro-Italic"/>
-              </a:rPr>
-              <a:t>+ </a:t>
-            </a:r>
-            <a:r>
-              <a:rPr lang="en-US" sz="3000" i="1" spc="300" dirty="0" smtClean="0">
-                <a:latin typeface="Symbol" charset="2"/>
-                <a:cs typeface="Symbol" charset="2"/>
-              </a:rPr>
-              <a:t>e</a:t>
-            </a:r>
-            <a:endParaRPr lang="en-US" sz="3000" spc="300" dirty="0" smtClean="0">
-              <a:latin typeface="PFDinTextCompPro-Italic"/>
-              <a:cs typeface="PFDinTextCompPro-Italic"/>
-            </a:endParaRPr>
-          </a:p>
-          <a:p>
-            <a:pPr algn="l"/>
-            <a:r>
-              <a:rPr lang="en-US" sz="3000" dirty="0">
-                <a:latin typeface="PFDinTextCompPro-Italic"/>
-                <a:cs typeface="PFDinTextCompPro-Italic"/>
-              </a:rPr>
-              <a:t>Q:  This represents a nonlinear relationship. </a:t>
-            </a:r>
-            <a:r>
-              <a:rPr lang="en-US" sz="3000" dirty="0" smtClean="0">
-                <a:latin typeface="PFDinTextCompPro-Italic"/>
-                <a:cs typeface="PFDinTextCompPro-Italic"/>
-              </a:rPr>
-              <a:t>Is </a:t>
-            </a:r>
-            <a:r>
-              <a:rPr lang="en-US" sz="3000" dirty="0">
-                <a:latin typeface="PFDinTextCompPro-Italic"/>
-                <a:cs typeface="PFDinTextCompPro-Italic"/>
-              </a:rPr>
-              <a:t>it still a linear model?</a:t>
-            </a:r>
-          </a:p>
-          <a:p>
-            <a:pPr algn="l">
-              <a:lnSpc>
-                <a:spcPct val="120000"/>
-              </a:lnSpc>
-            </a:pPr>
-            <a:r>
-              <a:rPr lang="en-US" sz="3000" dirty="0" smtClean="0">
-                <a:latin typeface="PFDinTextCompPro-Italic"/>
-                <a:cs typeface="PFDinTextCompPro-Italic"/>
-              </a:rPr>
-              <a:t>A:  Yes, because it’s linear in the </a:t>
-            </a:r>
-            <a:r>
-              <a:rPr lang="en-US" sz="3000" i="1" spc="300" dirty="0" smtClean="0">
-                <a:latin typeface="Symbol" charset="2"/>
-                <a:cs typeface="Symbol" charset="2"/>
-              </a:rPr>
-              <a:t>b</a:t>
-            </a:r>
-            <a:r>
-              <a:rPr lang="en-US" sz="3000" spc="300" dirty="0" smtClean="0">
-                <a:latin typeface="PFDinTextCompPro-Italic"/>
-                <a:cs typeface="PFDinTextCompPro-Italic"/>
-              </a:rPr>
-              <a:t>’s</a:t>
-            </a:r>
-            <a:r>
-              <a:rPr lang="en-US" sz="3000" dirty="0" smtClean="0">
-                <a:latin typeface="PFDinTextCompPro-Italic"/>
-                <a:cs typeface="PFDinTextCompPro-Italic"/>
-              </a:rPr>
-              <a:t>!</a:t>
-            </a:r>
-          </a:p>
-          <a:p>
-            <a:pPr algn="l">
-              <a:lnSpc>
-                <a:spcPct val="120000"/>
-              </a:lnSpc>
-            </a:pPr>
-            <a:endParaRPr lang="en-US" sz="2000" dirty="0">
-              <a:latin typeface="PFDinTextCompPro-Italic"/>
-              <a:cs typeface="PFDinTextCompPro-Italic"/>
-            </a:endParaRPr>
-          </a:p>
-          <a:p>
-            <a:pPr algn="l">
-              <a:lnSpc>
-                <a:spcPct val="120000"/>
-              </a:lnSpc>
-            </a:pPr>
-            <a:r>
-              <a:rPr lang="en-US" sz="2000" dirty="0" smtClean="0">
-                <a:latin typeface="PFDinTextCompPro-Italic"/>
-                <a:cs typeface="PFDinTextCompPro-Italic"/>
-              </a:rPr>
-              <a:t>“Although </a:t>
-            </a:r>
-            <a:r>
-              <a:rPr lang="en-US" sz="2000" dirty="0">
-                <a:latin typeface="PFDinTextCompPro-Italic"/>
-                <a:cs typeface="PFDinTextCompPro-Italic"/>
-              </a:rPr>
-              <a:t>polynomial regression fits a </a:t>
-            </a:r>
-            <a:r>
-              <a:rPr lang="en-US" sz="2000" i="1" dirty="0">
-                <a:latin typeface="PFDinTextCompPro-Italic"/>
-                <a:cs typeface="PFDinTextCompPro-Italic"/>
-              </a:rPr>
-              <a:t>nonlinear</a:t>
-            </a:r>
-            <a:r>
-              <a:rPr lang="en-US" sz="2000" dirty="0">
-                <a:latin typeface="PFDinTextCompPro-Italic"/>
-                <a:cs typeface="PFDinTextCompPro-Italic"/>
-              </a:rPr>
-              <a:t> model to the data, as a statistical estimation problem it is </a:t>
-            </a:r>
-            <a:r>
-              <a:rPr lang="en-US" sz="2000" i="1" dirty="0">
-                <a:latin typeface="PFDinTextCompPro-Italic"/>
-                <a:cs typeface="PFDinTextCompPro-Italic"/>
-              </a:rPr>
-              <a:t>linear</a:t>
-            </a:r>
-            <a:r>
-              <a:rPr lang="en-US" sz="2000" dirty="0">
-                <a:latin typeface="PFDinTextCompPro-Italic"/>
-                <a:cs typeface="PFDinTextCompPro-Italic"/>
-              </a:rPr>
-              <a:t>, in the sense that the regression function E(</a:t>
-            </a:r>
-            <a:r>
-              <a:rPr lang="en-US" sz="2000" dirty="0" err="1">
-                <a:latin typeface="PFDinTextCompPro-Italic"/>
-                <a:cs typeface="PFDinTextCompPro-Italic"/>
-              </a:rPr>
-              <a:t>y|x</a:t>
-            </a:r>
-            <a:r>
-              <a:rPr lang="en-US" sz="2000" dirty="0">
-                <a:latin typeface="PFDinTextCompPro-Italic"/>
-                <a:cs typeface="PFDinTextCompPro-Italic"/>
-              </a:rPr>
-              <a:t>) is linear in the unknown parameters that are estimated from the data. For this reason, polynomial regression is considered to be a special case of multiple linear regression</a:t>
-            </a:r>
-            <a:r>
-              <a:rPr lang="en-US" sz="2000" dirty="0" smtClean="0">
-                <a:latin typeface="PFDinTextCompPro-Italic"/>
-                <a:cs typeface="PFDinTextCompPro-Italic"/>
-              </a:rPr>
-              <a:t>.”	-- Wikipedia</a:t>
-            </a:r>
-          </a:p>
         </p:txBody>
       </p:sp>
     </p:spTree>
     <p:extLst>
       <p:ext uri="{BB962C8B-B14F-4D97-AF65-F5344CB8AC3E}">
-        <p14:creationId xmlns:p14="http://schemas.microsoft.com/office/powerpoint/2010/main" val="2139154326"/>
+        <p14:creationId xmlns:p14="http://schemas.microsoft.com/office/powerpoint/2010/main" val="2449941988"/>
       </p:ext>
     </p:extLst>
   </p:cSld>
@@ -17895,7 +15604,7 @@
             </a:pPr>
             <a:r>
               <a:rPr lang="en-US" dirty="0"/>
-              <a:t>Polynomial regression</a:t>
+              <a:t>Intro to regression</a:t>
             </a:r>
           </a:p>
         </p:txBody>
@@ -17931,14 +15640,14 @@
       </p:sp>
       <p:sp>
         <p:nvSpPr>
-          <p:cNvPr id="5" name="TextBox 4"/>
+          <p:cNvPr id="9" name="TextBox 8"/>
           <p:cNvSpPr txBox="1"/>
           <p:nvPr/>
         </p:nvSpPr>
         <p:spPr>
           <a:xfrm>
-            <a:off x="566737" y="1104900"/>
-            <a:ext cx="8382000" cy="1169551"/>
+            <a:off x="566737" y="952500"/>
+            <a:ext cx="8382000" cy="3323987"/>
           </a:xfrm>
           <a:prstGeom prst="rect">
             <a:avLst/>
@@ -17957,161 +15666,90 @@
                 <a:latin typeface="PFDinTextCompPro-Italic"/>
                 <a:cs typeface="PFDinTextCompPro-Italic"/>
               </a:rPr>
-              <a:t>Polynomial regression allows us to fit very complex curves to data.</a:t>
-            </a:r>
+              <a:t>Q: So, how do we select a linear regression model?</a:t>
+            </a:r>
+          </a:p>
+          <a:p>
+            <a:pPr marL="457200" indent="-457200" algn="l">
+              <a:buFont typeface="Arial"/>
+              <a:buChar char="•"/>
+            </a:pPr>
+            <a:r>
+              <a:rPr lang="en-US" sz="3000" dirty="0" smtClean="0">
+                <a:latin typeface="PFDinTextCompPro-Italic"/>
+                <a:cs typeface="PFDinTextCompPro-Italic"/>
+              </a:rPr>
+              <a:t>Techniques for producing designs</a:t>
+            </a:r>
+          </a:p>
+          <a:p>
+            <a:pPr marL="785813" lvl="1" indent="-457200" algn="l">
+              <a:buFont typeface="Arial"/>
+              <a:buChar char="•"/>
+            </a:pPr>
+            <a:r>
+              <a:rPr lang="en-US" sz="3000" dirty="0" smtClean="0">
+                <a:latin typeface="PFDinTextCompPro-Italic"/>
+                <a:cs typeface="PFDinTextCompPro-Italic"/>
+              </a:rPr>
+              <a:t>Theory</a:t>
+            </a:r>
+          </a:p>
+          <a:p>
+            <a:pPr marL="785813" lvl="1" indent="-457200" algn="l">
+              <a:buFont typeface="Arial"/>
+              <a:buChar char="•"/>
+            </a:pPr>
+            <a:r>
+              <a:rPr lang="en-US" sz="3000" dirty="0" smtClean="0">
+                <a:latin typeface="PFDinTextCompPro-Italic"/>
+                <a:cs typeface="PFDinTextCompPro-Italic"/>
+              </a:rPr>
+              <a:t>Forward selection</a:t>
+            </a:r>
+          </a:p>
+          <a:p>
+            <a:pPr marL="785813" lvl="1" indent="-457200" algn="l">
+              <a:buFont typeface="Arial"/>
+              <a:buChar char="•"/>
+            </a:pPr>
+            <a:r>
+              <a:rPr lang="en-US" sz="3000" dirty="0" smtClean="0">
+                <a:latin typeface="PFDinTextCompPro-Italic"/>
+                <a:cs typeface="PFDinTextCompPro-Italic"/>
+              </a:rPr>
+              <a:t>Backward elimination</a:t>
+            </a:r>
+          </a:p>
+          <a:p>
+            <a:pPr marL="785813" lvl="1" indent="-457200" algn="l">
+              <a:buFont typeface="Arial"/>
+              <a:buChar char="•"/>
+            </a:pPr>
+            <a:r>
+              <a:rPr lang="en-US" sz="3000" dirty="0" smtClean="0">
+                <a:latin typeface="PFDinTextCompPro-Italic"/>
+                <a:cs typeface="PFDinTextCompPro-Italic"/>
+              </a:rPr>
+              <a:t>More</a:t>
+            </a:r>
+          </a:p>
+          <a:p>
+            <a:pPr marL="457200" indent="-457200" algn="l">
+              <a:buFont typeface="Arial"/>
+              <a:buChar char="•"/>
+            </a:pPr>
             <a:endParaRPr lang="en-US" sz="3000" dirty="0">
               <a:latin typeface="PFDinTextCompPro-Italic"/>
               <a:cs typeface="PFDinTextCompPro-Italic"/>
             </a:endParaRPr>
           </a:p>
-          <a:p>
-            <a:pPr>
-              <a:lnSpc>
-                <a:spcPct val="140000"/>
-              </a:lnSpc>
-            </a:pPr>
-            <a:r>
-              <a:rPr lang="en-US" sz="2500" i="1" spc="300" dirty="0" smtClean="0">
-                <a:latin typeface="+mn-lt"/>
-                <a:cs typeface="PFDinTextCompPro-Italic"/>
-              </a:rPr>
-              <a:t>y = </a:t>
-            </a:r>
-            <a:r>
-              <a:rPr lang="en-US" sz="3000" i="1" spc="300" dirty="0" smtClean="0">
-                <a:latin typeface="Symbol" charset="2"/>
-                <a:cs typeface="Symbol" charset="2"/>
-              </a:rPr>
-              <a:t>a</a:t>
-            </a:r>
-            <a:r>
-              <a:rPr lang="en-US" sz="2500" i="1" spc="300" dirty="0" smtClean="0">
-                <a:latin typeface="+mn-lt"/>
-                <a:cs typeface="PFDinTextCompPro-Italic"/>
-              </a:rPr>
-              <a:t> + </a:t>
-            </a:r>
-            <a:r>
-              <a:rPr lang="en-US" sz="3000" i="1" spc="300" dirty="0" smtClean="0">
-                <a:latin typeface="Symbol" charset="2"/>
-                <a:cs typeface="Symbol" charset="2"/>
-              </a:rPr>
-              <a:t>β</a:t>
-            </a:r>
-            <a:r>
-              <a:rPr lang="en-US" sz="2500" i="1" spc="300" baseline="-25000" dirty="0" smtClean="0">
-                <a:latin typeface="+mn-lt"/>
-                <a:cs typeface="PFDinTextCompPro-Italic"/>
-              </a:rPr>
-              <a:t>1</a:t>
-            </a:r>
-            <a:r>
-              <a:rPr lang="en-US" sz="2500" i="1" spc="300" dirty="0" smtClean="0">
-                <a:latin typeface="+mn-lt"/>
-                <a:cs typeface="PFDinTextCompPro-Italic"/>
-              </a:rPr>
-              <a:t>x +</a:t>
-            </a:r>
-            <a:r>
-              <a:rPr lang="en-US" sz="2500" i="1" spc="300" dirty="0" smtClean="0">
-                <a:cs typeface="PFDinTextCompPro-Italic"/>
-              </a:rPr>
-              <a:t> </a:t>
-            </a:r>
-            <a:r>
-              <a:rPr lang="en-US" sz="3000" i="1" spc="300" dirty="0" smtClean="0">
-                <a:latin typeface="Symbol" charset="2"/>
-                <a:cs typeface="Symbol" charset="2"/>
-              </a:rPr>
-              <a:t>β</a:t>
-            </a:r>
-            <a:r>
-              <a:rPr lang="en-US" sz="2500" i="1" spc="300" baseline="-25000" dirty="0" smtClean="0">
-                <a:latin typeface="+mn-lt"/>
-                <a:cs typeface="PFDinTextCompPro-Italic"/>
-              </a:rPr>
-              <a:t>2</a:t>
-            </a:r>
-            <a:r>
-              <a:rPr lang="en-US" sz="2500" i="1" spc="300" dirty="0" smtClean="0">
-                <a:latin typeface="+mn-lt"/>
-                <a:cs typeface="PFDinTextCompPro-Italic"/>
-              </a:rPr>
-              <a:t>x</a:t>
-            </a:r>
-            <a:r>
-              <a:rPr lang="en-US" sz="2500" i="1" spc="300" baseline="30000" dirty="0" smtClean="0">
-                <a:latin typeface="+mn-lt"/>
-                <a:cs typeface="PFDinTextCompPro-Italic"/>
-              </a:rPr>
-              <a:t>2</a:t>
-            </a:r>
-            <a:r>
-              <a:rPr lang="en-US" sz="2500" i="1" spc="300" dirty="0" smtClean="0">
-                <a:cs typeface="PFDinTextCompPro-Italic"/>
-              </a:rPr>
-              <a:t> </a:t>
-            </a:r>
-            <a:r>
-              <a:rPr lang="en-US" sz="2500" i="1" spc="300" dirty="0" smtClean="0">
-                <a:latin typeface="+mn-lt"/>
-                <a:cs typeface="PFDinTextCompPro-Italic"/>
-              </a:rPr>
-              <a:t>+ … + </a:t>
-            </a:r>
-            <a:r>
-              <a:rPr lang="en-US" sz="3000" i="1" spc="300" dirty="0" smtClean="0">
-                <a:latin typeface="Symbol" charset="2"/>
-                <a:cs typeface="Symbol" charset="2"/>
-              </a:rPr>
-              <a:t>b</a:t>
-            </a:r>
-            <a:r>
-              <a:rPr lang="en-US" sz="2500" i="1" spc="300" baseline="-25000" dirty="0" smtClean="0">
-                <a:latin typeface="+mn-lt"/>
-                <a:cs typeface="PFDinTextCompPro-Italic"/>
-              </a:rPr>
-              <a:t>n</a:t>
-            </a:r>
-            <a:r>
-              <a:rPr lang="en-US" sz="2500" i="1" spc="300" dirty="0" smtClean="0">
-                <a:latin typeface="+mn-lt"/>
-                <a:cs typeface="PFDinTextCompPro-Italic"/>
-              </a:rPr>
-              <a:t>x</a:t>
-            </a:r>
-            <a:r>
-              <a:rPr lang="en-US" sz="2500" i="1" spc="300" baseline="30000" dirty="0" smtClean="0">
-                <a:latin typeface="+mn-lt"/>
-                <a:cs typeface="PFDinTextCompPro-Italic"/>
-              </a:rPr>
-              <a:t>n</a:t>
-            </a:r>
-            <a:r>
-              <a:rPr lang="en-US" sz="2500" i="1" spc="300" dirty="0" smtClean="0">
-                <a:latin typeface="+mn-lt"/>
-                <a:cs typeface="PFDinTextCompPro-Italic"/>
-              </a:rPr>
-              <a:t> + </a:t>
-            </a:r>
-            <a:r>
-              <a:rPr lang="en-US" sz="3000" i="1" spc="300" dirty="0" smtClean="0">
-                <a:latin typeface="Symbol" charset="2"/>
-                <a:cs typeface="Symbol" charset="2"/>
-              </a:rPr>
-              <a:t>e</a:t>
-            </a:r>
-            <a:endParaRPr lang="en-US" sz="3000" spc="300" dirty="0" smtClean="0">
-              <a:latin typeface="PFDinTextCompPro-Italic"/>
-              <a:cs typeface="PFDinTextCompPro-Italic"/>
-            </a:endParaRPr>
-          </a:p>
         </p:txBody>
       </p:sp>
     </p:spTree>
     <p:extLst>
       <p:ext uri="{BB962C8B-B14F-4D97-AF65-F5344CB8AC3E}">
-        <p14:creationId xmlns:p14="http://schemas.microsoft.com/office/powerpoint/2010/main" val="3810697556"/>
+        <p14:creationId xmlns:p14="http://schemas.microsoft.com/office/powerpoint/2010/main" val="2449941988"/>
       </p:ext>
     </p:extLst>
   </p:cSld>
@@ -18174,7 +15812,7 @@
             </a:pPr>
             <a:r>
               <a:rPr lang="en-US" dirty="0"/>
-              <a:t>Polynomial regression</a:t>
+              <a:t>Intro to regression</a:t>
             </a:r>
           </a:p>
         </p:txBody>
@@ -18210,14 +15848,14 @@
       </p:sp>
       <p:sp>
         <p:nvSpPr>
-          <p:cNvPr id="5" name="TextBox 4"/>
+          <p:cNvPr id="9" name="TextBox 8"/>
           <p:cNvSpPr txBox="1"/>
           <p:nvPr/>
         </p:nvSpPr>
         <p:spPr>
           <a:xfrm>
-            <a:off x="566737" y="1104900"/>
-            <a:ext cx="8382000" cy="1815882"/>
+            <a:off x="566737" y="952500"/>
+            <a:ext cx="8382000" cy="3785652"/>
           </a:xfrm>
           <a:prstGeom prst="rect">
             <a:avLst/>
@@ -18236,189 +15874,103 @@
                 <a:latin typeface="PFDinTextCompPro-Italic"/>
                 <a:cs typeface="PFDinTextCompPro-Italic"/>
               </a:rPr>
-              <a:t>Polynomial regression allows us to fit very complex curves to data.</a:t>
-            </a:r>
+              <a:t>Q: So, how do we select a linear regression model?</a:t>
+            </a:r>
+          </a:p>
+          <a:p>
+            <a:pPr marL="457200" indent="-457200" algn="l">
+              <a:buFont typeface="Arial"/>
+              <a:buChar char="•"/>
+            </a:pPr>
+            <a:r>
+              <a:rPr lang="en-US" sz="3000" dirty="0" smtClean="0">
+                <a:latin typeface="PFDinTextCompPro-Italic"/>
+                <a:cs typeface="PFDinTextCompPro-Italic"/>
+              </a:rPr>
+              <a:t>Techniques for producing designs</a:t>
+            </a:r>
+          </a:p>
+          <a:p>
+            <a:pPr marL="785813" lvl="1" indent="-457200" algn="l">
+              <a:buFont typeface="Arial"/>
+              <a:buChar char="•"/>
+            </a:pPr>
+            <a:r>
+              <a:rPr lang="en-US" sz="3000" dirty="0" smtClean="0">
+                <a:latin typeface="PFDinTextCompPro-Italic"/>
+                <a:cs typeface="PFDinTextCompPro-Italic"/>
+              </a:rPr>
+              <a:t>Theory</a:t>
+            </a:r>
+          </a:p>
+          <a:p>
+            <a:pPr marL="785813" lvl="1" indent="-457200" algn="l">
+              <a:buFont typeface="Arial"/>
+              <a:buChar char="•"/>
+            </a:pPr>
+            <a:r>
+              <a:rPr lang="en-US" sz="3000" dirty="0" smtClean="0">
+                <a:latin typeface="PFDinTextCompPro-Italic"/>
+                <a:cs typeface="PFDinTextCompPro-Italic"/>
+              </a:rPr>
+              <a:t>Forward selection</a:t>
+            </a:r>
+          </a:p>
+          <a:p>
+            <a:pPr marL="785813" lvl="1" indent="-457200" algn="l">
+              <a:buFont typeface="Arial"/>
+              <a:buChar char="•"/>
+            </a:pPr>
+            <a:r>
+              <a:rPr lang="en-US" sz="3000" dirty="0" smtClean="0">
+                <a:latin typeface="PFDinTextCompPro-Italic"/>
+                <a:cs typeface="PFDinTextCompPro-Italic"/>
+              </a:rPr>
+              <a:t>Backward elimination</a:t>
+            </a:r>
+          </a:p>
+          <a:p>
+            <a:pPr marL="785813" lvl="1" indent="-457200" algn="l">
+              <a:buFont typeface="Arial"/>
+              <a:buChar char="•"/>
+            </a:pPr>
+            <a:r>
+              <a:rPr lang="en-US" sz="3000" dirty="0" smtClean="0">
+                <a:latin typeface="PFDinTextCompPro-Italic"/>
+                <a:cs typeface="PFDinTextCompPro-Italic"/>
+              </a:rPr>
+              <a:t>More</a:t>
+            </a:r>
+          </a:p>
+          <a:p>
+            <a:pPr marL="457200" indent="-457200" algn="l">
+              <a:buFont typeface="Arial"/>
+              <a:buChar char="•"/>
+            </a:pPr>
+            <a:r>
+              <a:rPr lang="en-US" sz="3000" dirty="0" smtClean="0">
+                <a:latin typeface="PFDinTextCompPro-Italic"/>
+                <a:cs typeface="PFDinTextCompPro-Italic"/>
+              </a:rPr>
+              <a:t>Techniques for evaluating designs</a:t>
+            </a:r>
+          </a:p>
+          <a:p>
+            <a:pPr marL="457200" indent="-457200" algn="l">
+              <a:buFont typeface="Arial"/>
+              <a:buChar char="•"/>
+            </a:pPr>
             <a:endParaRPr lang="en-US" sz="3000" dirty="0">
               <a:latin typeface="PFDinTextCompPro-Italic"/>
               <a:cs typeface="PFDinTextCompPro-Italic"/>
             </a:endParaRPr>
           </a:p>
-          <a:p>
-            <a:pPr>
-              <a:lnSpc>
-                <a:spcPct val="140000"/>
-              </a:lnSpc>
-            </a:pPr>
-            <a:r>
-              <a:rPr lang="en-US" sz="2500" i="1" spc="300" dirty="0" smtClean="0">
-                <a:latin typeface="+mn-lt"/>
-                <a:cs typeface="PFDinTextCompPro-Italic"/>
-              </a:rPr>
-              <a:t>y = </a:t>
-            </a:r>
-            <a:r>
-              <a:rPr lang="en-US" sz="3000" i="1" spc="300" dirty="0" smtClean="0">
-                <a:latin typeface="Symbol" charset="2"/>
-                <a:cs typeface="Symbol" charset="2"/>
-              </a:rPr>
-              <a:t>a</a:t>
-            </a:r>
-            <a:r>
-              <a:rPr lang="en-US" sz="2500" i="1" spc="300" dirty="0" smtClean="0">
-                <a:latin typeface="+mn-lt"/>
-                <a:cs typeface="PFDinTextCompPro-Italic"/>
-              </a:rPr>
-              <a:t> + </a:t>
-            </a:r>
-            <a:r>
-              <a:rPr lang="en-US" sz="3000" i="1" spc="300" dirty="0" smtClean="0">
-                <a:latin typeface="Symbol" charset="2"/>
-                <a:cs typeface="Symbol" charset="2"/>
-              </a:rPr>
-              <a:t>β</a:t>
-            </a:r>
-            <a:r>
-              <a:rPr lang="en-US" sz="2500" i="1" spc="300" baseline="-25000" dirty="0" smtClean="0">
-                <a:latin typeface="+mn-lt"/>
-                <a:cs typeface="PFDinTextCompPro-Italic"/>
-              </a:rPr>
-              <a:t>1</a:t>
-            </a:r>
-            <a:r>
-              <a:rPr lang="en-US" sz="2500" i="1" spc="300" dirty="0" smtClean="0">
-                <a:latin typeface="+mn-lt"/>
-                <a:cs typeface="PFDinTextCompPro-Italic"/>
-              </a:rPr>
-              <a:t>x +</a:t>
-            </a:r>
-            <a:r>
-              <a:rPr lang="en-US" sz="2500" i="1" spc="300" dirty="0" smtClean="0">
-                <a:cs typeface="PFDinTextCompPro-Italic"/>
-              </a:rPr>
-              <a:t> </a:t>
-            </a:r>
-            <a:r>
-              <a:rPr lang="en-US" sz="3000" i="1" spc="300" dirty="0" smtClean="0">
-                <a:latin typeface="Symbol" charset="2"/>
-                <a:cs typeface="Symbol" charset="2"/>
-              </a:rPr>
-              <a:t>β</a:t>
-            </a:r>
-            <a:r>
-              <a:rPr lang="en-US" sz="2500" i="1" spc="300" baseline="-25000" dirty="0" smtClean="0">
-                <a:latin typeface="+mn-lt"/>
-                <a:cs typeface="PFDinTextCompPro-Italic"/>
-              </a:rPr>
-              <a:t>2</a:t>
-            </a:r>
-            <a:r>
-              <a:rPr lang="en-US" sz="2500" i="1" spc="300" dirty="0" smtClean="0">
-                <a:latin typeface="+mn-lt"/>
-                <a:cs typeface="PFDinTextCompPro-Italic"/>
-              </a:rPr>
-              <a:t>x</a:t>
-            </a:r>
-            <a:r>
-              <a:rPr lang="en-US" sz="2500" i="1" spc="300" baseline="30000" dirty="0" smtClean="0">
-                <a:latin typeface="+mn-lt"/>
-                <a:cs typeface="PFDinTextCompPro-Italic"/>
-              </a:rPr>
-              <a:t>2</a:t>
-            </a:r>
-            <a:r>
-              <a:rPr lang="en-US" sz="2500" i="1" spc="300" dirty="0" smtClean="0">
-                <a:cs typeface="PFDinTextCompPro-Italic"/>
-              </a:rPr>
-              <a:t> </a:t>
-            </a:r>
-            <a:r>
-              <a:rPr lang="en-US" sz="2500" i="1" spc="300" dirty="0" smtClean="0">
-                <a:latin typeface="+mn-lt"/>
-                <a:cs typeface="PFDinTextCompPro-Italic"/>
-              </a:rPr>
-              <a:t>+ … + </a:t>
-            </a:r>
-            <a:r>
-              <a:rPr lang="en-US" sz="3000" i="1" spc="300" dirty="0" smtClean="0">
-                <a:latin typeface="Symbol" charset="2"/>
-                <a:cs typeface="Symbol" charset="2"/>
-              </a:rPr>
-              <a:t>b</a:t>
-            </a:r>
-            <a:r>
-              <a:rPr lang="en-US" sz="2500" i="1" spc="300" baseline="-25000" dirty="0" smtClean="0">
-                <a:latin typeface="+mn-lt"/>
-                <a:cs typeface="PFDinTextCompPro-Italic"/>
-              </a:rPr>
-              <a:t>n</a:t>
-            </a:r>
-            <a:r>
-              <a:rPr lang="en-US" sz="2500" i="1" spc="300" dirty="0" smtClean="0">
-                <a:latin typeface="+mn-lt"/>
-                <a:cs typeface="PFDinTextCompPro-Italic"/>
-              </a:rPr>
-              <a:t>x</a:t>
-            </a:r>
-            <a:r>
-              <a:rPr lang="en-US" sz="2500" i="1" spc="300" baseline="30000" dirty="0" smtClean="0">
-                <a:latin typeface="+mn-lt"/>
-                <a:cs typeface="PFDinTextCompPro-Italic"/>
-              </a:rPr>
-              <a:t>n</a:t>
-            </a:r>
-            <a:r>
-              <a:rPr lang="en-US" sz="2500" i="1" spc="300" dirty="0" smtClean="0">
-                <a:latin typeface="+mn-lt"/>
-                <a:cs typeface="PFDinTextCompPro-Italic"/>
-              </a:rPr>
-              <a:t> + </a:t>
-            </a:r>
-            <a:r>
-              <a:rPr lang="en-US" sz="3000" i="1" spc="300" dirty="0" smtClean="0">
-                <a:latin typeface="Symbol" charset="2"/>
-                <a:cs typeface="Symbol" charset="2"/>
-              </a:rPr>
-              <a:t>e</a:t>
-            </a:r>
-            <a:endParaRPr lang="en-US" sz="3000" spc="300" dirty="0" smtClean="0">
-              <a:latin typeface="PFDinTextCompPro-Italic"/>
-              <a:cs typeface="PFDinTextCompPro-Italic"/>
-            </a:endParaRPr>
-          </a:p>
-          <a:p>
-            <a:pPr algn="l">
-              <a:lnSpc>
-                <a:spcPct val="140000"/>
-              </a:lnSpc>
-            </a:pPr>
-            <a:r>
-              <a:rPr lang="en-US" sz="3000" dirty="0" smtClean="0">
-                <a:latin typeface="PFDinTextCompPro-Italic"/>
-                <a:cs typeface="PFDinTextCompPro-Italic"/>
-              </a:rPr>
-              <a:t>But there is </a:t>
-            </a:r>
-            <a:r>
-              <a:rPr lang="en-US" sz="3000" dirty="0" smtClean="0">
-                <a:latin typeface="PFDinTextCompPro-Italic"/>
-                <a:cs typeface="PFDinTextCompPro-Italic"/>
-              </a:rPr>
-              <a:t>a problem </a:t>
-            </a:r>
-            <a:r>
-              <a:rPr lang="en-US" sz="3000" dirty="0" smtClean="0">
-                <a:latin typeface="PFDinTextCompPro-Italic"/>
-                <a:cs typeface="PFDinTextCompPro-Italic"/>
-              </a:rPr>
-              <a:t>with the model we’ve written down so far.</a:t>
-            </a:r>
-          </a:p>
         </p:txBody>
       </p:sp>
     </p:spTree>
     <p:extLst>
       <p:ext uri="{BB962C8B-B14F-4D97-AF65-F5344CB8AC3E}">
-        <p14:creationId xmlns:p14="http://schemas.microsoft.com/office/powerpoint/2010/main" val="4256276195"/>
+        <p14:creationId xmlns:p14="http://schemas.microsoft.com/office/powerpoint/2010/main" val="2449941988"/>
       </p:ext>
     </p:extLst>
   </p:cSld>
@@ -18481,7 +16033,7 @@
             </a:pPr>
             <a:r>
               <a:rPr lang="en-US" dirty="0"/>
-              <a:t>Polynomial regression</a:t>
+              <a:t>Intro to regression</a:t>
             </a:r>
           </a:p>
         </p:txBody>
@@ -18515,34 +16067,144 @@
           </a:p>
         </p:txBody>
       </p:sp>
-      <p:pic>
-        <p:nvPicPr>
-          <p:cNvPr id="2" name="Picture 1"/>
-          <p:cNvPicPr>
-            <a:picLocks noChangeAspect="1"/>
-          </p:cNvPicPr>
+      <p:sp>
+        <p:nvSpPr>
+          <p:cNvPr id="9" name="TextBox 8"/>
+          <p:cNvSpPr txBox="1"/>
           <p:nvPr/>
-        </p:nvPicPr>
-        <p:blipFill>
-          <a:blip r:embed="rId3"/>
-          <a:stretch>
-            <a:fillRect/>
-          </a:stretch>
-        </p:blipFill>
+        </p:nvSpPr>
         <p:spPr>
           <a:xfrm>
-            <a:off x="2819400" y="1295400"/>
-            <a:ext cx="3708400" cy="3238500"/>
+            <a:off x="566737" y="952500"/>
+            <a:ext cx="8382000" cy="4247317"/>
           </a:xfrm>
           <a:prstGeom prst="rect">
             <a:avLst/>
           </a:prstGeom>
+          <a:noFill/>
         </p:spPr>
-      </p:pic>
+        <p:txBody>
+          <a:bodyPr wrap="square" rtlCol="0">
+            <a:spAutoFit/>
+          </a:bodyPr>
+          <a:lstStyle/>
+          <a:p>
+            <a:pPr algn="l"/>
+            <a:r>
+              <a:rPr lang="en-US" sz="3000" dirty="0" smtClean="0">
+                <a:latin typeface="PFDinTextCompPro-Italic"/>
+                <a:cs typeface="PFDinTextCompPro-Italic"/>
+              </a:rPr>
+              <a:t>Q: So, how do we select a linear regression model?</a:t>
+            </a:r>
+          </a:p>
+          <a:p>
+            <a:pPr marL="457200" indent="-457200" algn="l">
+              <a:buFont typeface="Arial"/>
+              <a:buChar char="•"/>
+            </a:pPr>
+            <a:r>
+              <a:rPr lang="en-US" sz="3000" dirty="0" smtClean="0">
+                <a:latin typeface="PFDinTextCompPro-Italic"/>
+                <a:cs typeface="PFDinTextCompPro-Italic"/>
+              </a:rPr>
+              <a:t>Techniques for producing designs</a:t>
+            </a:r>
+          </a:p>
+          <a:p>
+            <a:pPr marL="785813" lvl="1" indent="-457200" algn="l">
+              <a:buFont typeface="Arial"/>
+              <a:buChar char="•"/>
+            </a:pPr>
+            <a:r>
+              <a:rPr lang="en-US" sz="3000" dirty="0" smtClean="0">
+                <a:latin typeface="PFDinTextCompPro-Italic"/>
+                <a:cs typeface="PFDinTextCompPro-Italic"/>
+              </a:rPr>
+              <a:t>Theory</a:t>
+            </a:r>
+          </a:p>
+          <a:p>
+            <a:pPr marL="785813" lvl="1" indent="-457200" algn="l">
+              <a:buFont typeface="Arial"/>
+              <a:buChar char="•"/>
+            </a:pPr>
+            <a:r>
+              <a:rPr lang="en-US" sz="3000" dirty="0" smtClean="0">
+                <a:latin typeface="PFDinTextCompPro-Italic"/>
+                <a:cs typeface="PFDinTextCompPro-Italic"/>
+              </a:rPr>
+              <a:t>Forward selection</a:t>
+            </a:r>
+          </a:p>
+          <a:p>
+            <a:pPr marL="785813" lvl="1" indent="-457200" algn="l">
+              <a:buFont typeface="Arial"/>
+              <a:buChar char="•"/>
+            </a:pPr>
+            <a:r>
+              <a:rPr lang="en-US" sz="3000" dirty="0" smtClean="0">
+                <a:latin typeface="PFDinTextCompPro-Italic"/>
+                <a:cs typeface="PFDinTextCompPro-Italic"/>
+              </a:rPr>
+              <a:t>Backward elimination</a:t>
+            </a:r>
+          </a:p>
+          <a:p>
+            <a:pPr marL="785813" lvl="1" indent="-457200" algn="l">
+              <a:buFont typeface="Arial"/>
+              <a:buChar char="•"/>
+            </a:pPr>
+            <a:r>
+              <a:rPr lang="en-US" sz="3000" dirty="0" smtClean="0">
+                <a:latin typeface="PFDinTextCompPro-Italic"/>
+                <a:cs typeface="PFDinTextCompPro-Italic"/>
+              </a:rPr>
+              <a:t>More</a:t>
+            </a:r>
+          </a:p>
+          <a:p>
+            <a:pPr marL="457200" indent="-457200" algn="l">
+              <a:buFont typeface="Arial"/>
+              <a:buChar char="•"/>
+            </a:pPr>
+            <a:r>
+              <a:rPr lang="en-US" sz="3000" dirty="0" smtClean="0">
+                <a:latin typeface="PFDinTextCompPro-Italic"/>
+                <a:cs typeface="PFDinTextCompPro-Italic"/>
+              </a:rPr>
+              <a:t>Techniques for evaluating designs</a:t>
+            </a:r>
+          </a:p>
+          <a:p>
+            <a:pPr marL="785813" lvl="1" indent="-457200" algn="l">
+              <a:buFont typeface="Arial"/>
+              <a:buChar char="•"/>
+            </a:pPr>
+            <a:r>
+              <a:rPr lang="en-US" sz="3000" dirty="0" smtClean="0">
+                <a:latin typeface="PFDinTextCompPro-Italic"/>
+                <a:cs typeface="PFDinTextCompPro-Italic"/>
+              </a:rPr>
+              <a:t>Training metrics</a:t>
+            </a:r>
+          </a:p>
+          <a:p>
+            <a:pPr marL="457200" indent="-457200" algn="l">
+              <a:buFont typeface="Arial"/>
+              <a:buChar char="•"/>
+            </a:pPr>
+            <a:endParaRPr lang="en-US" sz="3000" dirty="0">
+              <a:latin typeface="PFDinTextCompPro-Italic"/>
+              <a:cs typeface="PFDinTextCompPro-Italic"/>
+            </a:endParaRPr>
+          </a:p>
+        </p:txBody>
+      </p:sp>
     </p:spTree>
     <p:extLst>
       <p:ext uri="{BB962C8B-B14F-4D97-AF65-F5344CB8AC3E}">
-        <p14:creationId xmlns:p14="http://schemas.microsoft.com/office/powerpoint/2010/main" val="141200464"/>
+        <p14:creationId xmlns:p14="http://schemas.microsoft.com/office/powerpoint/2010/main" val="2449941988"/>
       </p:ext>
     </p:extLst>
   </p:cSld>
@@ -18604,10 +16266,9 @@
               <a:defRPr/>
             </a:pPr>
             <a:r>
-              <a:rPr lang="en-US" dirty="0" smtClean="0"/>
-              <a:t>Polynomial regression</a:t>
-            </a:r>
-            <a:endParaRPr lang="en-US" dirty="0"/>
+              <a:rPr lang="en-US" dirty="0"/>
+              <a:t>Intro to regression</a:t>
+            </a:r>
           </a:p>
         </p:txBody>
       </p:sp>
@@ -18642,14 +16303,14 @@
       </p:sp>
       <p:sp>
         <p:nvSpPr>
-          <p:cNvPr id="5" name="TextBox 4"/>
+          <p:cNvPr id="9" name="TextBox 8"/>
           <p:cNvSpPr txBox="1"/>
           <p:nvPr/>
         </p:nvSpPr>
         <p:spPr>
           <a:xfrm>
-            <a:off x="566737" y="1104900"/>
-            <a:ext cx="8382000" cy="1738937"/>
+            <a:off x="566737" y="952500"/>
+            <a:ext cx="8382000" cy="4708981"/>
           </a:xfrm>
           <a:prstGeom prst="rect">
             <a:avLst/>
@@ -18662,209 +16323,135 @@
           </a:bodyPr>
           <a:lstStyle/>
           <a:p>
-            <a:pPr algn="l">
-              <a:lnSpc>
-                <a:spcPct val="120000"/>
-              </a:lnSpc>
-            </a:pPr>
+            <a:pPr algn="l"/>
             <a:r>
               <a:rPr lang="en-US" sz="3000" dirty="0" smtClean="0">
                 <a:latin typeface="PFDinTextCompPro-Italic"/>
                 <a:cs typeface="PFDinTextCompPro-Italic"/>
               </a:rPr>
-              <a:t>This model displays </a:t>
-            </a:r>
-            <a:r>
-              <a:rPr lang="en-US" sz="3000" dirty="0" err="1" smtClean="0">
-                <a:latin typeface="PFDinTextCompPro-Medium"/>
-                <a:cs typeface="PFDinTextCompPro-Medium"/>
-              </a:rPr>
-              <a:t>collinearity</a:t>
-            </a:r>
+              <a:t>Q: So, how do we select a linear regression model?</a:t>
+            </a:r>
+          </a:p>
+          <a:p>
+            <a:pPr marL="457200" indent="-457200" algn="l">
+              <a:buFont typeface="Arial"/>
+              <a:buChar char="•"/>
+            </a:pPr>
             <a:r>
               <a:rPr lang="en-US" sz="3000" dirty="0" smtClean="0">
                 <a:latin typeface="PFDinTextCompPro-Italic"/>
                 <a:cs typeface="PFDinTextCompPro-Italic"/>
               </a:rPr>
-              <a:t>, which means the predictor variables are highly correlated with each other.</a:t>
-            </a:r>
+              <a:t>Techniques for producing designs</a:t>
+            </a:r>
+          </a:p>
+          <a:p>
+            <a:pPr marL="785813" lvl="1" indent="-457200" algn="l">
+              <a:buFont typeface="Arial"/>
+              <a:buChar char="•"/>
+            </a:pPr>
+            <a:r>
+              <a:rPr lang="en-US" sz="3000" dirty="0" smtClean="0">
+                <a:latin typeface="PFDinTextCompPro-Italic"/>
+                <a:cs typeface="PFDinTextCompPro-Italic"/>
+              </a:rPr>
+              <a:t>Theory</a:t>
+            </a:r>
+          </a:p>
+          <a:p>
+            <a:pPr marL="785813" lvl="1" indent="-457200" algn="l">
+              <a:buFont typeface="Arial"/>
+              <a:buChar char="•"/>
+            </a:pPr>
+            <a:r>
+              <a:rPr lang="en-US" sz="3000" dirty="0" smtClean="0">
+                <a:latin typeface="PFDinTextCompPro-Italic"/>
+                <a:cs typeface="PFDinTextCompPro-Italic"/>
+              </a:rPr>
+              <a:t>Forward selection</a:t>
+            </a:r>
+          </a:p>
+          <a:p>
+            <a:pPr marL="785813" lvl="1" indent="-457200" algn="l">
+              <a:buFont typeface="Arial"/>
+              <a:buChar char="•"/>
+            </a:pPr>
+            <a:r>
+              <a:rPr lang="en-US" sz="3000" dirty="0" smtClean="0">
+                <a:latin typeface="PFDinTextCompPro-Italic"/>
+                <a:cs typeface="PFDinTextCompPro-Italic"/>
+              </a:rPr>
+              <a:t>Backward elimination</a:t>
+            </a:r>
+          </a:p>
+          <a:p>
+            <a:pPr marL="785813" lvl="1" indent="-457200" algn="l">
+              <a:buFont typeface="Arial"/>
+              <a:buChar char="•"/>
+            </a:pPr>
+            <a:r>
+              <a:rPr lang="en-US" sz="3000" dirty="0" smtClean="0">
+                <a:latin typeface="PFDinTextCompPro-Italic"/>
+                <a:cs typeface="PFDinTextCompPro-Italic"/>
+              </a:rPr>
+              <a:t>More</a:t>
+            </a:r>
+          </a:p>
+          <a:p>
+            <a:pPr marL="457200" indent="-457200" algn="l">
+              <a:buFont typeface="Arial"/>
+              <a:buChar char="•"/>
+            </a:pPr>
+            <a:r>
+              <a:rPr lang="en-US" sz="3000" dirty="0" smtClean="0">
+                <a:latin typeface="PFDinTextCompPro-Italic"/>
+                <a:cs typeface="PFDinTextCompPro-Italic"/>
+              </a:rPr>
+              <a:t>Techniques for evaluating designs</a:t>
+            </a:r>
+          </a:p>
+          <a:p>
+            <a:pPr marL="785813" lvl="1" indent="-457200" algn="l">
+              <a:buFont typeface="Arial"/>
+              <a:buChar char="•"/>
+            </a:pPr>
+            <a:r>
+              <a:rPr lang="en-US" sz="3000" dirty="0" smtClean="0">
+                <a:latin typeface="PFDinTextCompPro-Italic"/>
+                <a:cs typeface="PFDinTextCompPro-Italic"/>
+              </a:rPr>
+              <a:t>Training metrics</a:t>
+            </a:r>
+          </a:p>
+          <a:p>
+            <a:pPr marL="785813" lvl="1" indent="-457200" algn="l">
+              <a:buFont typeface="Arial"/>
+              <a:buChar char="•"/>
+            </a:pPr>
+            <a:r>
+              <a:rPr lang="en-US" sz="3000" dirty="0" smtClean="0">
+                <a:latin typeface="PFDinTextCompPro-Italic"/>
+                <a:cs typeface="PFDinTextCompPro-Italic"/>
+              </a:rPr>
+              <a:t>Test set performance / Cross-validation</a:t>
+            </a:r>
+          </a:p>
+          <a:p>
+            <a:pPr marL="457200" indent="-457200" algn="l">
+              <a:buFont typeface="Arial"/>
+              <a:buChar char="•"/>
+            </a:pPr>
             <a:endParaRPr lang="en-US" sz="3000" dirty="0">
               <a:latin typeface="PFDinTextCompPro-Italic"/>
               <a:cs typeface="PFDinTextCompPro-Italic"/>
             </a:endParaRPr>
           </a:p>
-          <a:p>
-            <a:pPr>
-              <a:lnSpc>
-                <a:spcPct val="120000"/>
-              </a:lnSpc>
-            </a:pPr>
-            <a:r>
-              <a:rPr lang="en-US" sz="2500" i="1" spc="300" dirty="0" smtClean="0">
-                <a:latin typeface="+mn-lt"/>
-                <a:cs typeface="PFDinTextCompPro-Italic"/>
-              </a:rPr>
-              <a:t>y = </a:t>
-            </a:r>
-            <a:r>
-              <a:rPr lang="en-US" sz="3000" i="1" spc="300" dirty="0" smtClean="0">
-                <a:latin typeface="Symbol" charset="2"/>
-                <a:cs typeface="Symbol" charset="2"/>
-              </a:rPr>
-              <a:t>a</a:t>
-            </a:r>
-            <a:r>
-              <a:rPr lang="en-US" sz="2500" i="1" spc="300" dirty="0" smtClean="0">
-                <a:latin typeface="+mn-lt"/>
-                <a:cs typeface="PFDinTextCompPro-Italic"/>
-              </a:rPr>
-              <a:t> + </a:t>
-            </a:r>
-            <a:r>
-              <a:rPr lang="en-US" sz="3000" i="1" spc="300" dirty="0" smtClean="0">
-                <a:latin typeface="Symbol" charset="2"/>
-                <a:cs typeface="Symbol" charset="2"/>
-              </a:rPr>
-              <a:t>β</a:t>
-            </a:r>
-            <a:r>
-              <a:rPr lang="en-US" sz="2500" i="1" spc="300" baseline="-25000" dirty="0" smtClean="0">
-                <a:latin typeface="+mn-lt"/>
-                <a:cs typeface="PFDinTextCompPro-Italic"/>
-              </a:rPr>
-              <a:t>1</a:t>
-            </a:r>
-            <a:r>
-              <a:rPr lang="en-US" sz="2500" i="1" spc="300" dirty="0" smtClean="0">
-                <a:latin typeface="+mn-lt"/>
-                <a:cs typeface="PFDinTextCompPro-Italic"/>
-              </a:rPr>
-              <a:t>x +</a:t>
-            </a:r>
-            <a:r>
-              <a:rPr lang="en-US" sz="2500" i="1" spc="300" dirty="0" smtClean="0">
-                <a:cs typeface="PFDinTextCompPro-Italic"/>
-              </a:rPr>
-              <a:t> </a:t>
-            </a:r>
-            <a:r>
-              <a:rPr lang="en-US" sz="3000" i="1" spc="300" dirty="0" smtClean="0">
-                <a:latin typeface="Symbol" charset="2"/>
-                <a:cs typeface="Symbol" charset="2"/>
-              </a:rPr>
-              <a:t>β</a:t>
-            </a:r>
-            <a:r>
-              <a:rPr lang="en-US" sz="2500" i="1" spc="300" baseline="-25000" dirty="0" smtClean="0">
-                <a:latin typeface="+mn-lt"/>
-                <a:cs typeface="PFDinTextCompPro-Italic"/>
-              </a:rPr>
-              <a:t>2</a:t>
-            </a:r>
-            <a:r>
-              <a:rPr lang="en-US" sz="2500" i="1" spc="300" dirty="0" smtClean="0">
-                <a:latin typeface="+mn-lt"/>
-                <a:cs typeface="PFDinTextCompPro-Italic"/>
-              </a:rPr>
-              <a:t>x</a:t>
-            </a:r>
-            <a:r>
-              <a:rPr lang="en-US" sz="2500" i="1" spc="300" baseline="30000" dirty="0" smtClean="0">
-                <a:latin typeface="+mn-lt"/>
-                <a:cs typeface="PFDinTextCompPro-Italic"/>
-              </a:rPr>
-              <a:t>2</a:t>
-            </a:r>
-            <a:r>
-              <a:rPr lang="en-US" sz="2500" i="1" spc="300" dirty="0" smtClean="0">
-                <a:cs typeface="PFDinTextCompPro-Italic"/>
-              </a:rPr>
-              <a:t> </a:t>
-            </a:r>
-            <a:r>
-              <a:rPr lang="en-US" sz="2500" i="1" spc="300" dirty="0" smtClean="0">
-                <a:latin typeface="+mn-lt"/>
-                <a:cs typeface="PFDinTextCompPro-Italic"/>
-              </a:rPr>
-              <a:t>+ … + </a:t>
-            </a:r>
-            <a:r>
-              <a:rPr lang="en-US" sz="3000" i="1" spc="300" dirty="0" smtClean="0">
-                <a:latin typeface="Symbol" charset="2"/>
-                <a:cs typeface="Symbol" charset="2"/>
-              </a:rPr>
-              <a:t>b</a:t>
-            </a:r>
-            <a:r>
-              <a:rPr lang="en-US" sz="2500" i="1" spc="300" baseline="-25000" dirty="0" smtClean="0">
-                <a:latin typeface="+mn-lt"/>
-                <a:cs typeface="PFDinTextCompPro-Italic"/>
-              </a:rPr>
-              <a:t>n</a:t>
-            </a:r>
-            <a:r>
-              <a:rPr lang="en-US" sz="2500" i="1" spc="300" dirty="0" smtClean="0">
-                <a:latin typeface="+mn-lt"/>
-                <a:cs typeface="PFDinTextCompPro-Italic"/>
-              </a:rPr>
-              <a:t>x</a:t>
-            </a:r>
-            <a:r>
-              <a:rPr lang="en-US" sz="2500" i="1" spc="300" baseline="30000" dirty="0" smtClean="0">
-                <a:latin typeface="+mn-lt"/>
-                <a:cs typeface="PFDinTextCompPro-Italic"/>
-              </a:rPr>
-              <a:t>n</a:t>
-            </a:r>
-            <a:r>
-              <a:rPr lang="en-US" sz="2500" i="1" spc="300" dirty="0" smtClean="0">
-                <a:latin typeface="+mn-lt"/>
-                <a:cs typeface="PFDinTextCompPro-Italic"/>
-              </a:rPr>
-              <a:t> + </a:t>
-            </a:r>
-            <a:r>
-              <a:rPr lang="en-US" sz="3000" i="1" spc="300" dirty="0" smtClean="0">
-                <a:latin typeface="Symbol" charset="2"/>
-                <a:cs typeface="Symbol" charset="2"/>
-              </a:rPr>
-              <a:t>e</a:t>
-            </a:r>
-            <a:endParaRPr lang="en-US" sz="3000" spc="300" dirty="0" smtClean="0">
-              <a:latin typeface="PFDinTextCompPro-Italic"/>
-              <a:cs typeface="PFDinTextCompPro-Italic"/>
-            </a:endParaRPr>
-          </a:p>
-        </p:txBody>
-      </p:sp>
-      <p:pic>
-        <p:nvPicPr>
-          <p:cNvPr id="3" name="Picture 2"/>
-          <p:cNvPicPr>
-            <a:picLocks noChangeAspect="1"/>
-          </p:cNvPicPr>
-          <p:nvPr/>
-        </p:nvPicPr>
-        <p:blipFill>
-          <a:blip r:embed="rId3"/>
-          <a:stretch>
-            <a:fillRect/>
-          </a:stretch>
-        </p:blipFill>
-        <p:spPr>
-          <a:xfrm>
-            <a:off x="3081337" y="3454400"/>
-            <a:ext cx="3200400" cy="1079500"/>
-          </a:xfrm>
-          <a:prstGeom prst="rect">
-            <a:avLst/>
-          </a:prstGeom>
-        </p:spPr>
-      </p:pic>
+        </p:txBody>
+      </p:sp>
     </p:spTree>
     <p:extLst>
       <p:ext uri="{BB962C8B-B14F-4D97-AF65-F5344CB8AC3E}">
-        <p14:creationId xmlns:p14="http://schemas.microsoft.com/office/powerpoint/2010/main" val="3378284312"/>
+        <p14:creationId xmlns:p14="http://schemas.microsoft.com/office/powerpoint/2010/main" val="2449941988"/>
       </p:ext>
     </p:extLst>
   </p:cSld>
@@ -18901,299 +16488,72 @@
       </p:grpSpPr>
       <p:sp>
         <p:nvSpPr>
-          <p:cNvPr id="4" name="Content Placeholder 3"/>
-          <p:cNvSpPr>
-            <a:spLocks noGrp="1"/>
-          </p:cNvSpPr>
-          <p:nvPr>
-            <p:ph sz="quarter" idx="11"/>
+          <p:cNvPr id="2" name="Title 1"/>
+          <p:cNvSpPr>
+            <a:spLocks noGrp="1"/>
+          </p:cNvSpPr>
+          <p:nvPr>
+            <p:ph type="title"/>
           </p:nvPr>
         </p:nvSpPr>
         <p:spPr>
           <a:xfrm>
-            <a:off x="414337" y="495300"/>
+            <a:off x="347663" y="3619500"/>
+            <a:ext cx="8426450" cy="914400"/>
+          </a:xfrm>
+        </p:spPr>
+        <p:txBody>
+          <a:bodyPr/>
+          <a:lstStyle/>
+          <a:p>
+            <a:pPr>
+              <a:defRPr/>
+            </a:pPr>
+            <a:r>
+              <a:rPr lang="en-US" sz="7500" dirty="0" smtClean="0"/>
+              <a:t>II. Exercises</a:t>
+            </a:r>
+            <a:endParaRPr lang="en-US" sz="7500" dirty="0"/>
+          </a:p>
+        </p:txBody>
+      </p:sp>
+      <p:sp>
+        <p:nvSpPr>
+          <p:cNvPr id="4" name="Content Placeholder 3"/>
+          <p:cNvSpPr>
+            <a:spLocks noGrp="1"/>
+          </p:cNvSpPr>
+          <p:nvPr>
+            <p:ph sz="quarter" idx="11"/>
+          </p:nvPr>
+        </p:nvSpPr>
+        <p:spPr>
+          <a:xfrm>
+            <a:off x="371475" y="495300"/>
             <a:ext cx="6400800" cy="304800"/>
           </a:xfrm>
         </p:spPr>
         <p:txBody>
-          <a:bodyPr/>
-          <a:lstStyle/>
-          <a:p>
-            <a:pPr eaLnBrk="1" hangingPunct="1">
-              <a:lnSpc>
-                <a:spcPts val="2448"/>
-              </a:lnSpc>
-              <a:defRPr/>
-            </a:pPr>
-            <a:r>
-              <a:rPr lang="en-US" dirty="0" smtClean="0"/>
-              <a:t>Polynomial regression</a:t>
-            </a:r>
-            <a:endParaRPr lang="en-US" dirty="0"/>
-          </a:p>
-        </p:txBody>
-      </p:sp>
-      <p:sp>
-        <p:nvSpPr>
-          <p:cNvPr id="8" name="Slide Number Placeholder 3"/>
-          <p:cNvSpPr>
-            <a:spLocks noGrp="1"/>
-          </p:cNvSpPr>
-          <p:nvPr>
-            <p:ph type="sldNum" sz="quarter" idx="13"/>
-          </p:nvPr>
-        </p:nvSpPr>
-        <p:spPr/>
-        <p:txBody>
-          <a:bodyPr/>
-          <a:lstStyle/>
-          <a:p>
-            <a:pPr>
-              <a:defRPr/>
-            </a:pPr>
-            <a:fld id="{BD5AD749-DAD1-6A4A-A2AA-CB20EAD0AEB7}" type="slidenum">
-              <a:rPr lang="en-US"/>
-              <a:pPr>
-                <a:defRPr/>
-              </a:pPr>
-              <a:t>34</a:t>
-            </a:fld>
-            <a:endParaRPr lang="en-US"/>
-          </a:p>
-        </p:txBody>
-      </p:sp>
-      <p:sp>
-        <p:nvSpPr>
-          <p:cNvPr id="5" name="TextBox 4"/>
-          <p:cNvSpPr txBox="1"/>
-          <p:nvPr/>
-        </p:nvSpPr>
-        <p:spPr>
-          <a:xfrm>
-            <a:off x="566737" y="1104900"/>
-            <a:ext cx="8382000" cy="3400931"/>
-          </a:xfrm>
-          <a:prstGeom prst="rect">
-            <a:avLst/>
-          </a:prstGeom>
-          <a:noFill/>
-        </p:spPr>
-        <p:txBody>
-          <a:bodyPr wrap="square" rtlCol="0">
-            <a:spAutoFit/>
+          <a:bodyPr wrap="square" lIns="91440" tIns="45720" rIns="91440" bIns="45720" numCol="1" anchor="t" anchorCtr="0" compatLnSpc="1">
+            <a:prstTxWarp prst="textNoShape">
+              <a:avLst/>
+            </a:prstTxWarp>
           </a:bodyPr>
           <a:lstStyle/>
           <a:p>
-            <a:pPr algn="l">
-              <a:lnSpc>
-                <a:spcPct val="120000"/>
-              </a:lnSpc>
-            </a:pPr>
-            <a:r>
-              <a:rPr lang="en-US" sz="3000" dirty="0">
-                <a:latin typeface="PFDinTextCompPro-Italic"/>
-                <a:cs typeface="PFDinTextCompPro-Italic"/>
-              </a:rPr>
-              <a:t>This model displays </a:t>
-            </a:r>
-            <a:r>
-              <a:rPr lang="en-US" sz="3000" dirty="0" err="1" smtClean="0">
-                <a:latin typeface="PFDinTextCompPro-Medium"/>
-                <a:cs typeface="PFDinTextCompPro-Medium"/>
-              </a:rPr>
-              <a:t>collinearity</a:t>
-            </a:r>
-            <a:r>
-              <a:rPr lang="en-US" sz="3000" dirty="0">
-                <a:latin typeface="PFDinTextCompPro-Italic"/>
-                <a:cs typeface="PFDinTextCompPro-Italic"/>
-              </a:rPr>
-              <a:t>, which means the predictor variables are highly correlated with each other.</a:t>
-            </a:r>
-          </a:p>
-          <a:p>
-            <a:pPr>
-              <a:lnSpc>
-                <a:spcPct val="120000"/>
-              </a:lnSpc>
-            </a:pPr>
-            <a:r>
-              <a:rPr lang="en-US" sz="2500" i="1" spc="300" dirty="0" smtClean="0">
-                <a:latin typeface="+mn-lt"/>
-                <a:cs typeface="PFDinTextCompPro-Italic"/>
-              </a:rPr>
-              <a:t>y = </a:t>
-            </a:r>
-            <a:r>
-              <a:rPr lang="en-US" sz="3000" i="1" spc="300" dirty="0" smtClean="0">
-                <a:latin typeface="Symbol" charset="2"/>
-                <a:cs typeface="Symbol" charset="2"/>
-              </a:rPr>
-              <a:t>a</a:t>
-            </a:r>
-            <a:r>
-              <a:rPr lang="en-US" sz="2500" i="1" spc="300" dirty="0" smtClean="0">
-                <a:latin typeface="+mn-lt"/>
-                <a:cs typeface="PFDinTextCompPro-Italic"/>
-              </a:rPr>
-              <a:t> + </a:t>
-            </a:r>
-            <a:r>
-              <a:rPr lang="en-US" sz="3000" i="1" spc="300" dirty="0" smtClean="0">
-                <a:latin typeface="Symbol" charset="2"/>
-                <a:cs typeface="Symbol" charset="2"/>
-              </a:rPr>
-              <a:t>β</a:t>
-            </a:r>
-            <a:r>
-              <a:rPr lang="en-US" sz="2500" i="1" spc="300" baseline="-25000" dirty="0" smtClean="0">
-                <a:latin typeface="+mn-lt"/>
-                <a:cs typeface="PFDinTextCompPro-Italic"/>
-              </a:rPr>
-              <a:t>1</a:t>
-            </a:r>
-            <a:r>
-              <a:rPr lang="en-US" sz="2500" i="1" spc="300" dirty="0" smtClean="0">
-                <a:latin typeface="+mn-lt"/>
-                <a:cs typeface="PFDinTextCompPro-Italic"/>
-              </a:rPr>
-              <a:t>x +</a:t>
-            </a:r>
-            <a:r>
-              <a:rPr lang="en-US" sz="2500" i="1" spc="300" dirty="0" smtClean="0">
-                <a:cs typeface="PFDinTextCompPro-Italic"/>
-              </a:rPr>
-              <a:t> </a:t>
-            </a:r>
-            <a:r>
-              <a:rPr lang="en-US" sz="3000" i="1" spc="300" dirty="0" smtClean="0">
-                <a:latin typeface="Symbol" charset="2"/>
-                <a:cs typeface="Symbol" charset="2"/>
-              </a:rPr>
-              <a:t>β</a:t>
-            </a:r>
-            <a:r>
-              <a:rPr lang="en-US" sz="2500" i="1" spc="300" baseline="-25000" dirty="0" smtClean="0">
-                <a:latin typeface="+mn-lt"/>
-                <a:cs typeface="PFDinTextCompPro-Italic"/>
-              </a:rPr>
-              <a:t>2</a:t>
-            </a:r>
-            <a:r>
-              <a:rPr lang="en-US" sz="2500" i="1" spc="300" dirty="0" smtClean="0">
-                <a:latin typeface="+mn-lt"/>
-                <a:cs typeface="PFDinTextCompPro-Italic"/>
-              </a:rPr>
-              <a:t>x</a:t>
-            </a:r>
-            <a:r>
-              <a:rPr lang="en-US" sz="2500" i="1" spc="300" baseline="30000" dirty="0" smtClean="0">
-                <a:latin typeface="+mn-lt"/>
-                <a:cs typeface="PFDinTextCompPro-Italic"/>
-              </a:rPr>
-              <a:t>2</a:t>
-            </a:r>
-            <a:r>
-              <a:rPr lang="en-US" sz="2500" i="1" spc="300" dirty="0" smtClean="0">
-                <a:cs typeface="PFDinTextCompPro-Italic"/>
-              </a:rPr>
-              <a:t> </a:t>
-            </a:r>
-            <a:r>
-              <a:rPr lang="en-US" sz="2500" i="1" spc="300" dirty="0" smtClean="0">
-                <a:latin typeface="+mn-lt"/>
-                <a:cs typeface="PFDinTextCompPro-Italic"/>
-              </a:rPr>
-              <a:t>+ … + </a:t>
-            </a:r>
-            <a:r>
-              <a:rPr lang="en-US" sz="3000" i="1" spc="300" dirty="0" smtClean="0">
-                <a:latin typeface="Symbol" charset="2"/>
-                <a:cs typeface="Symbol" charset="2"/>
-              </a:rPr>
-              <a:t>b</a:t>
-            </a:r>
-            <a:r>
-              <a:rPr lang="en-US" sz="2500" i="1" spc="300" baseline="-25000" dirty="0" smtClean="0">
-                <a:latin typeface="+mn-lt"/>
-                <a:cs typeface="PFDinTextCompPro-Italic"/>
-              </a:rPr>
-              <a:t>n</a:t>
-            </a:r>
-            <a:r>
-              <a:rPr lang="en-US" sz="2500" i="1" spc="300" dirty="0" smtClean="0">
-                <a:latin typeface="+mn-lt"/>
-                <a:cs typeface="PFDinTextCompPro-Italic"/>
-              </a:rPr>
-              <a:t>x</a:t>
-            </a:r>
-            <a:r>
-              <a:rPr lang="en-US" sz="2500" i="1" spc="300" baseline="30000" dirty="0" smtClean="0">
-                <a:latin typeface="+mn-lt"/>
-                <a:cs typeface="PFDinTextCompPro-Italic"/>
-              </a:rPr>
-              <a:t>n</a:t>
-            </a:r>
-            <a:r>
-              <a:rPr lang="en-US" sz="2500" i="1" spc="300" dirty="0" smtClean="0">
-                <a:latin typeface="+mn-lt"/>
-                <a:cs typeface="PFDinTextCompPro-Italic"/>
-              </a:rPr>
-              <a:t> + </a:t>
-            </a:r>
-            <a:r>
-              <a:rPr lang="en-US" sz="3000" i="1" spc="300" dirty="0" smtClean="0">
-                <a:latin typeface="Symbol" charset="2"/>
-                <a:cs typeface="Symbol" charset="2"/>
-              </a:rPr>
-              <a:t>e</a:t>
-            </a:r>
-            <a:endParaRPr lang="en-US" sz="3000" spc="300" dirty="0" smtClean="0">
-              <a:latin typeface="PFDinTextCompPro-Italic"/>
-              <a:cs typeface="PFDinTextCompPro-Italic"/>
-            </a:endParaRPr>
-          </a:p>
-          <a:p>
-            <a:pPr algn="l">
-              <a:lnSpc>
-                <a:spcPct val="120000"/>
-              </a:lnSpc>
-            </a:pPr>
-            <a:endParaRPr lang="en-US" sz="3000" dirty="0" smtClean="0">
-              <a:latin typeface="PFDinTextCompPro-Italic"/>
-              <a:cs typeface="PFDinTextCompPro-Italic"/>
-            </a:endParaRPr>
-          </a:p>
-          <a:p>
-            <a:pPr algn="l">
-              <a:lnSpc>
-                <a:spcPct val="120000"/>
-              </a:lnSpc>
-            </a:pPr>
-            <a:r>
-              <a:rPr lang="en-US" sz="3000" dirty="0" err="1">
-                <a:latin typeface="PFDinTextCompPro-Italic"/>
-                <a:cs typeface="PFDinTextCompPro-Italic"/>
-              </a:rPr>
-              <a:t>C</a:t>
-            </a:r>
-            <a:r>
-              <a:rPr lang="en-US" sz="3000" dirty="0" err="1" smtClean="0">
-                <a:latin typeface="PFDinTextCompPro-Italic"/>
-                <a:cs typeface="PFDinTextCompPro-Italic"/>
-              </a:rPr>
-              <a:t>ollinearity</a:t>
-            </a:r>
-            <a:r>
-              <a:rPr lang="en-US" sz="3000" dirty="0" smtClean="0">
-                <a:latin typeface="PFDinTextCompPro-Italic"/>
-                <a:cs typeface="PFDinTextCompPro-Italic"/>
-              </a:rPr>
-              <a:t> causes the linear regression model to “break down”, because it can’t tell the predictor variables apart.</a:t>
-            </a:r>
-            <a:endParaRPr lang="en-US" sz="3000" dirty="0" smtClean="0">
-              <a:latin typeface="Symbol" charset="2"/>
-              <a:cs typeface="Symbol" charset="2"/>
+            <a:pPr marL="0" indent="0"/>
+            <a:r>
+              <a:rPr lang="en-US" cap="none" dirty="0" smtClean="0">
+                <a:latin typeface="PFDinTextCompPro-Bold" charset="0"/>
+                <a:ea typeface="ヒラギノ角ゴ ProN W3" charset="0"/>
+                <a:cs typeface="ヒラギノ角ゴ ProN W3" charset="0"/>
+              </a:rPr>
+              <a:t>INTRO TO DATA SCIENCE</a:t>
+            </a:r>
+            <a:endParaRPr lang="en-US" cap="none" dirty="0">
+              <a:latin typeface="PFDinTextCompPro-Bold" charset="0"/>
+              <a:ea typeface="ヒラギノ角ゴ ProN W3" charset="0"/>
+              <a:cs typeface="ヒラギノ角ゴ ProN W3" charset="0"/>
             </a:endParaRPr>
           </a:p>
         </p:txBody>
@@ -19201,1828 +16561,7 @@
     </p:spTree>
     <p:extLst>
       <p:ext uri="{BB962C8B-B14F-4D97-AF65-F5344CB8AC3E}">
-        <p14:creationId xmlns:p14="http://schemas.microsoft.com/office/powerpoint/2010/main" val="1879055319"/>
-      </p:ext>
-    </p:extLst>
-  </p:cSld>
-  <p:clrMapOvr>
-    <a:masterClrMapping/>
-  </p:clrMapOvr>
-  <p:transition xmlns:p14="http://schemas.microsoft.com/office/powerpoint/2010/main"/>
-  <p:timing>
-    <p:tnLst>
-      <p:par>
-        <p:cTn xmlns:p14="http://schemas.microsoft.com/office/powerpoint/2010/main" id="1" dur="indefinite" restart="never" nodeType="tmRoot"/>
-      </p:par>
-    </p:tnLst>
-  </p:timing>
-</p:sld>
-</file>
-
-<file path=ppt/slides/slide35.xml><?xml version="1.0" encoding="utf-8"?>
-<p:sld xmlns:a="http://schemas.openxmlformats.org/drawingml/2006/main" xmlns:r="http://schemas.openxmlformats.org/officeDocument/2006/relationships" xmlns:p="http://schemas.openxmlformats.org/presentationml/2006/main">
-  <p:cSld>
-    <p:spTree>
-      <p:nvGrpSpPr>
-        <p:cNvPr id="1" name=""/>
-        <p:cNvGrpSpPr/>
-        <p:nvPr/>
-      </p:nvGrpSpPr>
-      <p:grpSpPr>
-        <a:xfrm>
-          <a:off x="0" y="0"/>
-          <a:ext cx="0" cy="0"/>
-          <a:chOff x="0" y="0"/>
-          <a:chExt cx="0" cy="0"/>
-        </a:xfrm>
-      </p:grpSpPr>
-      <p:sp>
-        <p:nvSpPr>
-          <p:cNvPr id="4" name="Content Placeholder 3"/>
-          <p:cNvSpPr>
-            <a:spLocks noGrp="1"/>
-          </p:cNvSpPr>
-          <p:nvPr>
-            <p:ph sz="quarter" idx="11"/>
-          </p:nvPr>
-        </p:nvSpPr>
-        <p:spPr>
-          <a:xfrm>
-            <a:off x="414337" y="495300"/>
-            <a:ext cx="6400800" cy="304800"/>
-          </a:xfrm>
-        </p:spPr>
-        <p:txBody>
-          <a:bodyPr/>
-          <a:lstStyle/>
-          <a:p>
-            <a:pPr eaLnBrk="1" hangingPunct="1">
-              <a:lnSpc>
-                <a:spcPts val="2448"/>
-              </a:lnSpc>
-              <a:defRPr/>
-            </a:pPr>
-            <a:r>
-              <a:rPr lang="en-US" dirty="0" smtClean="0"/>
-              <a:t>Polynomial regression</a:t>
-            </a:r>
-            <a:endParaRPr lang="en-US" dirty="0"/>
-          </a:p>
-        </p:txBody>
-      </p:sp>
-      <p:sp>
-        <p:nvSpPr>
-          <p:cNvPr id="8" name="Slide Number Placeholder 3"/>
-          <p:cNvSpPr>
-            <a:spLocks noGrp="1"/>
-          </p:cNvSpPr>
-          <p:nvPr>
-            <p:ph type="sldNum" sz="quarter" idx="13"/>
-          </p:nvPr>
-        </p:nvSpPr>
-        <p:spPr/>
-        <p:txBody>
-          <a:bodyPr/>
-          <a:lstStyle/>
-          <a:p>
-            <a:pPr>
-              <a:defRPr/>
-            </a:pPr>
-            <a:fld id="{BD5AD749-DAD1-6A4A-A2AA-CB20EAD0AEB7}" type="slidenum">
-              <a:rPr lang="en-US"/>
-              <a:pPr>
-                <a:defRPr/>
-              </a:pPr>
-              <a:t>35</a:t>
-            </a:fld>
-            <a:endParaRPr lang="en-US"/>
-          </a:p>
-        </p:txBody>
-      </p:sp>
-      <p:sp>
-        <p:nvSpPr>
-          <p:cNvPr id="5" name="TextBox 4"/>
-          <p:cNvSpPr txBox="1"/>
-          <p:nvPr/>
-        </p:nvSpPr>
-        <p:spPr>
-          <a:xfrm>
-            <a:off x="566737" y="1104900"/>
-            <a:ext cx="8382000" cy="3400931"/>
-          </a:xfrm>
-          <a:prstGeom prst="rect">
-            <a:avLst/>
-          </a:prstGeom>
-          <a:noFill/>
-        </p:spPr>
-        <p:txBody>
-          <a:bodyPr wrap="square" rtlCol="0">
-            <a:spAutoFit/>
-          </a:bodyPr>
-          <a:lstStyle/>
-          <a:p>
-            <a:pPr algn="l">
-              <a:lnSpc>
-                <a:spcPct val="120000"/>
-              </a:lnSpc>
-            </a:pPr>
-            <a:r>
-              <a:rPr lang="en-US" sz="3000" dirty="0">
-                <a:latin typeface="PFDinTextCompPro-Italic"/>
-                <a:cs typeface="PFDinTextCompPro-Italic"/>
-              </a:rPr>
-              <a:t>This model displays </a:t>
-            </a:r>
-            <a:r>
-              <a:rPr lang="en-US" sz="3000" dirty="0" err="1" smtClean="0">
-                <a:latin typeface="PFDinTextCompPro-Medium"/>
-                <a:cs typeface="PFDinTextCompPro-Medium"/>
-              </a:rPr>
-              <a:t>collinearity</a:t>
-            </a:r>
-            <a:r>
-              <a:rPr lang="en-US" sz="3000" dirty="0">
-                <a:latin typeface="PFDinTextCompPro-Italic"/>
-                <a:cs typeface="PFDinTextCompPro-Italic"/>
-              </a:rPr>
-              <a:t>, which means the predictor variables are highly correlated with each other.</a:t>
-            </a:r>
-          </a:p>
-          <a:p>
-            <a:pPr>
-              <a:lnSpc>
-                <a:spcPct val="120000"/>
-              </a:lnSpc>
-            </a:pPr>
-            <a:r>
-              <a:rPr lang="en-US" sz="2500" i="1" spc="300" dirty="0" smtClean="0">
-                <a:latin typeface="+mn-lt"/>
-                <a:cs typeface="PFDinTextCompPro-Italic"/>
-              </a:rPr>
-              <a:t>y = </a:t>
-            </a:r>
-            <a:r>
-              <a:rPr lang="en-US" sz="3000" i="1" spc="300" dirty="0" smtClean="0">
-                <a:latin typeface="Symbol" charset="2"/>
-                <a:cs typeface="Symbol" charset="2"/>
-              </a:rPr>
-              <a:t>a</a:t>
-            </a:r>
-            <a:r>
-              <a:rPr lang="en-US" sz="2500" i="1" spc="300" dirty="0" smtClean="0">
-                <a:latin typeface="+mn-lt"/>
-                <a:cs typeface="PFDinTextCompPro-Italic"/>
-              </a:rPr>
-              <a:t> + </a:t>
-            </a:r>
-            <a:r>
-              <a:rPr lang="en-US" sz="3000" i="1" spc="300" dirty="0" smtClean="0">
-                <a:latin typeface="Symbol" charset="2"/>
-                <a:cs typeface="Symbol" charset="2"/>
-              </a:rPr>
-              <a:t>β</a:t>
-            </a:r>
-            <a:r>
-              <a:rPr lang="en-US" sz="2500" i="1" spc="300" baseline="-25000" dirty="0" smtClean="0">
-                <a:latin typeface="+mn-lt"/>
-                <a:cs typeface="PFDinTextCompPro-Italic"/>
-              </a:rPr>
-              <a:t>1</a:t>
-            </a:r>
-            <a:r>
-              <a:rPr lang="en-US" sz="2500" i="1" spc="300" dirty="0" smtClean="0">
-                <a:latin typeface="+mn-lt"/>
-                <a:cs typeface="PFDinTextCompPro-Italic"/>
-              </a:rPr>
-              <a:t>x +</a:t>
-            </a:r>
-            <a:r>
-              <a:rPr lang="en-US" sz="2500" i="1" spc="300" dirty="0" smtClean="0">
-                <a:cs typeface="PFDinTextCompPro-Italic"/>
-              </a:rPr>
-              <a:t> </a:t>
-            </a:r>
-            <a:r>
-              <a:rPr lang="en-US" sz="3000" i="1" spc="300" dirty="0" smtClean="0">
-                <a:latin typeface="Symbol" charset="2"/>
-                <a:cs typeface="Symbol" charset="2"/>
-              </a:rPr>
-              <a:t>β</a:t>
-            </a:r>
-            <a:r>
-              <a:rPr lang="en-US" sz="2500" i="1" spc="300" baseline="-25000" dirty="0" smtClean="0">
-                <a:latin typeface="+mn-lt"/>
-                <a:cs typeface="PFDinTextCompPro-Italic"/>
-              </a:rPr>
-              <a:t>2</a:t>
-            </a:r>
-            <a:r>
-              <a:rPr lang="en-US" sz="2500" i="1" spc="300" dirty="0" smtClean="0">
-                <a:latin typeface="+mn-lt"/>
-                <a:cs typeface="PFDinTextCompPro-Italic"/>
-              </a:rPr>
-              <a:t>x</a:t>
-            </a:r>
-            <a:r>
-              <a:rPr lang="en-US" sz="2500" i="1" spc="300" baseline="30000" dirty="0" smtClean="0">
-                <a:latin typeface="+mn-lt"/>
-                <a:cs typeface="PFDinTextCompPro-Italic"/>
-              </a:rPr>
-              <a:t>2</a:t>
-            </a:r>
-            <a:r>
-              <a:rPr lang="en-US" sz="2500" i="1" spc="300" dirty="0" smtClean="0">
-                <a:cs typeface="PFDinTextCompPro-Italic"/>
-              </a:rPr>
-              <a:t> </a:t>
-            </a:r>
-            <a:r>
-              <a:rPr lang="en-US" sz="2500" i="1" spc="300" dirty="0" smtClean="0">
-                <a:latin typeface="+mn-lt"/>
-                <a:cs typeface="PFDinTextCompPro-Italic"/>
-              </a:rPr>
-              <a:t>+ … + </a:t>
-            </a:r>
-            <a:r>
-              <a:rPr lang="en-US" sz="3000" i="1" spc="300" dirty="0" smtClean="0">
-                <a:latin typeface="Symbol" charset="2"/>
-                <a:cs typeface="Symbol" charset="2"/>
-              </a:rPr>
-              <a:t>b</a:t>
-            </a:r>
-            <a:r>
-              <a:rPr lang="en-US" sz="2500" i="1" spc="300" baseline="-25000" dirty="0" smtClean="0">
-                <a:latin typeface="+mn-lt"/>
-                <a:cs typeface="PFDinTextCompPro-Italic"/>
-              </a:rPr>
-              <a:t>n</a:t>
-            </a:r>
-            <a:r>
-              <a:rPr lang="en-US" sz="2500" i="1" spc="300" dirty="0" smtClean="0">
-                <a:latin typeface="+mn-lt"/>
-                <a:cs typeface="PFDinTextCompPro-Italic"/>
-              </a:rPr>
-              <a:t>x</a:t>
-            </a:r>
-            <a:r>
-              <a:rPr lang="en-US" sz="2500" i="1" spc="300" baseline="30000" dirty="0" smtClean="0">
-                <a:latin typeface="+mn-lt"/>
-                <a:cs typeface="PFDinTextCompPro-Italic"/>
-              </a:rPr>
-              <a:t>n</a:t>
-            </a:r>
-            <a:r>
-              <a:rPr lang="en-US" sz="2500" i="1" spc="300" dirty="0" smtClean="0">
-                <a:latin typeface="+mn-lt"/>
-                <a:cs typeface="PFDinTextCompPro-Italic"/>
-              </a:rPr>
-              <a:t> + </a:t>
-            </a:r>
-            <a:r>
-              <a:rPr lang="en-US" sz="3000" i="1" spc="300" dirty="0" smtClean="0">
-                <a:latin typeface="Symbol" charset="2"/>
-                <a:cs typeface="Symbol" charset="2"/>
-              </a:rPr>
-              <a:t>e</a:t>
-            </a:r>
-            <a:endParaRPr lang="en-US" sz="3000" spc="300" dirty="0" smtClean="0">
-              <a:latin typeface="PFDinTextCompPro-Italic"/>
-              <a:cs typeface="PFDinTextCompPro-Italic"/>
-            </a:endParaRPr>
-          </a:p>
-          <a:p>
-            <a:pPr algn="l">
-              <a:lnSpc>
-                <a:spcPct val="120000"/>
-              </a:lnSpc>
-            </a:pPr>
-            <a:endParaRPr lang="en-US" sz="3000" dirty="0" smtClean="0">
-              <a:latin typeface="PFDinTextCompPro-Italic"/>
-              <a:cs typeface="PFDinTextCompPro-Italic"/>
-            </a:endParaRPr>
-          </a:p>
-          <a:p>
-            <a:pPr algn="l">
-              <a:lnSpc>
-                <a:spcPct val="120000"/>
-              </a:lnSpc>
-            </a:pPr>
-            <a:r>
-              <a:rPr lang="en-US" sz="3000" dirty="0" err="1">
-                <a:latin typeface="PFDinTextCompPro-Italic"/>
-                <a:cs typeface="PFDinTextCompPro-Italic"/>
-              </a:rPr>
-              <a:t>C</a:t>
-            </a:r>
-            <a:r>
-              <a:rPr lang="en-US" sz="3000" dirty="0" err="1" smtClean="0">
-                <a:latin typeface="PFDinTextCompPro-Italic"/>
-                <a:cs typeface="PFDinTextCompPro-Italic"/>
-              </a:rPr>
-              <a:t>ollinearity</a:t>
-            </a:r>
-            <a:r>
-              <a:rPr lang="en-US" sz="3000" dirty="0" smtClean="0">
-                <a:latin typeface="PFDinTextCompPro-Italic"/>
-                <a:cs typeface="PFDinTextCompPro-Italic"/>
-              </a:rPr>
-              <a:t> causes the linear regression model to “break down”, because it can’t tell the predictor variables apart.</a:t>
-            </a:r>
-            <a:endParaRPr lang="en-US" sz="3000" dirty="0" smtClean="0">
-              <a:latin typeface="Symbol" charset="2"/>
-              <a:cs typeface="Symbol" charset="2"/>
-            </a:endParaRPr>
-          </a:p>
-        </p:txBody>
-      </p:sp>
-      <p:grpSp>
-        <p:nvGrpSpPr>
-          <p:cNvPr id="6" name="Group 26"/>
-          <p:cNvGrpSpPr>
-            <a:grpSpLocks/>
-          </p:cNvGrpSpPr>
-          <p:nvPr/>
-        </p:nvGrpSpPr>
-        <p:grpSpPr bwMode="auto">
-          <a:xfrm>
-            <a:off x="6586537" y="1866900"/>
-            <a:ext cx="1463675" cy="1463675"/>
-            <a:chOff x="0" y="0"/>
-            <a:chExt cx="1280" cy="1280"/>
-          </a:xfrm>
-        </p:grpSpPr>
-        <p:pic>
-          <p:nvPicPr>
-            <p:cNvPr id="7" name="Picture 23"/>
-            <p:cNvPicPr>
-              <a:picLocks noChangeAspect="1" noChangeArrowheads="1"/>
-            </p:cNvPicPr>
-            <p:nvPr/>
-          </p:nvPicPr>
-          <p:blipFill>
-            <a:blip r:embed="rId3">
-              <a:extLst>
-                <a:ext uri="{28A0092B-C50C-407E-A947-70E740481C1C}">
-                  <a14:useLocalDpi xmlns:a14="http://schemas.microsoft.com/office/drawing/2010/main" val="0"/>
-                </a:ext>
-              </a:extLst>
-            </a:blip>
-            <a:srcRect/>
-            <a:stretch>
-              <a:fillRect/>
-            </a:stretch>
-          </p:blipFill>
-          <p:spPr bwMode="auto">
-            <a:xfrm>
-              <a:off x="0" y="0"/>
-              <a:ext cx="1280" cy="1280"/>
-            </a:xfrm>
-            <a:prstGeom prst="rect">
-              <a:avLst/>
-            </a:prstGeom>
-            <a:noFill/>
-            <a:ln>
-              <a:noFill/>
-            </a:ln>
-            <a:extLst>
-              <a:ext uri="{909E8E84-426E-40dd-AFC4-6F175D3DCCD1}">
-                <a14:hiddenFill xmlns:a14="http://schemas.microsoft.com/office/drawing/2010/main">
-                  <a:solidFill>
-                    <a:srgbClr val="FFFFFF"/>
-                  </a:solidFill>
-                </a14:hiddenFill>
-              </a:ext>
-              <a:ext uri="{91240B29-F687-4f45-9708-019B960494DF}">
-                <a14:hiddenLine xmlns:a14="http://schemas.microsoft.com/office/drawing/2010/main" w="12700">
-                  <a:solidFill>
-                    <a:schemeClr val="tx1"/>
-                  </a:solidFill>
-                  <a:miter lim="800000"/>
-                  <a:headEnd/>
-                  <a:tailEnd/>
-                </a14:hiddenLine>
-              </a:ext>
-            </a:extLst>
-          </p:spPr>
-        </p:pic>
-        <p:sp>
-          <p:nvSpPr>
-            <p:cNvPr id="9" name="Rectangle 24"/>
-            <p:cNvSpPr>
-              <a:spLocks/>
-            </p:cNvSpPr>
-            <p:nvPr/>
-          </p:nvSpPr>
-          <p:spPr bwMode="auto">
-            <a:xfrm>
-              <a:off x="104" y="96"/>
-              <a:ext cx="1056" cy="152"/>
-            </a:xfrm>
-            <a:prstGeom prst="rect">
-              <a:avLst/>
-            </a:prstGeom>
-            <a:noFill/>
-            <a:ln>
-              <a:noFill/>
-            </a:ln>
-            <a:extLst>
-              <a:ext uri="{909E8E84-426E-40dd-AFC4-6F175D3DCCD1}">
-                <a14:hiddenFill xmlns:a14="http://schemas.microsoft.com/office/drawing/2010/main">
-                  <a:solidFill>
-                    <a:srgbClr val="FFFFFF"/>
-                  </a:solidFill>
-                </a14:hiddenFill>
-              </a:ext>
-              <a:ext uri="{91240B29-F687-4f45-9708-019B960494DF}">
-                <a14:hiddenLine xmlns:a14="http://schemas.microsoft.com/office/drawing/2010/main" w="12700">
-                  <a:solidFill>
-                    <a:schemeClr val="tx1"/>
-                  </a:solidFill>
-                  <a:miter lim="800000"/>
-                  <a:headEnd/>
-                  <a:tailEnd/>
-                </a14:hiddenLine>
-              </a:ext>
-            </a:extLst>
-          </p:spPr>
-          <p:txBody>
-            <a:bodyPr lIns="0" tIns="0" rIns="0" bIns="0"/>
-            <a:lstStyle/>
-            <a:p>
-              <a:pPr algn="l">
-                <a:lnSpc>
-                  <a:spcPct val="75000"/>
-                </a:lnSpc>
-              </a:pPr>
-              <a:r>
-                <a:rPr lang="en-US" sz="1300" dirty="0" smtClean="0">
-                  <a:solidFill>
-                    <a:schemeClr val="tx1"/>
-                  </a:solidFill>
-                  <a:latin typeface="PFDinTextCompPro-Bold" charset="0"/>
-                  <a:ea typeface="ＭＳ Ｐゴシック" charset="0"/>
-                  <a:cs typeface="ＭＳ Ｐゴシック" charset="0"/>
-                  <a:sym typeface="PFDinTextCompPro-Bold" charset="0"/>
-                </a:rPr>
-                <a:t>NOTE</a:t>
-              </a:r>
-              <a:endParaRPr lang="en-US" sz="1300" dirty="0">
-                <a:solidFill>
-                  <a:schemeClr val="tx1"/>
-                </a:solidFill>
-                <a:latin typeface="PFDinTextCompPro-Bold" charset="0"/>
-                <a:ea typeface="ＭＳ Ｐゴシック" charset="0"/>
-                <a:cs typeface="ＭＳ Ｐゴシック" charset="0"/>
-                <a:sym typeface="PFDinTextCompPro-Bold" charset="0"/>
-              </a:endParaRPr>
-            </a:p>
-          </p:txBody>
-        </p:sp>
-        <p:sp>
-          <p:nvSpPr>
-            <p:cNvPr id="10" name="Rectangle 25"/>
-            <p:cNvSpPr>
-              <a:spLocks/>
-            </p:cNvSpPr>
-            <p:nvPr/>
-          </p:nvSpPr>
-          <p:spPr bwMode="auto">
-            <a:xfrm>
-              <a:off x="104" y="264"/>
-              <a:ext cx="1056" cy="896"/>
-            </a:xfrm>
-            <a:prstGeom prst="rect">
-              <a:avLst/>
-            </a:prstGeom>
-            <a:noFill/>
-            <a:ln>
-              <a:noFill/>
-            </a:ln>
-            <a:extLst>
-              <a:ext uri="{909E8E84-426E-40dd-AFC4-6F175D3DCCD1}">
-                <a14:hiddenFill xmlns:a14="http://schemas.microsoft.com/office/drawing/2010/main">
-                  <a:solidFill>
-                    <a:srgbClr val="FFFFFF"/>
-                  </a:solidFill>
-                </a14:hiddenFill>
-              </a:ext>
-              <a:ext uri="{91240B29-F687-4f45-9708-019B960494DF}">
-                <a14:hiddenLine xmlns:a14="http://schemas.microsoft.com/office/drawing/2010/main" w="12700">
-                  <a:solidFill>
-                    <a:schemeClr val="tx1"/>
-                  </a:solidFill>
-                  <a:miter lim="800000"/>
-                  <a:headEnd/>
-                  <a:tailEnd/>
-                </a14:hiddenLine>
-              </a:ext>
-            </a:extLst>
-          </p:spPr>
-          <p:txBody>
-            <a:bodyPr lIns="0" tIns="0" rIns="0" bIns="0"/>
-            <a:lstStyle/>
-            <a:p>
-              <a:pPr algn="l">
-                <a:lnSpc>
-                  <a:spcPts val="1150"/>
-                </a:lnSpc>
-              </a:pPr>
-              <a:endParaRPr lang="en-US" sz="900" dirty="0" smtClean="0">
-                <a:solidFill>
-                  <a:schemeClr val="tx1"/>
-                </a:solidFill>
-                <a:latin typeface="+mn-lt"/>
-                <a:ea typeface="ＭＳ Ｐゴシック" charset="0"/>
-                <a:cs typeface="PFDinTextCompPro-Italic"/>
-                <a:sym typeface="News706 BT" charset="0"/>
-              </a:endParaRPr>
-            </a:p>
-            <a:p>
-              <a:pPr algn="l">
-                <a:lnSpc>
-                  <a:spcPts val="1150"/>
-                </a:lnSpc>
-              </a:pPr>
-              <a:r>
-                <a:rPr lang="en-US" sz="900" dirty="0" smtClean="0">
-                  <a:solidFill>
-                    <a:schemeClr val="tx1"/>
-                  </a:solidFill>
-                  <a:latin typeface="+mn-lt"/>
-                  <a:ea typeface="ＭＳ Ｐゴシック" charset="0"/>
-                  <a:cs typeface="PFDinTextCompPro-Italic"/>
-                  <a:sym typeface="News706 BT" charset="0"/>
-                </a:rPr>
-                <a:t>For identical features, this </a:t>
-              </a:r>
-              <a:r>
-                <a:rPr lang="en-US" sz="900" dirty="0" smtClean="0">
-                  <a:solidFill>
-                    <a:schemeClr val="tx1"/>
-                  </a:solidFill>
-                  <a:latin typeface="+mn-lt"/>
-                  <a:ea typeface="ＭＳ Ｐゴシック" charset="0"/>
-                  <a:cs typeface="PFDinTextCompPro-Italic"/>
-                  <a:sym typeface="News706 BT" charset="0"/>
-                </a:rPr>
-                <a:t>results in a </a:t>
-              </a:r>
-              <a:r>
-                <a:rPr lang="en-US" sz="900" i="1" dirty="0" smtClean="0">
-                  <a:solidFill>
-                    <a:schemeClr val="tx1"/>
-                  </a:solidFill>
-                  <a:latin typeface="+mn-lt"/>
-                  <a:ea typeface="ＭＳ Ｐゴシック" charset="0"/>
-                  <a:cs typeface="PFDinTextCompPro-Italic"/>
-                  <a:sym typeface="News706 BT" charset="0"/>
-                </a:rPr>
-                <a:t>singularity</a:t>
-              </a:r>
-              <a:r>
-                <a:rPr lang="en-US" sz="900" dirty="0" smtClean="0">
-                  <a:solidFill>
-                    <a:schemeClr val="tx1"/>
-                  </a:solidFill>
-                  <a:latin typeface="+mn-lt"/>
-                  <a:ea typeface="ＭＳ Ｐゴシック" charset="0"/>
-                  <a:cs typeface="PFDinTextCompPro-Italic"/>
-                  <a:sym typeface="News706 BT" charset="0"/>
-                </a:rPr>
-                <a:t>. We will see an example of this in just a minute!</a:t>
-              </a:r>
-            </a:p>
-          </p:txBody>
-        </p:sp>
-      </p:grpSp>
-    </p:spTree>
-    <p:extLst>
-      <p:ext uri="{BB962C8B-B14F-4D97-AF65-F5344CB8AC3E}">
-        <p14:creationId xmlns:p14="http://schemas.microsoft.com/office/powerpoint/2010/main" val="540766141"/>
-      </p:ext>
-    </p:extLst>
-  </p:cSld>
-  <p:clrMapOvr>
-    <a:masterClrMapping/>
-  </p:clrMapOvr>
-  <p:transition xmlns:p14="http://schemas.microsoft.com/office/powerpoint/2010/main"/>
-  <p:timing>
-    <p:tnLst>
-      <p:par>
-        <p:cTn xmlns:p14="http://schemas.microsoft.com/office/powerpoint/2010/main" id="1" dur="indefinite" restart="never" nodeType="tmRoot"/>
-      </p:par>
-    </p:tnLst>
-  </p:timing>
-</p:sld>
-</file>
-
-<file path=ppt/slides/slide36.xml><?xml version="1.0" encoding="utf-8"?>
-<p:sld xmlns:a="http://schemas.openxmlformats.org/drawingml/2006/main" xmlns:r="http://schemas.openxmlformats.org/officeDocument/2006/relationships" xmlns:p="http://schemas.openxmlformats.org/presentationml/2006/main">
-  <p:cSld>
-    <p:spTree>
-      <p:nvGrpSpPr>
-        <p:cNvPr id="1" name=""/>
-        <p:cNvGrpSpPr/>
-        <p:nvPr/>
-      </p:nvGrpSpPr>
-      <p:grpSpPr>
-        <a:xfrm>
-          <a:off x="0" y="0"/>
-          <a:ext cx="0" cy="0"/>
-          <a:chOff x="0" y="0"/>
-          <a:chExt cx="0" cy="0"/>
-        </a:xfrm>
-      </p:grpSpPr>
-      <p:sp>
-        <p:nvSpPr>
-          <p:cNvPr id="4" name="Content Placeholder 3"/>
-          <p:cNvSpPr>
-            <a:spLocks noGrp="1"/>
-          </p:cNvSpPr>
-          <p:nvPr>
-            <p:ph sz="quarter" idx="11"/>
-          </p:nvPr>
-        </p:nvSpPr>
-        <p:spPr>
-          <a:xfrm>
-            <a:off x="414337" y="495300"/>
-            <a:ext cx="6400800" cy="304800"/>
-          </a:xfrm>
-        </p:spPr>
-        <p:txBody>
-          <a:bodyPr/>
-          <a:lstStyle/>
-          <a:p>
-            <a:pPr eaLnBrk="1" hangingPunct="1">
-              <a:lnSpc>
-                <a:spcPts val="2448"/>
-              </a:lnSpc>
-              <a:defRPr/>
-            </a:pPr>
-            <a:r>
-              <a:rPr lang="en-US" dirty="0" smtClean="0"/>
-              <a:t>Polynomial regression</a:t>
-            </a:r>
-            <a:endParaRPr lang="en-US" dirty="0"/>
-          </a:p>
-        </p:txBody>
-      </p:sp>
-      <p:sp>
-        <p:nvSpPr>
-          <p:cNvPr id="8" name="Slide Number Placeholder 3"/>
-          <p:cNvSpPr>
-            <a:spLocks noGrp="1"/>
-          </p:cNvSpPr>
-          <p:nvPr>
-            <p:ph type="sldNum" sz="quarter" idx="13"/>
-          </p:nvPr>
-        </p:nvSpPr>
-        <p:spPr/>
-        <p:txBody>
-          <a:bodyPr/>
-          <a:lstStyle/>
-          <a:p>
-            <a:pPr>
-              <a:defRPr/>
-            </a:pPr>
-            <a:fld id="{BD5AD749-DAD1-6A4A-A2AA-CB20EAD0AEB7}" type="slidenum">
-              <a:rPr lang="en-US"/>
-              <a:pPr>
-                <a:defRPr/>
-              </a:pPr>
-              <a:t>36</a:t>
-            </a:fld>
-            <a:endParaRPr lang="en-US"/>
-          </a:p>
-        </p:txBody>
-      </p:sp>
-      <p:sp>
-        <p:nvSpPr>
-          <p:cNvPr id="5" name="TextBox 4"/>
-          <p:cNvSpPr txBox="1"/>
-          <p:nvPr/>
-        </p:nvSpPr>
-        <p:spPr>
-          <a:xfrm>
-            <a:off x="566737" y="1104900"/>
-            <a:ext cx="8382000" cy="630942"/>
-          </a:xfrm>
-          <a:prstGeom prst="rect">
-            <a:avLst/>
-          </a:prstGeom>
-          <a:noFill/>
-        </p:spPr>
-        <p:txBody>
-          <a:bodyPr wrap="square" rtlCol="0">
-            <a:spAutoFit/>
-          </a:bodyPr>
-          <a:lstStyle/>
-          <a:p>
-            <a:pPr algn="l">
-              <a:lnSpc>
-                <a:spcPct val="120000"/>
-              </a:lnSpc>
-            </a:pPr>
-            <a:r>
-              <a:rPr lang="en-US" sz="3000" dirty="0" smtClean="0">
-                <a:latin typeface="PFDinTextCompPro-Italic"/>
-                <a:cs typeface="PFDinTextCompPro-Italic"/>
-              </a:rPr>
-              <a:t>Q:  What can we do about this?</a:t>
-            </a:r>
-            <a:endParaRPr lang="en-US" sz="3000" dirty="0">
-              <a:latin typeface="PFDinTextCompPro-Italic"/>
-              <a:cs typeface="PFDinTextCompPro-Italic"/>
-            </a:endParaRPr>
-          </a:p>
-        </p:txBody>
-      </p:sp>
-    </p:spTree>
-    <p:extLst>
-      <p:ext uri="{BB962C8B-B14F-4D97-AF65-F5344CB8AC3E}">
-        <p14:creationId xmlns:p14="http://schemas.microsoft.com/office/powerpoint/2010/main" val="704621176"/>
-      </p:ext>
-    </p:extLst>
-  </p:cSld>
-  <p:clrMapOvr>
-    <a:masterClrMapping/>
-  </p:clrMapOvr>
-  <p:transition xmlns:p14="http://schemas.microsoft.com/office/powerpoint/2010/main"/>
-  <p:timing>
-    <p:tnLst>
-      <p:par>
-        <p:cTn xmlns:p14="http://schemas.microsoft.com/office/powerpoint/2010/main" id="1" dur="indefinite" restart="never" nodeType="tmRoot"/>
-      </p:par>
-    </p:tnLst>
-  </p:timing>
-</p:sld>
-</file>
-
-<file path=ppt/slides/slide37.xml><?xml version="1.0" encoding="utf-8"?>
-<p:sld xmlns:a="http://schemas.openxmlformats.org/drawingml/2006/main" xmlns:r="http://schemas.openxmlformats.org/officeDocument/2006/relationships" xmlns:p="http://schemas.openxmlformats.org/presentationml/2006/main">
-  <p:cSld>
-    <p:spTree>
-      <p:nvGrpSpPr>
-        <p:cNvPr id="1" name=""/>
-        <p:cNvGrpSpPr/>
-        <p:nvPr/>
-      </p:nvGrpSpPr>
-      <p:grpSpPr>
-        <a:xfrm>
-          <a:off x="0" y="0"/>
-          <a:ext cx="0" cy="0"/>
-          <a:chOff x="0" y="0"/>
-          <a:chExt cx="0" cy="0"/>
-        </a:xfrm>
-      </p:grpSpPr>
-      <p:sp>
-        <p:nvSpPr>
-          <p:cNvPr id="4" name="Content Placeholder 3"/>
-          <p:cNvSpPr>
-            <a:spLocks noGrp="1"/>
-          </p:cNvSpPr>
-          <p:nvPr>
-            <p:ph sz="quarter" idx="11"/>
-          </p:nvPr>
-        </p:nvSpPr>
-        <p:spPr>
-          <a:xfrm>
-            <a:off x="414337" y="495300"/>
-            <a:ext cx="6400800" cy="304800"/>
-          </a:xfrm>
-        </p:spPr>
-        <p:txBody>
-          <a:bodyPr/>
-          <a:lstStyle/>
-          <a:p>
-            <a:pPr eaLnBrk="1" hangingPunct="1">
-              <a:lnSpc>
-                <a:spcPts val="2448"/>
-              </a:lnSpc>
-              <a:defRPr/>
-            </a:pPr>
-            <a:r>
-              <a:rPr lang="en-US" dirty="0" smtClean="0"/>
-              <a:t>Polynomial regression</a:t>
-            </a:r>
-            <a:endParaRPr lang="en-US" dirty="0"/>
-          </a:p>
-        </p:txBody>
-      </p:sp>
-      <p:sp>
-        <p:nvSpPr>
-          <p:cNvPr id="8" name="Slide Number Placeholder 3"/>
-          <p:cNvSpPr>
-            <a:spLocks noGrp="1"/>
-          </p:cNvSpPr>
-          <p:nvPr>
-            <p:ph type="sldNum" sz="quarter" idx="13"/>
-          </p:nvPr>
-        </p:nvSpPr>
-        <p:spPr/>
-        <p:txBody>
-          <a:bodyPr/>
-          <a:lstStyle/>
-          <a:p>
-            <a:pPr>
-              <a:defRPr/>
-            </a:pPr>
-            <a:fld id="{BD5AD749-DAD1-6A4A-A2AA-CB20EAD0AEB7}" type="slidenum">
-              <a:rPr lang="en-US"/>
-              <a:pPr>
-                <a:defRPr/>
-              </a:pPr>
-              <a:t>37</a:t>
-            </a:fld>
-            <a:endParaRPr lang="en-US"/>
-          </a:p>
-        </p:txBody>
-      </p:sp>
-      <p:sp>
-        <p:nvSpPr>
-          <p:cNvPr id="5" name="TextBox 4"/>
-          <p:cNvSpPr txBox="1"/>
-          <p:nvPr/>
-        </p:nvSpPr>
-        <p:spPr>
-          <a:xfrm>
-            <a:off x="566737" y="1104900"/>
-            <a:ext cx="8382000" cy="1184940"/>
-          </a:xfrm>
-          <a:prstGeom prst="rect">
-            <a:avLst/>
-          </a:prstGeom>
-          <a:noFill/>
-        </p:spPr>
-        <p:txBody>
-          <a:bodyPr wrap="square" rtlCol="0">
-            <a:spAutoFit/>
-          </a:bodyPr>
-          <a:lstStyle/>
-          <a:p>
-            <a:pPr algn="l">
-              <a:lnSpc>
-                <a:spcPct val="120000"/>
-              </a:lnSpc>
-            </a:pPr>
-            <a:r>
-              <a:rPr lang="en-US" sz="3000" dirty="0" smtClean="0">
-                <a:latin typeface="PFDinTextCompPro-Italic"/>
-                <a:cs typeface="PFDinTextCompPro-Italic"/>
-              </a:rPr>
-              <a:t>Q:  What can we do about this?</a:t>
-            </a:r>
-          </a:p>
-          <a:p>
-            <a:pPr algn="l">
-              <a:lnSpc>
-                <a:spcPct val="120000"/>
-              </a:lnSpc>
-            </a:pPr>
-            <a:r>
-              <a:rPr lang="en-US" sz="3000" dirty="0" smtClean="0">
-                <a:latin typeface="PFDinTextCompPro-Italic"/>
-                <a:cs typeface="PFDinTextCompPro-Italic"/>
-              </a:rPr>
-              <a:t>A:  Replace the correlated predictors with uncorrelated predictors.</a:t>
-            </a:r>
-            <a:endParaRPr lang="en-US" sz="3000" dirty="0">
-              <a:latin typeface="PFDinTextCompPro-Italic"/>
-              <a:cs typeface="PFDinTextCompPro-Italic"/>
-            </a:endParaRPr>
-          </a:p>
-        </p:txBody>
-      </p:sp>
-    </p:spTree>
-    <p:extLst>
-      <p:ext uri="{BB962C8B-B14F-4D97-AF65-F5344CB8AC3E}">
-        <p14:creationId xmlns:p14="http://schemas.microsoft.com/office/powerpoint/2010/main" val="292019228"/>
-      </p:ext>
-    </p:extLst>
-  </p:cSld>
-  <p:clrMapOvr>
-    <a:masterClrMapping/>
-  </p:clrMapOvr>
-  <p:transition xmlns:p14="http://schemas.microsoft.com/office/powerpoint/2010/main"/>
-  <p:timing>
-    <p:tnLst>
-      <p:par>
-        <p:cTn xmlns:p14="http://schemas.microsoft.com/office/powerpoint/2010/main" id="1" dur="indefinite" restart="never" nodeType="tmRoot"/>
-      </p:par>
-    </p:tnLst>
-  </p:timing>
-</p:sld>
-</file>
-
-<file path=ppt/slides/slide38.xml><?xml version="1.0" encoding="utf-8"?>
-<p:sld xmlns:a="http://schemas.openxmlformats.org/drawingml/2006/main" xmlns:r="http://schemas.openxmlformats.org/officeDocument/2006/relationships" xmlns:p="http://schemas.openxmlformats.org/presentationml/2006/main">
-  <p:cSld>
-    <p:spTree>
-      <p:nvGrpSpPr>
-        <p:cNvPr id="1" name=""/>
-        <p:cNvGrpSpPr/>
-        <p:nvPr/>
-      </p:nvGrpSpPr>
-      <p:grpSpPr>
-        <a:xfrm>
-          <a:off x="0" y="0"/>
-          <a:ext cx="0" cy="0"/>
-          <a:chOff x="0" y="0"/>
-          <a:chExt cx="0" cy="0"/>
-        </a:xfrm>
-      </p:grpSpPr>
-      <p:sp>
-        <p:nvSpPr>
-          <p:cNvPr id="4" name="Content Placeholder 3"/>
-          <p:cNvSpPr>
-            <a:spLocks noGrp="1"/>
-          </p:cNvSpPr>
-          <p:nvPr>
-            <p:ph sz="quarter" idx="11"/>
-          </p:nvPr>
-        </p:nvSpPr>
-        <p:spPr>
-          <a:xfrm>
-            <a:off x="414337" y="495300"/>
-            <a:ext cx="6400800" cy="304800"/>
-          </a:xfrm>
-        </p:spPr>
-        <p:txBody>
-          <a:bodyPr/>
-          <a:lstStyle/>
-          <a:p>
-            <a:pPr eaLnBrk="1" hangingPunct="1">
-              <a:lnSpc>
-                <a:spcPts val="2448"/>
-              </a:lnSpc>
-              <a:defRPr/>
-            </a:pPr>
-            <a:r>
-              <a:rPr lang="en-US" dirty="0" smtClean="0"/>
-              <a:t>Polynomial regression</a:t>
-            </a:r>
-            <a:endParaRPr lang="en-US" dirty="0"/>
-          </a:p>
-        </p:txBody>
-      </p:sp>
-      <p:sp>
-        <p:nvSpPr>
-          <p:cNvPr id="8" name="Slide Number Placeholder 3"/>
-          <p:cNvSpPr>
-            <a:spLocks noGrp="1"/>
-          </p:cNvSpPr>
-          <p:nvPr>
-            <p:ph type="sldNum" sz="quarter" idx="13"/>
-          </p:nvPr>
-        </p:nvSpPr>
-        <p:spPr/>
-        <p:txBody>
-          <a:bodyPr/>
-          <a:lstStyle/>
-          <a:p>
-            <a:pPr>
-              <a:defRPr/>
-            </a:pPr>
-            <a:fld id="{BD5AD749-DAD1-6A4A-A2AA-CB20EAD0AEB7}" type="slidenum">
-              <a:rPr lang="en-US"/>
-              <a:pPr>
-                <a:defRPr/>
-              </a:pPr>
-              <a:t>38</a:t>
-            </a:fld>
-            <a:endParaRPr lang="en-US"/>
-          </a:p>
-        </p:txBody>
-      </p:sp>
-      <p:sp>
-        <p:nvSpPr>
-          <p:cNvPr id="6" name="TextBox 5"/>
-          <p:cNvSpPr txBox="1"/>
-          <p:nvPr/>
-        </p:nvSpPr>
-        <p:spPr>
-          <a:xfrm>
-            <a:off x="566737" y="1104900"/>
-            <a:ext cx="8382000" cy="1738937"/>
-          </a:xfrm>
-          <a:prstGeom prst="rect">
-            <a:avLst/>
-          </a:prstGeom>
-          <a:noFill/>
-        </p:spPr>
-        <p:txBody>
-          <a:bodyPr wrap="square" rtlCol="0">
-            <a:spAutoFit/>
-          </a:bodyPr>
-          <a:lstStyle/>
-          <a:p>
-            <a:pPr algn="l">
-              <a:lnSpc>
-                <a:spcPct val="120000"/>
-              </a:lnSpc>
-            </a:pPr>
-            <a:r>
-              <a:rPr lang="en-US" sz="3000" dirty="0">
-                <a:latin typeface="PFDinTextCompPro-Italic"/>
-                <a:cs typeface="PFDinTextCompPro-Italic"/>
-              </a:rPr>
-              <a:t>Q:  What can we do about this?</a:t>
-            </a:r>
-          </a:p>
-          <a:p>
-            <a:pPr algn="l">
-              <a:lnSpc>
-                <a:spcPct val="120000"/>
-              </a:lnSpc>
-            </a:pPr>
-            <a:r>
-              <a:rPr lang="en-US" sz="3000" dirty="0">
-                <a:latin typeface="PFDinTextCompPro-Italic"/>
-                <a:cs typeface="PFDinTextCompPro-Italic"/>
-              </a:rPr>
-              <a:t>A:  Replace the correlated predictors with uncorrelated predictors.</a:t>
-            </a:r>
-          </a:p>
-          <a:p>
-            <a:pPr>
-              <a:lnSpc>
-                <a:spcPct val="120000"/>
-              </a:lnSpc>
-            </a:pPr>
-            <a:r>
-              <a:rPr lang="en-US" sz="2500" i="1" spc="300" dirty="0" smtClean="0">
-                <a:latin typeface="+mn-lt"/>
-                <a:cs typeface="PFDinTextCompPro-Italic"/>
-              </a:rPr>
-              <a:t>y = </a:t>
-            </a:r>
-            <a:r>
-              <a:rPr lang="en-US" sz="3000" i="1" spc="300" dirty="0" smtClean="0">
-                <a:latin typeface="Symbol" charset="2"/>
-                <a:cs typeface="Symbol" charset="2"/>
-              </a:rPr>
-              <a:t>a</a:t>
-            </a:r>
-            <a:r>
-              <a:rPr lang="en-US" sz="2500" i="1" spc="300" dirty="0" smtClean="0">
-                <a:latin typeface="+mn-lt"/>
-                <a:cs typeface="PFDinTextCompPro-Italic"/>
-              </a:rPr>
-              <a:t> + </a:t>
-            </a:r>
-            <a:r>
-              <a:rPr lang="en-US" sz="3000" i="1" spc="300" dirty="0" smtClean="0">
-                <a:latin typeface="Symbol" charset="2"/>
-                <a:cs typeface="Symbol" charset="2"/>
-              </a:rPr>
-              <a:t>β</a:t>
-            </a:r>
-            <a:r>
-              <a:rPr lang="en-US" sz="2500" i="1" spc="300" baseline="-25000" dirty="0" smtClean="0">
-                <a:latin typeface="+mn-lt"/>
-                <a:cs typeface="PFDinTextCompPro-Italic"/>
-              </a:rPr>
-              <a:t>1</a:t>
-            </a:r>
-            <a:r>
-              <a:rPr lang="en-US" sz="2500" i="1" spc="300" dirty="0" smtClean="0">
-                <a:latin typeface="+mn-lt"/>
-                <a:cs typeface="PFDinTextCompPro-Italic"/>
-              </a:rPr>
-              <a:t>f</a:t>
-            </a:r>
-            <a:r>
-              <a:rPr lang="en-US" sz="2500" i="1" spc="300" baseline="-25000" dirty="0" smtClean="0">
-                <a:latin typeface="+mn-lt"/>
-                <a:cs typeface="PFDinTextCompPro-Italic"/>
-              </a:rPr>
-              <a:t>1</a:t>
-            </a:r>
-            <a:r>
-              <a:rPr lang="en-US" sz="2500" i="1" spc="300" dirty="0" smtClean="0">
-                <a:latin typeface="+mn-lt"/>
-                <a:cs typeface="PFDinTextCompPro-Italic"/>
-              </a:rPr>
-              <a:t>(x) +</a:t>
-            </a:r>
-            <a:r>
-              <a:rPr lang="en-US" sz="2500" i="1" spc="300" dirty="0" smtClean="0">
-                <a:cs typeface="PFDinTextCompPro-Italic"/>
-              </a:rPr>
-              <a:t> </a:t>
-            </a:r>
-            <a:r>
-              <a:rPr lang="en-US" sz="3000" i="1" spc="300" dirty="0" smtClean="0">
-                <a:latin typeface="Symbol" charset="2"/>
-                <a:cs typeface="Symbol" charset="2"/>
-              </a:rPr>
-              <a:t>β</a:t>
-            </a:r>
-            <a:r>
-              <a:rPr lang="en-US" sz="2500" i="1" spc="300" baseline="-25000" dirty="0" smtClean="0">
-                <a:latin typeface="+mn-lt"/>
-                <a:cs typeface="PFDinTextCompPro-Italic"/>
-              </a:rPr>
-              <a:t>2</a:t>
-            </a:r>
-            <a:r>
-              <a:rPr lang="en-US" sz="2500" i="1" spc="300" dirty="0" smtClean="0">
-                <a:latin typeface="+mn-lt"/>
-                <a:cs typeface="PFDinTextCompPro-Italic"/>
-              </a:rPr>
-              <a:t>f</a:t>
-            </a:r>
-            <a:r>
-              <a:rPr lang="en-US" sz="2500" i="1" spc="300" baseline="-25000" dirty="0" smtClean="0">
-                <a:latin typeface="+mn-lt"/>
-                <a:cs typeface="PFDinTextCompPro-Italic"/>
-              </a:rPr>
-              <a:t>2</a:t>
-            </a:r>
-            <a:r>
-              <a:rPr lang="en-US" sz="2500" i="1" spc="300" dirty="0" smtClean="0">
-                <a:latin typeface="+mn-lt"/>
-                <a:cs typeface="PFDinTextCompPro-Italic"/>
-              </a:rPr>
-              <a:t>(x</a:t>
-            </a:r>
-            <a:r>
-              <a:rPr lang="en-US" sz="2500" i="1" spc="300" baseline="30000" dirty="0" smtClean="0">
-                <a:latin typeface="+mn-lt"/>
-                <a:cs typeface="PFDinTextCompPro-Italic"/>
-              </a:rPr>
-              <a:t>2</a:t>
-            </a:r>
-            <a:r>
-              <a:rPr lang="en-US" sz="2500" i="1" spc="300" dirty="0" smtClean="0">
-                <a:latin typeface="+mn-lt"/>
-                <a:cs typeface="PFDinTextCompPro-Italic"/>
-              </a:rPr>
-              <a:t>)</a:t>
-            </a:r>
-            <a:r>
-              <a:rPr lang="en-US" sz="2500" i="1" spc="300" dirty="0" smtClean="0">
-                <a:cs typeface="PFDinTextCompPro-Italic"/>
-              </a:rPr>
-              <a:t> </a:t>
-            </a:r>
-            <a:r>
-              <a:rPr lang="en-US" sz="2500" i="1" spc="300" dirty="0" smtClean="0">
-                <a:latin typeface="+mn-lt"/>
-                <a:cs typeface="PFDinTextCompPro-Italic"/>
-              </a:rPr>
-              <a:t>+ … + </a:t>
-            </a:r>
-            <a:r>
-              <a:rPr lang="en-US" sz="3000" i="1" spc="300" dirty="0" err="1" smtClean="0">
-                <a:latin typeface="Symbol" charset="2"/>
-                <a:cs typeface="Symbol" charset="2"/>
-              </a:rPr>
-              <a:t>b</a:t>
-            </a:r>
-            <a:r>
-              <a:rPr lang="en-US" sz="2500" i="1" spc="300" baseline="-25000" dirty="0" err="1" smtClean="0">
-                <a:latin typeface="+mn-lt"/>
-                <a:cs typeface="PFDinTextCompPro-Italic"/>
-              </a:rPr>
-              <a:t>n</a:t>
-            </a:r>
-            <a:r>
-              <a:rPr lang="en-US" sz="2500" i="1" spc="300" dirty="0" err="1" smtClean="0">
-                <a:latin typeface="+mn-lt"/>
-                <a:cs typeface="PFDinTextCompPro-Italic"/>
-              </a:rPr>
-              <a:t>f</a:t>
-            </a:r>
-            <a:r>
-              <a:rPr lang="en-US" sz="2500" i="1" spc="300" baseline="-25000" dirty="0" err="1" smtClean="0">
-                <a:latin typeface="+mn-lt"/>
-                <a:cs typeface="PFDinTextCompPro-Italic"/>
-              </a:rPr>
-              <a:t>n</a:t>
-            </a:r>
-            <a:r>
-              <a:rPr lang="en-US" sz="2500" i="1" spc="300" dirty="0" smtClean="0">
-                <a:latin typeface="+mn-lt"/>
-                <a:cs typeface="PFDinTextCompPro-Italic"/>
-              </a:rPr>
-              <a:t>(x</a:t>
-            </a:r>
-            <a:r>
-              <a:rPr lang="en-US" sz="2500" i="1" spc="300" baseline="30000" dirty="0" smtClean="0">
-                <a:latin typeface="+mn-lt"/>
-                <a:cs typeface="PFDinTextCompPro-Italic"/>
-              </a:rPr>
-              <a:t>n</a:t>
-            </a:r>
-            <a:r>
-              <a:rPr lang="en-US" sz="2500" i="1" spc="300" dirty="0" smtClean="0">
-                <a:latin typeface="+mn-lt"/>
-                <a:cs typeface="PFDinTextCompPro-Italic"/>
-              </a:rPr>
-              <a:t>) + </a:t>
-            </a:r>
-            <a:r>
-              <a:rPr lang="en-US" sz="3000" i="1" spc="300" dirty="0" smtClean="0">
-                <a:latin typeface="Symbol" charset="2"/>
-                <a:cs typeface="Symbol" charset="2"/>
-              </a:rPr>
-              <a:t>e</a:t>
-            </a:r>
-          </a:p>
-        </p:txBody>
-      </p:sp>
-    </p:spTree>
-    <p:extLst>
-      <p:ext uri="{BB962C8B-B14F-4D97-AF65-F5344CB8AC3E}">
-        <p14:creationId xmlns:p14="http://schemas.microsoft.com/office/powerpoint/2010/main" val="956542429"/>
-      </p:ext>
-    </p:extLst>
-  </p:cSld>
-  <p:clrMapOvr>
-    <a:masterClrMapping/>
-  </p:clrMapOvr>
-  <p:transition xmlns:p14="http://schemas.microsoft.com/office/powerpoint/2010/main"/>
-  <p:timing>
-    <p:tnLst>
-      <p:par>
-        <p:cTn xmlns:p14="http://schemas.microsoft.com/office/powerpoint/2010/main" id="1" dur="indefinite" restart="never" nodeType="tmRoot"/>
-      </p:par>
-    </p:tnLst>
-  </p:timing>
-</p:sld>
-</file>
-
-<file path=ppt/slides/slide39.xml><?xml version="1.0" encoding="utf-8"?>
-<p:sld xmlns:a="http://schemas.openxmlformats.org/drawingml/2006/main" xmlns:r="http://schemas.openxmlformats.org/officeDocument/2006/relationships" xmlns:p="http://schemas.openxmlformats.org/presentationml/2006/main">
-  <p:cSld>
-    <p:spTree>
-      <p:nvGrpSpPr>
-        <p:cNvPr id="1" name=""/>
-        <p:cNvGrpSpPr/>
-        <p:nvPr/>
-      </p:nvGrpSpPr>
-      <p:grpSpPr>
-        <a:xfrm>
-          <a:off x="0" y="0"/>
-          <a:ext cx="0" cy="0"/>
-          <a:chOff x="0" y="0"/>
-          <a:chExt cx="0" cy="0"/>
-        </a:xfrm>
-      </p:grpSpPr>
-      <p:sp>
-        <p:nvSpPr>
-          <p:cNvPr id="4" name="Content Placeholder 3"/>
-          <p:cNvSpPr>
-            <a:spLocks noGrp="1"/>
-          </p:cNvSpPr>
-          <p:nvPr>
-            <p:ph sz="quarter" idx="11"/>
-          </p:nvPr>
-        </p:nvSpPr>
-        <p:spPr>
-          <a:xfrm>
-            <a:off x="414337" y="495300"/>
-            <a:ext cx="6400800" cy="304800"/>
-          </a:xfrm>
-        </p:spPr>
-        <p:txBody>
-          <a:bodyPr/>
-          <a:lstStyle/>
-          <a:p>
-            <a:pPr eaLnBrk="1" hangingPunct="1">
-              <a:lnSpc>
-                <a:spcPts val="2448"/>
-              </a:lnSpc>
-              <a:defRPr/>
-            </a:pPr>
-            <a:r>
-              <a:rPr lang="en-US" dirty="0" smtClean="0"/>
-              <a:t>Polynomial regression</a:t>
-            </a:r>
-            <a:endParaRPr lang="en-US" dirty="0"/>
-          </a:p>
-        </p:txBody>
-      </p:sp>
-      <p:sp>
-        <p:nvSpPr>
-          <p:cNvPr id="8" name="Slide Number Placeholder 3"/>
-          <p:cNvSpPr>
-            <a:spLocks noGrp="1"/>
-          </p:cNvSpPr>
-          <p:nvPr>
-            <p:ph type="sldNum" sz="quarter" idx="13"/>
-          </p:nvPr>
-        </p:nvSpPr>
-        <p:spPr/>
-        <p:txBody>
-          <a:bodyPr/>
-          <a:lstStyle/>
-          <a:p>
-            <a:pPr>
-              <a:defRPr/>
-            </a:pPr>
-            <a:fld id="{BD5AD749-DAD1-6A4A-A2AA-CB20EAD0AEB7}" type="slidenum">
-              <a:rPr lang="en-US"/>
-              <a:pPr>
-                <a:defRPr/>
-              </a:pPr>
-              <a:t>39</a:t>
-            </a:fld>
-            <a:endParaRPr lang="en-US"/>
-          </a:p>
-        </p:txBody>
-      </p:sp>
-      <p:sp>
-        <p:nvSpPr>
-          <p:cNvPr id="6" name="TextBox 5"/>
-          <p:cNvSpPr txBox="1"/>
-          <p:nvPr/>
-        </p:nvSpPr>
-        <p:spPr>
-          <a:xfrm>
-            <a:off x="566737" y="1104900"/>
-            <a:ext cx="8382000" cy="1738937"/>
-          </a:xfrm>
-          <a:prstGeom prst="rect">
-            <a:avLst/>
-          </a:prstGeom>
-          <a:noFill/>
-        </p:spPr>
-        <p:txBody>
-          <a:bodyPr wrap="square" rtlCol="0">
-            <a:spAutoFit/>
-          </a:bodyPr>
-          <a:lstStyle/>
-          <a:p>
-            <a:pPr algn="l">
-              <a:lnSpc>
-                <a:spcPct val="120000"/>
-              </a:lnSpc>
-            </a:pPr>
-            <a:r>
-              <a:rPr lang="en-US" sz="3000" dirty="0">
-                <a:latin typeface="PFDinTextCompPro-Italic"/>
-                <a:cs typeface="PFDinTextCompPro-Italic"/>
-              </a:rPr>
-              <a:t>Q:  What can we do about this?</a:t>
-            </a:r>
-          </a:p>
-          <a:p>
-            <a:pPr algn="l">
-              <a:lnSpc>
-                <a:spcPct val="120000"/>
-              </a:lnSpc>
-            </a:pPr>
-            <a:r>
-              <a:rPr lang="en-US" sz="3000" dirty="0">
-                <a:latin typeface="PFDinTextCompPro-Italic"/>
-                <a:cs typeface="PFDinTextCompPro-Italic"/>
-              </a:rPr>
-              <a:t>A:  Replace the correlated predictors with uncorrelated predictors.</a:t>
-            </a:r>
-          </a:p>
-          <a:p>
-            <a:pPr>
-              <a:lnSpc>
-                <a:spcPct val="120000"/>
-              </a:lnSpc>
-            </a:pPr>
-            <a:r>
-              <a:rPr lang="en-US" sz="2500" i="1" spc="300" dirty="0" smtClean="0">
-                <a:latin typeface="+mn-lt"/>
-                <a:cs typeface="PFDinTextCompPro-Italic"/>
-              </a:rPr>
-              <a:t>y = </a:t>
-            </a:r>
-            <a:r>
-              <a:rPr lang="en-US" sz="3000" i="1" spc="300" dirty="0" smtClean="0">
-                <a:latin typeface="Symbol" charset="2"/>
-                <a:cs typeface="Symbol" charset="2"/>
-              </a:rPr>
-              <a:t>a</a:t>
-            </a:r>
-            <a:r>
-              <a:rPr lang="en-US" sz="2500" i="1" spc="300" dirty="0" smtClean="0">
-                <a:latin typeface="+mn-lt"/>
-                <a:cs typeface="PFDinTextCompPro-Italic"/>
-              </a:rPr>
-              <a:t> + </a:t>
-            </a:r>
-            <a:r>
-              <a:rPr lang="en-US" sz="3000" i="1" spc="300" dirty="0" smtClean="0">
-                <a:latin typeface="Symbol" charset="2"/>
-                <a:cs typeface="Symbol" charset="2"/>
-              </a:rPr>
-              <a:t>β</a:t>
-            </a:r>
-            <a:r>
-              <a:rPr lang="en-US" sz="2500" i="1" spc="300" baseline="-25000" dirty="0" smtClean="0">
-                <a:latin typeface="+mn-lt"/>
-                <a:cs typeface="PFDinTextCompPro-Italic"/>
-              </a:rPr>
-              <a:t>1</a:t>
-            </a:r>
-            <a:r>
-              <a:rPr lang="en-US" sz="2500" i="1" spc="300" dirty="0" smtClean="0">
-                <a:latin typeface="+mn-lt"/>
-                <a:cs typeface="PFDinTextCompPro-Italic"/>
-              </a:rPr>
-              <a:t>f</a:t>
-            </a:r>
-            <a:r>
-              <a:rPr lang="en-US" sz="2500" i="1" spc="300" baseline="-25000" dirty="0" smtClean="0">
-                <a:latin typeface="+mn-lt"/>
-                <a:cs typeface="PFDinTextCompPro-Italic"/>
-              </a:rPr>
-              <a:t>1</a:t>
-            </a:r>
-            <a:r>
-              <a:rPr lang="en-US" sz="2500" i="1" spc="300" dirty="0" smtClean="0">
-                <a:latin typeface="+mn-lt"/>
-                <a:cs typeface="PFDinTextCompPro-Italic"/>
-              </a:rPr>
-              <a:t>(x) +</a:t>
-            </a:r>
-            <a:r>
-              <a:rPr lang="en-US" sz="2500" i="1" spc="300" dirty="0" smtClean="0">
-                <a:cs typeface="PFDinTextCompPro-Italic"/>
-              </a:rPr>
-              <a:t> </a:t>
-            </a:r>
-            <a:r>
-              <a:rPr lang="en-US" sz="3000" i="1" spc="300" dirty="0" smtClean="0">
-                <a:latin typeface="Symbol" charset="2"/>
-                <a:cs typeface="Symbol" charset="2"/>
-              </a:rPr>
-              <a:t>β</a:t>
-            </a:r>
-            <a:r>
-              <a:rPr lang="en-US" sz="2500" i="1" spc="300" baseline="-25000" dirty="0" smtClean="0">
-                <a:latin typeface="+mn-lt"/>
-                <a:cs typeface="PFDinTextCompPro-Italic"/>
-              </a:rPr>
-              <a:t>2</a:t>
-            </a:r>
-            <a:r>
-              <a:rPr lang="en-US" sz="2500" i="1" spc="300" dirty="0" smtClean="0">
-                <a:latin typeface="+mn-lt"/>
-                <a:cs typeface="PFDinTextCompPro-Italic"/>
-              </a:rPr>
-              <a:t>f</a:t>
-            </a:r>
-            <a:r>
-              <a:rPr lang="en-US" sz="2500" i="1" spc="300" baseline="-25000" dirty="0" smtClean="0">
-                <a:latin typeface="+mn-lt"/>
-                <a:cs typeface="PFDinTextCompPro-Italic"/>
-              </a:rPr>
-              <a:t>2</a:t>
-            </a:r>
-            <a:r>
-              <a:rPr lang="en-US" sz="2500" i="1" spc="300" dirty="0" smtClean="0">
-                <a:latin typeface="+mn-lt"/>
-                <a:cs typeface="PFDinTextCompPro-Italic"/>
-              </a:rPr>
-              <a:t>(x</a:t>
-            </a:r>
-            <a:r>
-              <a:rPr lang="en-US" sz="2500" i="1" spc="300" baseline="30000" dirty="0" smtClean="0">
-                <a:latin typeface="+mn-lt"/>
-                <a:cs typeface="PFDinTextCompPro-Italic"/>
-              </a:rPr>
-              <a:t>2</a:t>
-            </a:r>
-            <a:r>
-              <a:rPr lang="en-US" sz="2500" i="1" spc="300" dirty="0" smtClean="0">
-                <a:latin typeface="+mn-lt"/>
-                <a:cs typeface="PFDinTextCompPro-Italic"/>
-              </a:rPr>
-              <a:t>)</a:t>
-            </a:r>
-            <a:r>
-              <a:rPr lang="en-US" sz="2500" i="1" spc="300" dirty="0" smtClean="0">
-                <a:cs typeface="PFDinTextCompPro-Italic"/>
-              </a:rPr>
-              <a:t> </a:t>
-            </a:r>
-            <a:r>
-              <a:rPr lang="en-US" sz="2500" i="1" spc="300" dirty="0" smtClean="0">
-                <a:latin typeface="+mn-lt"/>
-                <a:cs typeface="PFDinTextCompPro-Italic"/>
-              </a:rPr>
-              <a:t>+ … + </a:t>
-            </a:r>
-            <a:r>
-              <a:rPr lang="en-US" sz="3000" i="1" spc="300" dirty="0" err="1" smtClean="0">
-                <a:latin typeface="Symbol" charset="2"/>
-                <a:cs typeface="Symbol" charset="2"/>
-              </a:rPr>
-              <a:t>b</a:t>
-            </a:r>
-            <a:r>
-              <a:rPr lang="en-US" sz="2500" i="1" spc="300" baseline="-25000" dirty="0" err="1" smtClean="0">
-                <a:latin typeface="+mn-lt"/>
-                <a:cs typeface="PFDinTextCompPro-Italic"/>
-              </a:rPr>
-              <a:t>n</a:t>
-            </a:r>
-            <a:r>
-              <a:rPr lang="en-US" sz="2500" i="1" spc="300" dirty="0" err="1" smtClean="0">
-                <a:latin typeface="+mn-lt"/>
-                <a:cs typeface="PFDinTextCompPro-Italic"/>
-              </a:rPr>
-              <a:t>f</a:t>
-            </a:r>
-            <a:r>
-              <a:rPr lang="en-US" sz="2500" i="1" spc="300" baseline="-25000" dirty="0" err="1" smtClean="0">
-                <a:latin typeface="+mn-lt"/>
-                <a:cs typeface="PFDinTextCompPro-Italic"/>
-              </a:rPr>
-              <a:t>n</a:t>
-            </a:r>
-            <a:r>
-              <a:rPr lang="en-US" sz="2500" i="1" spc="300" dirty="0" smtClean="0">
-                <a:latin typeface="+mn-lt"/>
-                <a:cs typeface="PFDinTextCompPro-Italic"/>
-              </a:rPr>
-              <a:t>(x</a:t>
-            </a:r>
-            <a:r>
-              <a:rPr lang="en-US" sz="2500" i="1" spc="300" baseline="30000" dirty="0" smtClean="0">
-                <a:latin typeface="+mn-lt"/>
-                <a:cs typeface="PFDinTextCompPro-Italic"/>
-              </a:rPr>
-              <a:t>n</a:t>
-            </a:r>
-            <a:r>
-              <a:rPr lang="en-US" sz="2500" i="1" spc="300" dirty="0" smtClean="0">
-                <a:latin typeface="+mn-lt"/>
-                <a:cs typeface="PFDinTextCompPro-Italic"/>
-              </a:rPr>
-              <a:t>) + </a:t>
-            </a:r>
-            <a:r>
-              <a:rPr lang="en-US" sz="3000" i="1" spc="300" dirty="0" smtClean="0">
-                <a:latin typeface="Symbol" charset="2"/>
-                <a:cs typeface="Symbol" charset="2"/>
-              </a:rPr>
-              <a:t>e</a:t>
-            </a:r>
-          </a:p>
-        </p:txBody>
-      </p:sp>
-      <p:grpSp>
-        <p:nvGrpSpPr>
-          <p:cNvPr id="11" name="Group 26"/>
-          <p:cNvGrpSpPr>
-            <a:grpSpLocks/>
-          </p:cNvGrpSpPr>
-          <p:nvPr/>
-        </p:nvGrpSpPr>
-        <p:grpSpPr bwMode="auto">
-          <a:xfrm>
-            <a:off x="7348537" y="3238500"/>
-            <a:ext cx="1463675" cy="1463675"/>
-            <a:chOff x="0" y="0"/>
-            <a:chExt cx="1280" cy="1280"/>
-          </a:xfrm>
-        </p:grpSpPr>
-        <p:pic>
-          <p:nvPicPr>
-            <p:cNvPr id="12" name="Picture 23"/>
-            <p:cNvPicPr>
-              <a:picLocks noChangeAspect="1" noChangeArrowheads="1"/>
-            </p:cNvPicPr>
-            <p:nvPr/>
-          </p:nvPicPr>
-          <p:blipFill>
-            <a:blip r:embed="rId3">
-              <a:extLst>
-                <a:ext uri="{28A0092B-C50C-407E-A947-70E740481C1C}">
-                  <a14:useLocalDpi xmlns:a14="http://schemas.microsoft.com/office/drawing/2010/main" val="0"/>
-                </a:ext>
-              </a:extLst>
-            </a:blip>
-            <a:srcRect/>
-            <a:stretch>
-              <a:fillRect/>
-            </a:stretch>
-          </p:blipFill>
-          <p:spPr bwMode="auto">
-            <a:xfrm>
-              <a:off x="0" y="0"/>
-              <a:ext cx="1280" cy="1280"/>
-            </a:xfrm>
-            <a:prstGeom prst="rect">
-              <a:avLst/>
-            </a:prstGeom>
-            <a:noFill/>
-            <a:ln>
-              <a:noFill/>
-            </a:ln>
-            <a:extLst>
-              <a:ext uri="{909E8E84-426E-40dd-AFC4-6F175D3DCCD1}">
-                <a14:hiddenFill xmlns:a14="http://schemas.microsoft.com/office/drawing/2010/main">
-                  <a:solidFill>
-                    <a:srgbClr val="FFFFFF"/>
-                  </a:solidFill>
-                </a14:hiddenFill>
-              </a:ext>
-              <a:ext uri="{91240B29-F687-4f45-9708-019B960494DF}">
-                <a14:hiddenLine xmlns:a14="http://schemas.microsoft.com/office/drawing/2010/main" w="12700">
-                  <a:solidFill>
-                    <a:schemeClr val="tx1"/>
-                  </a:solidFill>
-                  <a:miter lim="800000"/>
-                  <a:headEnd/>
-                  <a:tailEnd/>
-                </a14:hiddenLine>
-              </a:ext>
-            </a:extLst>
-          </p:spPr>
-        </p:pic>
-        <p:sp>
-          <p:nvSpPr>
-            <p:cNvPr id="13" name="Rectangle 24"/>
-            <p:cNvSpPr>
-              <a:spLocks/>
-            </p:cNvSpPr>
-            <p:nvPr/>
-          </p:nvSpPr>
-          <p:spPr bwMode="auto">
-            <a:xfrm>
-              <a:off x="104" y="96"/>
-              <a:ext cx="1056" cy="152"/>
-            </a:xfrm>
-            <a:prstGeom prst="rect">
-              <a:avLst/>
-            </a:prstGeom>
-            <a:noFill/>
-            <a:ln>
-              <a:noFill/>
-            </a:ln>
-            <a:extLst>
-              <a:ext uri="{909E8E84-426E-40dd-AFC4-6F175D3DCCD1}">
-                <a14:hiddenFill xmlns:a14="http://schemas.microsoft.com/office/drawing/2010/main">
-                  <a:solidFill>
-                    <a:srgbClr val="FFFFFF"/>
-                  </a:solidFill>
-                </a14:hiddenFill>
-              </a:ext>
-              <a:ext uri="{91240B29-F687-4f45-9708-019B960494DF}">
-                <a14:hiddenLine xmlns:a14="http://schemas.microsoft.com/office/drawing/2010/main" w="12700">
-                  <a:solidFill>
-                    <a:schemeClr val="tx1"/>
-                  </a:solidFill>
-                  <a:miter lim="800000"/>
-                  <a:headEnd/>
-                  <a:tailEnd/>
-                </a14:hiddenLine>
-              </a:ext>
-            </a:extLst>
-          </p:spPr>
-          <p:txBody>
-            <a:bodyPr lIns="0" tIns="0" rIns="0" bIns="0"/>
-            <a:lstStyle/>
-            <a:p>
-              <a:pPr algn="l">
-                <a:lnSpc>
-                  <a:spcPct val="75000"/>
-                </a:lnSpc>
-              </a:pPr>
-              <a:r>
-                <a:rPr lang="en-US" sz="1300" dirty="0" smtClean="0">
-                  <a:solidFill>
-                    <a:schemeClr val="tx1"/>
-                  </a:solidFill>
-                  <a:latin typeface="PFDinTextCompPro-Bold" charset="0"/>
-                  <a:ea typeface="ＭＳ Ｐゴシック" charset="0"/>
-                  <a:cs typeface="ＭＳ Ｐゴシック" charset="0"/>
-                  <a:sym typeface="PFDinTextCompPro-Bold" charset="0"/>
-                </a:rPr>
-                <a:t>OPTIONAL NOTE</a:t>
-              </a:r>
-              <a:endParaRPr lang="en-US" sz="1300" dirty="0">
-                <a:solidFill>
-                  <a:schemeClr val="tx1"/>
-                </a:solidFill>
-                <a:latin typeface="PFDinTextCompPro-Bold" charset="0"/>
-                <a:ea typeface="ＭＳ Ｐゴシック" charset="0"/>
-                <a:cs typeface="ＭＳ Ｐゴシック" charset="0"/>
-                <a:sym typeface="PFDinTextCompPro-Bold" charset="0"/>
-              </a:endParaRPr>
-            </a:p>
-          </p:txBody>
-        </p:sp>
-        <p:sp>
-          <p:nvSpPr>
-            <p:cNvPr id="14" name="Rectangle 25"/>
-            <p:cNvSpPr>
-              <a:spLocks/>
-            </p:cNvSpPr>
-            <p:nvPr/>
-          </p:nvSpPr>
-          <p:spPr bwMode="auto">
-            <a:xfrm>
-              <a:off x="104" y="264"/>
-              <a:ext cx="1056" cy="896"/>
-            </a:xfrm>
-            <a:prstGeom prst="rect">
-              <a:avLst/>
-            </a:prstGeom>
-            <a:noFill/>
-            <a:ln>
-              <a:noFill/>
-            </a:ln>
-            <a:extLst>
-              <a:ext uri="{909E8E84-426E-40dd-AFC4-6F175D3DCCD1}">
-                <a14:hiddenFill xmlns:a14="http://schemas.microsoft.com/office/drawing/2010/main">
-                  <a:solidFill>
-                    <a:srgbClr val="FFFFFF"/>
-                  </a:solidFill>
-                </a14:hiddenFill>
-              </a:ext>
-              <a:ext uri="{91240B29-F687-4f45-9708-019B960494DF}">
-                <a14:hiddenLine xmlns:a14="http://schemas.microsoft.com/office/drawing/2010/main" w="12700">
-                  <a:solidFill>
-                    <a:schemeClr val="tx1"/>
-                  </a:solidFill>
-                  <a:miter lim="800000"/>
-                  <a:headEnd/>
-                  <a:tailEnd/>
-                </a14:hiddenLine>
-              </a:ext>
-            </a:extLst>
-          </p:spPr>
-          <p:txBody>
-            <a:bodyPr lIns="0" tIns="0" rIns="0" bIns="0"/>
-            <a:lstStyle/>
-            <a:p>
-              <a:pPr algn="l">
-                <a:lnSpc>
-                  <a:spcPts val="1150"/>
-                </a:lnSpc>
-              </a:pPr>
-              <a:endParaRPr lang="en-US" sz="900" dirty="0" smtClean="0">
-                <a:solidFill>
-                  <a:schemeClr val="tx1"/>
-                </a:solidFill>
-                <a:latin typeface="+mn-lt"/>
-                <a:ea typeface="ＭＳ Ｐゴシック" charset="0"/>
-                <a:cs typeface="PFDinTextCompPro-Italic"/>
-                <a:sym typeface="News706 BT" charset="0"/>
-              </a:endParaRPr>
-            </a:p>
-            <a:p>
-              <a:pPr algn="l">
-                <a:lnSpc>
-                  <a:spcPts val="1150"/>
-                </a:lnSpc>
-              </a:pPr>
-              <a:r>
-                <a:rPr lang="en-US" sz="900" dirty="0" smtClean="0">
-                  <a:solidFill>
-                    <a:schemeClr val="tx1"/>
-                  </a:solidFill>
-                  <a:latin typeface="+mn-lt"/>
-                  <a:ea typeface="ＭＳ Ｐゴシック" charset="0"/>
-                  <a:cs typeface="PFDinTextCompPro-Italic"/>
-                  <a:sym typeface="News706 BT" charset="0"/>
-                </a:rPr>
-                <a:t>These polynomial functions form an </a:t>
-              </a:r>
-              <a:r>
-                <a:rPr lang="en-US" sz="900" i="1" dirty="0" smtClean="0">
-                  <a:solidFill>
-                    <a:schemeClr val="tx1"/>
-                  </a:solidFill>
-                  <a:latin typeface="+mn-lt"/>
-                  <a:ea typeface="ＭＳ Ｐゴシック" charset="0"/>
-                  <a:cs typeface="PFDinTextCompPro-Italic"/>
-                  <a:sym typeface="News706 BT" charset="0"/>
-                </a:rPr>
-                <a:t>orthogonal basis </a:t>
-              </a:r>
-              <a:r>
-                <a:rPr lang="en-US" sz="900" dirty="0" smtClean="0">
-                  <a:solidFill>
-                    <a:schemeClr val="tx1"/>
-                  </a:solidFill>
-                  <a:latin typeface="+mn-lt"/>
-                  <a:ea typeface="ＭＳ Ｐゴシック" charset="0"/>
-                  <a:cs typeface="PFDinTextCompPro-Italic"/>
-                  <a:sym typeface="News706 BT" charset="0"/>
-                </a:rPr>
-                <a:t>of the function space.</a:t>
-              </a:r>
-            </a:p>
-          </p:txBody>
-        </p:sp>
-      </p:grpSp>
-    </p:spTree>
-    <p:extLst>
-      <p:ext uri="{BB962C8B-B14F-4D97-AF65-F5344CB8AC3E}">
-        <p14:creationId xmlns:p14="http://schemas.microsoft.com/office/powerpoint/2010/main" val="420558682"/>
+        <p14:creationId xmlns:p14="http://schemas.microsoft.com/office/powerpoint/2010/main" val="1427883577"/>
       </p:ext>
     </p:extLst>
   </p:cSld>
@@ -21340,2112 +16879,6 @@
     <p:extLst>
       <p:ext uri="{BB962C8B-B14F-4D97-AF65-F5344CB8AC3E}">
         <p14:creationId xmlns:p14="http://schemas.microsoft.com/office/powerpoint/2010/main" val="2610898858"/>
-      </p:ext>
-    </p:extLst>
-  </p:cSld>
-  <p:clrMapOvr>
-    <a:masterClrMapping/>
-  </p:clrMapOvr>
-  <p:transition xmlns:p14="http://schemas.microsoft.com/office/powerpoint/2010/main"/>
-  <p:timing>
-    <p:tnLst>
-      <p:par>
-        <p:cTn xmlns:p14="http://schemas.microsoft.com/office/powerpoint/2010/main" id="1" dur="indefinite" restart="never" nodeType="tmRoot"/>
-      </p:par>
-    </p:tnLst>
-  </p:timing>
-</p:sld>
-</file>
-
-<file path=ppt/slides/slide40.xml><?xml version="1.0" encoding="utf-8"?>
-<p:sld xmlns:a="http://schemas.openxmlformats.org/drawingml/2006/main" xmlns:r="http://schemas.openxmlformats.org/officeDocument/2006/relationships" xmlns:p="http://schemas.openxmlformats.org/presentationml/2006/main">
-  <p:cSld>
-    <p:spTree>
-      <p:nvGrpSpPr>
-        <p:cNvPr id="1" name=""/>
-        <p:cNvGrpSpPr/>
-        <p:nvPr/>
-      </p:nvGrpSpPr>
-      <p:grpSpPr>
-        <a:xfrm>
-          <a:off x="0" y="0"/>
-          <a:ext cx="0" cy="0"/>
-          <a:chOff x="0" y="0"/>
-          <a:chExt cx="0" cy="0"/>
-        </a:xfrm>
-      </p:grpSpPr>
-      <p:sp>
-        <p:nvSpPr>
-          <p:cNvPr id="4" name="Content Placeholder 3"/>
-          <p:cNvSpPr>
-            <a:spLocks noGrp="1"/>
-          </p:cNvSpPr>
-          <p:nvPr>
-            <p:ph sz="quarter" idx="11"/>
-          </p:nvPr>
-        </p:nvSpPr>
-        <p:spPr>
-          <a:xfrm>
-            <a:off x="414337" y="495300"/>
-            <a:ext cx="6400800" cy="304800"/>
-          </a:xfrm>
-        </p:spPr>
-        <p:txBody>
-          <a:bodyPr/>
-          <a:lstStyle/>
-          <a:p>
-            <a:pPr eaLnBrk="1" hangingPunct="1">
-              <a:lnSpc>
-                <a:spcPts val="2448"/>
-              </a:lnSpc>
-              <a:defRPr/>
-            </a:pPr>
-            <a:r>
-              <a:rPr lang="en-US" dirty="0"/>
-              <a:t>Intro to regression</a:t>
-            </a:r>
-          </a:p>
-        </p:txBody>
-      </p:sp>
-      <p:sp>
-        <p:nvSpPr>
-          <p:cNvPr id="8" name="Slide Number Placeholder 3"/>
-          <p:cNvSpPr>
-            <a:spLocks noGrp="1"/>
-          </p:cNvSpPr>
-          <p:nvPr>
-            <p:ph type="sldNum" sz="quarter" idx="13"/>
-          </p:nvPr>
-        </p:nvSpPr>
-        <p:spPr/>
-        <p:txBody>
-          <a:bodyPr/>
-          <a:lstStyle/>
-          <a:p>
-            <a:pPr>
-              <a:defRPr/>
-            </a:pPr>
-            <a:fld id="{BD5AD749-DAD1-6A4A-A2AA-CB20EAD0AEB7}" type="slidenum">
-              <a:rPr lang="en-US"/>
-              <a:pPr>
-                <a:defRPr/>
-              </a:pPr>
-              <a:t>40</a:t>
-            </a:fld>
-            <a:endParaRPr lang="en-US"/>
-          </a:p>
-        </p:txBody>
-      </p:sp>
-      <p:sp>
-        <p:nvSpPr>
-          <p:cNvPr id="9" name="TextBox 8"/>
-          <p:cNvSpPr txBox="1"/>
-          <p:nvPr/>
-        </p:nvSpPr>
-        <p:spPr>
-          <a:xfrm>
-            <a:off x="566737" y="952500"/>
-            <a:ext cx="8382000" cy="1015663"/>
-          </a:xfrm>
-          <a:prstGeom prst="rect">
-            <a:avLst/>
-          </a:prstGeom>
-          <a:noFill/>
-        </p:spPr>
-        <p:txBody>
-          <a:bodyPr wrap="square" rtlCol="0">
-            <a:spAutoFit/>
-          </a:bodyPr>
-          <a:lstStyle/>
-          <a:p>
-            <a:pPr algn="l"/>
-            <a:r>
-              <a:rPr lang="en-US" sz="3000" dirty="0" smtClean="0">
-                <a:latin typeface="PFDinTextCompPro-Italic"/>
-                <a:cs typeface="PFDinTextCompPro-Italic"/>
-              </a:rPr>
-              <a:t>Q: </a:t>
-            </a:r>
-            <a:r>
-              <a:rPr lang="en-US" sz="3000" dirty="0" smtClean="0">
-                <a:latin typeface="PFDinTextCompPro-Italic"/>
-                <a:cs typeface="PFDinTextCompPro-Italic"/>
-              </a:rPr>
-              <a:t>So, how do we select</a:t>
-            </a:r>
-            <a:r>
-              <a:rPr lang="en-US" sz="3000" dirty="0" smtClean="0">
-                <a:latin typeface="PFDinTextCompPro-Italic"/>
-                <a:cs typeface="PFDinTextCompPro-Italic"/>
-              </a:rPr>
-              <a:t> </a:t>
-            </a:r>
-            <a:r>
-              <a:rPr lang="en-US" sz="3000" dirty="0" smtClean="0">
-                <a:latin typeface="PFDinTextCompPro-Italic"/>
-                <a:cs typeface="PFDinTextCompPro-Italic"/>
-              </a:rPr>
-              <a:t>a linear regression model?</a:t>
-            </a:r>
-            <a:endParaRPr lang="en-US" sz="3000" dirty="0" smtClean="0">
-              <a:latin typeface="PFDinTextCompPro-Italic"/>
-              <a:cs typeface="PFDinTextCompPro-Italic"/>
-            </a:endParaRPr>
-          </a:p>
-          <a:p>
-            <a:pPr marL="457200" indent="-457200" algn="l">
-              <a:buFont typeface="Arial"/>
-              <a:buChar char="•"/>
-            </a:pPr>
-            <a:endParaRPr lang="en-US" sz="3000" dirty="0">
-              <a:latin typeface="PFDinTextCompPro-Italic"/>
-              <a:cs typeface="PFDinTextCompPro-Italic"/>
-            </a:endParaRPr>
-          </a:p>
-        </p:txBody>
-      </p:sp>
-    </p:spTree>
-    <p:extLst>
-      <p:ext uri="{BB962C8B-B14F-4D97-AF65-F5344CB8AC3E}">
-        <p14:creationId xmlns:p14="http://schemas.microsoft.com/office/powerpoint/2010/main" val="1165243398"/>
-      </p:ext>
-    </p:extLst>
-  </p:cSld>
-  <p:clrMapOvr>
-    <a:masterClrMapping/>
-  </p:clrMapOvr>
-  <p:transition xmlns:p14="http://schemas.microsoft.com/office/powerpoint/2010/main"/>
-  <p:timing>
-    <p:tnLst>
-      <p:par>
-        <p:cTn xmlns:p14="http://schemas.microsoft.com/office/powerpoint/2010/main" id="1" dur="indefinite" restart="never" nodeType="tmRoot"/>
-      </p:par>
-    </p:tnLst>
-  </p:timing>
-</p:sld>
-</file>
-
-<file path=ppt/slides/slide41.xml><?xml version="1.0" encoding="utf-8"?>
-<p:sld xmlns:a="http://schemas.openxmlformats.org/drawingml/2006/main" xmlns:r="http://schemas.openxmlformats.org/officeDocument/2006/relationships" xmlns:p="http://schemas.openxmlformats.org/presentationml/2006/main">
-  <p:cSld>
-    <p:spTree>
-      <p:nvGrpSpPr>
-        <p:cNvPr id="1" name=""/>
-        <p:cNvGrpSpPr/>
-        <p:nvPr/>
-      </p:nvGrpSpPr>
-      <p:grpSpPr>
-        <a:xfrm>
-          <a:off x="0" y="0"/>
-          <a:ext cx="0" cy="0"/>
-          <a:chOff x="0" y="0"/>
-          <a:chExt cx="0" cy="0"/>
-        </a:xfrm>
-      </p:grpSpPr>
-      <p:sp>
-        <p:nvSpPr>
-          <p:cNvPr id="4" name="Content Placeholder 3"/>
-          <p:cNvSpPr>
-            <a:spLocks noGrp="1"/>
-          </p:cNvSpPr>
-          <p:nvPr>
-            <p:ph sz="quarter" idx="11"/>
-          </p:nvPr>
-        </p:nvSpPr>
-        <p:spPr>
-          <a:xfrm>
-            <a:off x="414337" y="495300"/>
-            <a:ext cx="6400800" cy="304800"/>
-          </a:xfrm>
-        </p:spPr>
-        <p:txBody>
-          <a:bodyPr/>
-          <a:lstStyle/>
-          <a:p>
-            <a:pPr eaLnBrk="1" hangingPunct="1">
-              <a:lnSpc>
-                <a:spcPts val="2448"/>
-              </a:lnSpc>
-              <a:defRPr/>
-            </a:pPr>
-            <a:r>
-              <a:rPr lang="en-US" dirty="0"/>
-              <a:t>Intro to regression</a:t>
-            </a:r>
-          </a:p>
-        </p:txBody>
-      </p:sp>
-      <p:sp>
-        <p:nvSpPr>
-          <p:cNvPr id="8" name="Slide Number Placeholder 3"/>
-          <p:cNvSpPr>
-            <a:spLocks noGrp="1"/>
-          </p:cNvSpPr>
-          <p:nvPr>
-            <p:ph type="sldNum" sz="quarter" idx="13"/>
-          </p:nvPr>
-        </p:nvSpPr>
-        <p:spPr/>
-        <p:txBody>
-          <a:bodyPr/>
-          <a:lstStyle/>
-          <a:p>
-            <a:pPr>
-              <a:defRPr/>
-            </a:pPr>
-            <a:fld id="{BD5AD749-DAD1-6A4A-A2AA-CB20EAD0AEB7}" type="slidenum">
-              <a:rPr lang="en-US"/>
-              <a:pPr>
-                <a:defRPr/>
-              </a:pPr>
-              <a:t>41</a:t>
-            </a:fld>
-            <a:endParaRPr lang="en-US"/>
-          </a:p>
-        </p:txBody>
-      </p:sp>
-      <p:sp>
-        <p:nvSpPr>
-          <p:cNvPr id="9" name="TextBox 8"/>
-          <p:cNvSpPr txBox="1"/>
-          <p:nvPr/>
-        </p:nvSpPr>
-        <p:spPr>
-          <a:xfrm>
-            <a:off x="566737" y="952500"/>
-            <a:ext cx="8382000" cy="1477328"/>
-          </a:xfrm>
-          <a:prstGeom prst="rect">
-            <a:avLst/>
-          </a:prstGeom>
-          <a:noFill/>
-        </p:spPr>
-        <p:txBody>
-          <a:bodyPr wrap="square" rtlCol="0">
-            <a:spAutoFit/>
-          </a:bodyPr>
-          <a:lstStyle/>
-          <a:p>
-            <a:pPr algn="l"/>
-            <a:r>
-              <a:rPr lang="en-US" sz="3000" dirty="0" smtClean="0">
-                <a:latin typeface="PFDinTextCompPro-Italic"/>
-                <a:cs typeface="PFDinTextCompPro-Italic"/>
-              </a:rPr>
-              <a:t>Q: </a:t>
-            </a:r>
-            <a:r>
-              <a:rPr lang="en-US" sz="3000" dirty="0" smtClean="0">
-                <a:latin typeface="PFDinTextCompPro-Italic"/>
-                <a:cs typeface="PFDinTextCompPro-Italic"/>
-              </a:rPr>
-              <a:t>So, how do we select</a:t>
-            </a:r>
-            <a:r>
-              <a:rPr lang="en-US" sz="3000" dirty="0" smtClean="0">
-                <a:latin typeface="PFDinTextCompPro-Italic"/>
-                <a:cs typeface="PFDinTextCompPro-Italic"/>
-              </a:rPr>
-              <a:t> </a:t>
-            </a:r>
-            <a:r>
-              <a:rPr lang="en-US" sz="3000" dirty="0" smtClean="0">
-                <a:latin typeface="PFDinTextCompPro-Italic"/>
-                <a:cs typeface="PFDinTextCompPro-Italic"/>
-              </a:rPr>
-              <a:t>a linear regression model?</a:t>
-            </a:r>
-            <a:endParaRPr lang="en-US" sz="3000" dirty="0" smtClean="0">
-              <a:latin typeface="PFDinTextCompPro-Italic"/>
-              <a:cs typeface="PFDinTextCompPro-Italic"/>
-            </a:endParaRPr>
-          </a:p>
-          <a:p>
-            <a:pPr marL="457200" indent="-457200" algn="l">
-              <a:buFont typeface="Arial"/>
-              <a:buChar char="•"/>
-            </a:pPr>
-            <a:r>
-              <a:rPr lang="en-US" sz="3000" dirty="0" smtClean="0">
-                <a:latin typeface="PFDinTextCompPro-Italic"/>
-                <a:cs typeface="PFDinTextCompPro-Italic"/>
-              </a:rPr>
-              <a:t>Techniques for producing designs</a:t>
-            </a:r>
-          </a:p>
-          <a:p>
-            <a:pPr marL="457200" indent="-457200" algn="l">
-              <a:buFont typeface="Arial"/>
-              <a:buChar char="•"/>
-            </a:pPr>
-            <a:endParaRPr lang="en-US" sz="3000" dirty="0">
-              <a:latin typeface="PFDinTextCompPro-Italic"/>
-              <a:cs typeface="PFDinTextCompPro-Italic"/>
-            </a:endParaRPr>
-          </a:p>
-        </p:txBody>
-      </p:sp>
-    </p:spTree>
-    <p:extLst>
-      <p:ext uri="{BB962C8B-B14F-4D97-AF65-F5344CB8AC3E}">
-        <p14:creationId xmlns:p14="http://schemas.microsoft.com/office/powerpoint/2010/main" val="2449941988"/>
-      </p:ext>
-    </p:extLst>
-  </p:cSld>
-  <p:clrMapOvr>
-    <a:masterClrMapping/>
-  </p:clrMapOvr>
-  <p:transition xmlns:p14="http://schemas.microsoft.com/office/powerpoint/2010/main"/>
-  <p:timing>
-    <p:tnLst>
-      <p:par>
-        <p:cTn xmlns:p14="http://schemas.microsoft.com/office/powerpoint/2010/main" id="1" dur="indefinite" restart="never" nodeType="tmRoot"/>
-      </p:par>
-    </p:tnLst>
-  </p:timing>
-</p:sld>
-</file>
-
-<file path=ppt/slides/slide42.xml><?xml version="1.0" encoding="utf-8"?>
-<p:sld xmlns:a="http://schemas.openxmlformats.org/drawingml/2006/main" xmlns:r="http://schemas.openxmlformats.org/officeDocument/2006/relationships" xmlns:p="http://schemas.openxmlformats.org/presentationml/2006/main">
-  <p:cSld>
-    <p:spTree>
-      <p:nvGrpSpPr>
-        <p:cNvPr id="1" name=""/>
-        <p:cNvGrpSpPr/>
-        <p:nvPr/>
-      </p:nvGrpSpPr>
-      <p:grpSpPr>
-        <a:xfrm>
-          <a:off x="0" y="0"/>
-          <a:ext cx="0" cy="0"/>
-          <a:chOff x="0" y="0"/>
-          <a:chExt cx="0" cy="0"/>
-        </a:xfrm>
-      </p:grpSpPr>
-      <p:sp>
-        <p:nvSpPr>
-          <p:cNvPr id="4" name="Content Placeholder 3"/>
-          <p:cNvSpPr>
-            <a:spLocks noGrp="1"/>
-          </p:cNvSpPr>
-          <p:nvPr>
-            <p:ph sz="quarter" idx="11"/>
-          </p:nvPr>
-        </p:nvSpPr>
-        <p:spPr>
-          <a:xfrm>
-            <a:off x="414337" y="495300"/>
-            <a:ext cx="6400800" cy="304800"/>
-          </a:xfrm>
-        </p:spPr>
-        <p:txBody>
-          <a:bodyPr/>
-          <a:lstStyle/>
-          <a:p>
-            <a:pPr eaLnBrk="1" hangingPunct="1">
-              <a:lnSpc>
-                <a:spcPts val="2448"/>
-              </a:lnSpc>
-              <a:defRPr/>
-            </a:pPr>
-            <a:r>
-              <a:rPr lang="en-US" dirty="0"/>
-              <a:t>Intro to regression</a:t>
-            </a:r>
-          </a:p>
-        </p:txBody>
-      </p:sp>
-      <p:sp>
-        <p:nvSpPr>
-          <p:cNvPr id="8" name="Slide Number Placeholder 3"/>
-          <p:cNvSpPr>
-            <a:spLocks noGrp="1"/>
-          </p:cNvSpPr>
-          <p:nvPr>
-            <p:ph type="sldNum" sz="quarter" idx="13"/>
-          </p:nvPr>
-        </p:nvSpPr>
-        <p:spPr/>
-        <p:txBody>
-          <a:bodyPr/>
-          <a:lstStyle/>
-          <a:p>
-            <a:pPr>
-              <a:defRPr/>
-            </a:pPr>
-            <a:fld id="{BD5AD749-DAD1-6A4A-A2AA-CB20EAD0AEB7}" type="slidenum">
-              <a:rPr lang="en-US"/>
-              <a:pPr>
-                <a:defRPr/>
-              </a:pPr>
-              <a:t>42</a:t>
-            </a:fld>
-            <a:endParaRPr lang="en-US"/>
-          </a:p>
-        </p:txBody>
-      </p:sp>
-      <p:sp>
-        <p:nvSpPr>
-          <p:cNvPr id="9" name="TextBox 8"/>
-          <p:cNvSpPr txBox="1"/>
-          <p:nvPr/>
-        </p:nvSpPr>
-        <p:spPr>
-          <a:xfrm>
-            <a:off x="566737" y="952500"/>
-            <a:ext cx="8382000" cy="1938992"/>
-          </a:xfrm>
-          <a:prstGeom prst="rect">
-            <a:avLst/>
-          </a:prstGeom>
-          <a:noFill/>
-        </p:spPr>
-        <p:txBody>
-          <a:bodyPr wrap="square" rtlCol="0">
-            <a:spAutoFit/>
-          </a:bodyPr>
-          <a:lstStyle/>
-          <a:p>
-            <a:pPr algn="l"/>
-            <a:r>
-              <a:rPr lang="en-US" sz="3000" dirty="0" smtClean="0">
-                <a:latin typeface="PFDinTextCompPro-Italic"/>
-                <a:cs typeface="PFDinTextCompPro-Italic"/>
-              </a:rPr>
-              <a:t>Q: </a:t>
-            </a:r>
-            <a:r>
-              <a:rPr lang="en-US" sz="3000" dirty="0" smtClean="0">
-                <a:latin typeface="PFDinTextCompPro-Italic"/>
-                <a:cs typeface="PFDinTextCompPro-Italic"/>
-              </a:rPr>
-              <a:t>So, how do we select</a:t>
-            </a:r>
-            <a:r>
-              <a:rPr lang="en-US" sz="3000" dirty="0" smtClean="0">
-                <a:latin typeface="PFDinTextCompPro-Italic"/>
-                <a:cs typeface="PFDinTextCompPro-Italic"/>
-              </a:rPr>
-              <a:t> </a:t>
-            </a:r>
-            <a:r>
-              <a:rPr lang="en-US" sz="3000" dirty="0" smtClean="0">
-                <a:latin typeface="PFDinTextCompPro-Italic"/>
-                <a:cs typeface="PFDinTextCompPro-Italic"/>
-              </a:rPr>
-              <a:t>a linear regression model?</a:t>
-            </a:r>
-            <a:endParaRPr lang="en-US" sz="3000" dirty="0" smtClean="0">
-              <a:latin typeface="PFDinTextCompPro-Italic"/>
-              <a:cs typeface="PFDinTextCompPro-Italic"/>
-            </a:endParaRPr>
-          </a:p>
-          <a:p>
-            <a:pPr marL="457200" indent="-457200" algn="l">
-              <a:buFont typeface="Arial"/>
-              <a:buChar char="•"/>
-            </a:pPr>
-            <a:r>
-              <a:rPr lang="en-US" sz="3000" dirty="0" smtClean="0">
-                <a:latin typeface="PFDinTextCompPro-Italic"/>
-                <a:cs typeface="PFDinTextCompPro-Italic"/>
-              </a:rPr>
-              <a:t>Techniques for producing designs</a:t>
-            </a:r>
-          </a:p>
-          <a:p>
-            <a:pPr marL="785813" lvl="1" indent="-457200" algn="l">
-              <a:buFont typeface="Arial"/>
-              <a:buChar char="•"/>
-            </a:pPr>
-            <a:r>
-              <a:rPr lang="en-US" sz="3000" dirty="0" smtClean="0">
-                <a:latin typeface="PFDinTextCompPro-Italic"/>
-                <a:cs typeface="PFDinTextCompPro-Italic"/>
-              </a:rPr>
-              <a:t>Theory</a:t>
-            </a:r>
-          </a:p>
-          <a:p>
-            <a:pPr marL="457200" indent="-457200" algn="l">
-              <a:buFont typeface="Arial"/>
-              <a:buChar char="•"/>
-            </a:pPr>
-            <a:endParaRPr lang="en-US" sz="3000" dirty="0">
-              <a:latin typeface="PFDinTextCompPro-Italic"/>
-              <a:cs typeface="PFDinTextCompPro-Italic"/>
-            </a:endParaRPr>
-          </a:p>
-        </p:txBody>
-      </p:sp>
-    </p:spTree>
-    <p:extLst>
-      <p:ext uri="{BB962C8B-B14F-4D97-AF65-F5344CB8AC3E}">
-        <p14:creationId xmlns:p14="http://schemas.microsoft.com/office/powerpoint/2010/main" val="2449941988"/>
-      </p:ext>
-    </p:extLst>
-  </p:cSld>
-  <p:clrMapOvr>
-    <a:masterClrMapping/>
-  </p:clrMapOvr>
-  <p:transition xmlns:p14="http://schemas.microsoft.com/office/powerpoint/2010/main"/>
-  <p:timing>
-    <p:tnLst>
-      <p:par>
-        <p:cTn xmlns:p14="http://schemas.microsoft.com/office/powerpoint/2010/main" id="1" dur="indefinite" restart="never" nodeType="tmRoot"/>
-      </p:par>
-    </p:tnLst>
-  </p:timing>
-</p:sld>
-</file>
-
-<file path=ppt/slides/slide43.xml><?xml version="1.0" encoding="utf-8"?>
-<p:sld xmlns:a="http://schemas.openxmlformats.org/drawingml/2006/main" xmlns:r="http://schemas.openxmlformats.org/officeDocument/2006/relationships" xmlns:p="http://schemas.openxmlformats.org/presentationml/2006/main">
-  <p:cSld>
-    <p:spTree>
-      <p:nvGrpSpPr>
-        <p:cNvPr id="1" name=""/>
-        <p:cNvGrpSpPr/>
-        <p:nvPr/>
-      </p:nvGrpSpPr>
-      <p:grpSpPr>
-        <a:xfrm>
-          <a:off x="0" y="0"/>
-          <a:ext cx="0" cy="0"/>
-          <a:chOff x="0" y="0"/>
-          <a:chExt cx="0" cy="0"/>
-        </a:xfrm>
-      </p:grpSpPr>
-      <p:sp>
-        <p:nvSpPr>
-          <p:cNvPr id="4" name="Content Placeholder 3"/>
-          <p:cNvSpPr>
-            <a:spLocks noGrp="1"/>
-          </p:cNvSpPr>
-          <p:nvPr>
-            <p:ph sz="quarter" idx="11"/>
-          </p:nvPr>
-        </p:nvSpPr>
-        <p:spPr>
-          <a:xfrm>
-            <a:off x="414337" y="495300"/>
-            <a:ext cx="6400800" cy="304800"/>
-          </a:xfrm>
-        </p:spPr>
-        <p:txBody>
-          <a:bodyPr/>
-          <a:lstStyle/>
-          <a:p>
-            <a:pPr eaLnBrk="1" hangingPunct="1">
-              <a:lnSpc>
-                <a:spcPts val="2448"/>
-              </a:lnSpc>
-              <a:defRPr/>
-            </a:pPr>
-            <a:r>
-              <a:rPr lang="en-US" dirty="0"/>
-              <a:t>Intro to regression</a:t>
-            </a:r>
-          </a:p>
-        </p:txBody>
-      </p:sp>
-      <p:sp>
-        <p:nvSpPr>
-          <p:cNvPr id="8" name="Slide Number Placeholder 3"/>
-          <p:cNvSpPr>
-            <a:spLocks noGrp="1"/>
-          </p:cNvSpPr>
-          <p:nvPr>
-            <p:ph type="sldNum" sz="quarter" idx="13"/>
-          </p:nvPr>
-        </p:nvSpPr>
-        <p:spPr/>
-        <p:txBody>
-          <a:bodyPr/>
-          <a:lstStyle/>
-          <a:p>
-            <a:pPr>
-              <a:defRPr/>
-            </a:pPr>
-            <a:fld id="{BD5AD749-DAD1-6A4A-A2AA-CB20EAD0AEB7}" type="slidenum">
-              <a:rPr lang="en-US"/>
-              <a:pPr>
-                <a:defRPr/>
-              </a:pPr>
-              <a:t>43</a:t>
-            </a:fld>
-            <a:endParaRPr lang="en-US"/>
-          </a:p>
-        </p:txBody>
-      </p:sp>
-      <p:sp>
-        <p:nvSpPr>
-          <p:cNvPr id="9" name="TextBox 8"/>
-          <p:cNvSpPr txBox="1"/>
-          <p:nvPr/>
-        </p:nvSpPr>
-        <p:spPr>
-          <a:xfrm>
-            <a:off x="566737" y="952500"/>
-            <a:ext cx="8382000" cy="2400657"/>
-          </a:xfrm>
-          <a:prstGeom prst="rect">
-            <a:avLst/>
-          </a:prstGeom>
-          <a:noFill/>
-        </p:spPr>
-        <p:txBody>
-          <a:bodyPr wrap="square" rtlCol="0">
-            <a:spAutoFit/>
-          </a:bodyPr>
-          <a:lstStyle/>
-          <a:p>
-            <a:pPr algn="l"/>
-            <a:r>
-              <a:rPr lang="en-US" sz="3000" dirty="0" smtClean="0">
-                <a:latin typeface="PFDinTextCompPro-Italic"/>
-                <a:cs typeface="PFDinTextCompPro-Italic"/>
-              </a:rPr>
-              <a:t>Q: </a:t>
-            </a:r>
-            <a:r>
-              <a:rPr lang="en-US" sz="3000" dirty="0" smtClean="0">
-                <a:latin typeface="PFDinTextCompPro-Italic"/>
-                <a:cs typeface="PFDinTextCompPro-Italic"/>
-              </a:rPr>
-              <a:t>So, how do we select</a:t>
-            </a:r>
-            <a:r>
-              <a:rPr lang="en-US" sz="3000" dirty="0" smtClean="0">
-                <a:latin typeface="PFDinTextCompPro-Italic"/>
-                <a:cs typeface="PFDinTextCompPro-Italic"/>
-              </a:rPr>
-              <a:t> </a:t>
-            </a:r>
-            <a:r>
-              <a:rPr lang="en-US" sz="3000" dirty="0" smtClean="0">
-                <a:latin typeface="PFDinTextCompPro-Italic"/>
-                <a:cs typeface="PFDinTextCompPro-Italic"/>
-              </a:rPr>
-              <a:t>a linear regression model?</a:t>
-            </a:r>
-            <a:endParaRPr lang="en-US" sz="3000" dirty="0" smtClean="0">
-              <a:latin typeface="PFDinTextCompPro-Italic"/>
-              <a:cs typeface="PFDinTextCompPro-Italic"/>
-            </a:endParaRPr>
-          </a:p>
-          <a:p>
-            <a:pPr marL="457200" indent="-457200" algn="l">
-              <a:buFont typeface="Arial"/>
-              <a:buChar char="•"/>
-            </a:pPr>
-            <a:r>
-              <a:rPr lang="en-US" sz="3000" dirty="0" smtClean="0">
-                <a:latin typeface="PFDinTextCompPro-Italic"/>
-                <a:cs typeface="PFDinTextCompPro-Italic"/>
-              </a:rPr>
-              <a:t>Techniques for producing designs</a:t>
-            </a:r>
-          </a:p>
-          <a:p>
-            <a:pPr marL="785813" lvl="1" indent="-457200" algn="l">
-              <a:buFont typeface="Arial"/>
-              <a:buChar char="•"/>
-            </a:pPr>
-            <a:r>
-              <a:rPr lang="en-US" sz="3000" dirty="0" smtClean="0">
-                <a:latin typeface="PFDinTextCompPro-Italic"/>
-                <a:cs typeface="PFDinTextCompPro-Italic"/>
-              </a:rPr>
-              <a:t>Theory</a:t>
-            </a:r>
-          </a:p>
-          <a:p>
-            <a:pPr marL="785813" lvl="1" indent="-457200" algn="l">
-              <a:buFont typeface="Arial"/>
-              <a:buChar char="•"/>
-            </a:pPr>
-            <a:r>
-              <a:rPr lang="en-US" sz="3000" dirty="0" smtClean="0">
-                <a:latin typeface="PFDinTextCompPro-Italic"/>
-                <a:cs typeface="PFDinTextCompPro-Italic"/>
-              </a:rPr>
-              <a:t>Forward selection</a:t>
-            </a:r>
-          </a:p>
-          <a:p>
-            <a:pPr marL="457200" indent="-457200" algn="l">
-              <a:buFont typeface="Arial"/>
-              <a:buChar char="•"/>
-            </a:pPr>
-            <a:endParaRPr lang="en-US" sz="3000" dirty="0">
-              <a:latin typeface="PFDinTextCompPro-Italic"/>
-              <a:cs typeface="PFDinTextCompPro-Italic"/>
-            </a:endParaRPr>
-          </a:p>
-        </p:txBody>
-      </p:sp>
-    </p:spTree>
-    <p:extLst>
-      <p:ext uri="{BB962C8B-B14F-4D97-AF65-F5344CB8AC3E}">
-        <p14:creationId xmlns:p14="http://schemas.microsoft.com/office/powerpoint/2010/main" val="2449941988"/>
-      </p:ext>
-    </p:extLst>
-  </p:cSld>
-  <p:clrMapOvr>
-    <a:masterClrMapping/>
-  </p:clrMapOvr>
-  <p:transition xmlns:p14="http://schemas.microsoft.com/office/powerpoint/2010/main"/>
-  <p:timing>
-    <p:tnLst>
-      <p:par>
-        <p:cTn xmlns:p14="http://schemas.microsoft.com/office/powerpoint/2010/main" id="1" dur="indefinite" restart="never" nodeType="tmRoot"/>
-      </p:par>
-    </p:tnLst>
-  </p:timing>
-</p:sld>
-</file>
-
-<file path=ppt/slides/slide44.xml><?xml version="1.0" encoding="utf-8"?>
-<p:sld xmlns:a="http://schemas.openxmlformats.org/drawingml/2006/main" xmlns:r="http://schemas.openxmlformats.org/officeDocument/2006/relationships" xmlns:p="http://schemas.openxmlformats.org/presentationml/2006/main">
-  <p:cSld>
-    <p:spTree>
-      <p:nvGrpSpPr>
-        <p:cNvPr id="1" name=""/>
-        <p:cNvGrpSpPr/>
-        <p:nvPr/>
-      </p:nvGrpSpPr>
-      <p:grpSpPr>
-        <a:xfrm>
-          <a:off x="0" y="0"/>
-          <a:ext cx="0" cy="0"/>
-          <a:chOff x="0" y="0"/>
-          <a:chExt cx="0" cy="0"/>
-        </a:xfrm>
-      </p:grpSpPr>
-      <p:sp>
-        <p:nvSpPr>
-          <p:cNvPr id="4" name="Content Placeholder 3"/>
-          <p:cNvSpPr>
-            <a:spLocks noGrp="1"/>
-          </p:cNvSpPr>
-          <p:nvPr>
-            <p:ph sz="quarter" idx="11"/>
-          </p:nvPr>
-        </p:nvSpPr>
-        <p:spPr>
-          <a:xfrm>
-            <a:off x="414337" y="495300"/>
-            <a:ext cx="6400800" cy="304800"/>
-          </a:xfrm>
-        </p:spPr>
-        <p:txBody>
-          <a:bodyPr/>
-          <a:lstStyle/>
-          <a:p>
-            <a:pPr eaLnBrk="1" hangingPunct="1">
-              <a:lnSpc>
-                <a:spcPts val="2448"/>
-              </a:lnSpc>
-              <a:defRPr/>
-            </a:pPr>
-            <a:r>
-              <a:rPr lang="en-US" dirty="0"/>
-              <a:t>Intro to regression</a:t>
-            </a:r>
-          </a:p>
-        </p:txBody>
-      </p:sp>
-      <p:sp>
-        <p:nvSpPr>
-          <p:cNvPr id="8" name="Slide Number Placeholder 3"/>
-          <p:cNvSpPr>
-            <a:spLocks noGrp="1"/>
-          </p:cNvSpPr>
-          <p:nvPr>
-            <p:ph type="sldNum" sz="quarter" idx="13"/>
-          </p:nvPr>
-        </p:nvSpPr>
-        <p:spPr/>
-        <p:txBody>
-          <a:bodyPr/>
-          <a:lstStyle/>
-          <a:p>
-            <a:pPr>
-              <a:defRPr/>
-            </a:pPr>
-            <a:fld id="{BD5AD749-DAD1-6A4A-A2AA-CB20EAD0AEB7}" type="slidenum">
-              <a:rPr lang="en-US"/>
-              <a:pPr>
-                <a:defRPr/>
-              </a:pPr>
-              <a:t>44</a:t>
-            </a:fld>
-            <a:endParaRPr lang="en-US"/>
-          </a:p>
-        </p:txBody>
-      </p:sp>
-      <p:sp>
-        <p:nvSpPr>
-          <p:cNvPr id="9" name="TextBox 8"/>
-          <p:cNvSpPr txBox="1"/>
-          <p:nvPr/>
-        </p:nvSpPr>
-        <p:spPr>
-          <a:xfrm>
-            <a:off x="566737" y="952500"/>
-            <a:ext cx="8382000" cy="2862322"/>
-          </a:xfrm>
-          <a:prstGeom prst="rect">
-            <a:avLst/>
-          </a:prstGeom>
-          <a:noFill/>
-        </p:spPr>
-        <p:txBody>
-          <a:bodyPr wrap="square" rtlCol="0">
-            <a:spAutoFit/>
-          </a:bodyPr>
-          <a:lstStyle/>
-          <a:p>
-            <a:pPr algn="l"/>
-            <a:r>
-              <a:rPr lang="en-US" sz="3000" dirty="0" smtClean="0">
-                <a:latin typeface="PFDinTextCompPro-Italic"/>
-                <a:cs typeface="PFDinTextCompPro-Italic"/>
-              </a:rPr>
-              <a:t>Q: </a:t>
-            </a:r>
-            <a:r>
-              <a:rPr lang="en-US" sz="3000" dirty="0" smtClean="0">
-                <a:latin typeface="PFDinTextCompPro-Italic"/>
-                <a:cs typeface="PFDinTextCompPro-Italic"/>
-              </a:rPr>
-              <a:t>So, how do we select</a:t>
-            </a:r>
-            <a:r>
-              <a:rPr lang="en-US" sz="3000" dirty="0" smtClean="0">
-                <a:latin typeface="PFDinTextCompPro-Italic"/>
-                <a:cs typeface="PFDinTextCompPro-Italic"/>
-              </a:rPr>
-              <a:t> </a:t>
-            </a:r>
-            <a:r>
-              <a:rPr lang="en-US" sz="3000" dirty="0" smtClean="0">
-                <a:latin typeface="PFDinTextCompPro-Italic"/>
-                <a:cs typeface="PFDinTextCompPro-Italic"/>
-              </a:rPr>
-              <a:t>a linear regression model?</a:t>
-            </a:r>
-            <a:endParaRPr lang="en-US" sz="3000" dirty="0" smtClean="0">
-              <a:latin typeface="PFDinTextCompPro-Italic"/>
-              <a:cs typeface="PFDinTextCompPro-Italic"/>
-            </a:endParaRPr>
-          </a:p>
-          <a:p>
-            <a:pPr marL="457200" indent="-457200" algn="l">
-              <a:buFont typeface="Arial"/>
-              <a:buChar char="•"/>
-            </a:pPr>
-            <a:r>
-              <a:rPr lang="en-US" sz="3000" dirty="0" smtClean="0">
-                <a:latin typeface="PFDinTextCompPro-Italic"/>
-                <a:cs typeface="PFDinTextCompPro-Italic"/>
-              </a:rPr>
-              <a:t>Techniques for producing designs</a:t>
-            </a:r>
-          </a:p>
-          <a:p>
-            <a:pPr marL="785813" lvl="1" indent="-457200" algn="l">
-              <a:buFont typeface="Arial"/>
-              <a:buChar char="•"/>
-            </a:pPr>
-            <a:r>
-              <a:rPr lang="en-US" sz="3000" dirty="0" smtClean="0">
-                <a:latin typeface="PFDinTextCompPro-Italic"/>
-                <a:cs typeface="PFDinTextCompPro-Italic"/>
-              </a:rPr>
-              <a:t>Theory</a:t>
-            </a:r>
-          </a:p>
-          <a:p>
-            <a:pPr marL="785813" lvl="1" indent="-457200" algn="l">
-              <a:buFont typeface="Arial"/>
-              <a:buChar char="•"/>
-            </a:pPr>
-            <a:r>
-              <a:rPr lang="en-US" sz="3000" dirty="0" smtClean="0">
-                <a:latin typeface="PFDinTextCompPro-Italic"/>
-                <a:cs typeface="PFDinTextCompPro-Italic"/>
-              </a:rPr>
-              <a:t>Forward selection</a:t>
-            </a:r>
-          </a:p>
-          <a:p>
-            <a:pPr marL="785813" lvl="1" indent="-457200" algn="l">
-              <a:buFont typeface="Arial"/>
-              <a:buChar char="•"/>
-            </a:pPr>
-            <a:r>
-              <a:rPr lang="en-US" sz="3000" dirty="0" smtClean="0">
-                <a:latin typeface="PFDinTextCompPro-Italic"/>
-                <a:cs typeface="PFDinTextCompPro-Italic"/>
-              </a:rPr>
-              <a:t>Backward elimination</a:t>
-            </a:r>
-          </a:p>
-          <a:p>
-            <a:pPr marL="457200" indent="-457200" algn="l">
-              <a:buFont typeface="Arial"/>
-              <a:buChar char="•"/>
-            </a:pPr>
-            <a:endParaRPr lang="en-US" sz="3000" dirty="0">
-              <a:latin typeface="PFDinTextCompPro-Italic"/>
-              <a:cs typeface="PFDinTextCompPro-Italic"/>
-            </a:endParaRPr>
-          </a:p>
-        </p:txBody>
-      </p:sp>
-    </p:spTree>
-    <p:extLst>
-      <p:ext uri="{BB962C8B-B14F-4D97-AF65-F5344CB8AC3E}">
-        <p14:creationId xmlns:p14="http://schemas.microsoft.com/office/powerpoint/2010/main" val="2449941988"/>
-      </p:ext>
-    </p:extLst>
-  </p:cSld>
-  <p:clrMapOvr>
-    <a:masterClrMapping/>
-  </p:clrMapOvr>
-  <p:transition xmlns:p14="http://schemas.microsoft.com/office/powerpoint/2010/main"/>
-  <p:timing>
-    <p:tnLst>
-      <p:par>
-        <p:cTn xmlns:p14="http://schemas.microsoft.com/office/powerpoint/2010/main" id="1" dur="indefinite" restart="never" nodeType="tmRoot"/>
-      </p:par>
-    </p:tnLst>
-  </p:timing>
-</p:sld>
-</file>
-
-<file path=ppt/slides/slide45.xml><?xml version="1.0" encoding="utf-8"?>
-<p:sld xmlns:a="http://schemas.openxmlformats.org/drawingml/2006/main" xmlns:r="http://schemas.openxmlformats.org/officeDocument/2006/relationships" xmlns:p="http://schemas.openxmlformats.org/presentationml/2006/main">
-  <p:cSld>
-    <p:spTree>
-      <p:nvGrpSpPr>
-        <p:cNvPr id="1" name=""/>
-        <p:cNvGrpSpPr/>
-        <p:nvPr/>
-      </p:nvGrpSpPr>
-      <p:grpSpPr>
-        <a:xfrm>
-          <a:off x="0" y="0"/>
-          <a:ext cx="0" cy="0"/>
-          <a:chOff x="0" y="0"/>
-          <a:chExt cx="0" cy="0"/>
-        </a:xfrm>
-      </p:grpSpPr>
-      <p:sp>
-        <p:nvSpPr>
-          <p:cNvPr id="4" name="Content Placeholder 3"/>
-          <p:cNvSpPr>
-            <a:spLocks noGrp="1"/>
-          </p:cNvSpPr>
-          <p:nvPr>
-            <p:ph sz="quarter" idx="11"/>
-          </p:nvPr>
-        </p:nvSpPr>
-        <p:spPr>
-          <a:xfrm>
-            <a:off x="414337" y="495300"/>
-            <a:ext cx="6400800" cy="304800"/>
-          </a:xfrm>
-        </p:spPr>
-        <p:txBody>
-          <a:bodyPr/>
-          <a:lstStyle/>
-          <a:p>
-            <a:pPr eaLnBrk="1" hangingPunct="1">
-              <a:lnSpc>
-                <a:spcPts val="2448"/>
-              </a:lnSpc>
-              <a:defRPr/>
-            </a:pPr>
-            <a:r>
-              <a:rPr lang="en-US" dirty="0"/>
-              <a:t>Intro to regression</a:t>
-            </a:r>
-          </a:p>
-        </p:txBody>
-      </p:sp>
-      <p:sp>
-        <p:nvSpPr>
-          <p:cNvPr id="8" name="Slide Number Placeholder 3"/>
-          <p:cNvSpPr>
-            <a:spLocks noGrp="1"/>
-          </p:cNvSpPr>
-          <p:nvPr>
-            <p:ph type="sldNum" sz="quarter" idx="13"/>
-          </p:nvPr>
-        </p:nvSpPr>
-        <p:spPr/>
-        <p:txBody>
-          <a:bodyPr/>
-          <a:lstStyle/>
-          <a:p>
-            <a:pPr>
-              <a:defRPr/>
-            </a:pPr>
-            <a:fld id="{BD5AD749-DAD1-6A4A-A2AA-CB20EAD0AEB7}" type="slidenum">
-              <a:rPr lang="en-US"/>
-              <a:pPr>
-                <a:defRPr/>
-              </a:pPr>
-              <a:t>45</a:t>
-            </a:fld>
-            <a:endParaRPr lang="en-US"/>
-          </a:p>
-        </p:txBody>
-      </p:sp>
-      <p:sp>
-        <p:nvSpPr>
-          <p:cNvPr id="9" name="TextBox 8"/>
-          <p:cNvSpPr txBox="1"/>
-          <p:nvPr/>
-        </p:nvSpPr>
-        <p:spPr>
-          <a:xfrm>
-            <a:off x="566737" y="952500"/>
-            <a:ext cx="8382000" cy="3323987"/>
-          </a:xfrm>
-          <a:prstGeom prst="rect">
-            <a:avLst/>
-          </a:prstGeom>
-          <a:noFill/>
-        </p:spPr>
-        <p:txBody>
-          <a:bodyPr wrap="square" rtlCol="0">
-            <a:spAutoFit/>
-          </a:bodyPr>
-          <a:lstStyle/>
-          <a:p>
-            <a:pPr algn="l"/>
-            <a:r>
-              <a:rPr lang="en-US" sz="3000" dirty="0" smtClean="0">
-                <a:latin typeface="PFDinTextCompPro-Italic"/>
-                <a:cs typeface="PFDinTextCompPro-Italic"/>
-              </a:rPr>
-              <a:t>Q: </a:t>
-            </a:r>
-            <a:r>
-              <a:rPr lang="en-US" sz="3000" dirty="0" smtClean="0">
-                <a:latin typeface="PFDinTextCompPro-Italic"/>
-                <a:cs typeface="PFDinTextCompPro-Italic"/>
-              </a:rPr>
-              <a:t>So, how do we select</a:t>
-            </a:r>
-            <a:r>
-              <a:rPr lang="en-US" sz="3000" dirty="0" smtClean="0">
-                <a:latin typeface="PFDinTextCompPro-Italic"/>
-                <a:cs typeface="PFDinTextCompPro-Italic"/>
-              </a:rPr>
-              <a:t> </a:t>
-            </a:r>
-            <a:r>
-              <a:rPr lang="en-US" sz="3000" dirty="0" smtClean="0">
-                <a:latin typeface="PFDinTextCompPro-Italic"/>
-                <a:cs typeface="PFDinTextCompPro-Italic"/>
-              </a:rPr>
-              <a:t>a linear regression model?</a:t>
-            </a:r>
-            <a:endParaRPr lang="en-US" sz="3000" dirty="0" smtClean="0">
-              <a:latin typeface="PFDinTextCompPro-Italic"/>
-              <a:cs typeface="PFDinTextCompPro-Italic"/>
-            </a:endParaRPr>
-          </a:p>
-          <a:p>
-            <a:pPr marL="457200" indent="-457200" algn="l">
-              <a:buFont typeface="Arial"/>
-              <a:buChar char="•"/>
-            </a:pPr>
-            <a:r>
-              <a:rPr lang="en-US" sz="3000" dirty="0" smtClean="0">
-                <a:latin typeface="PFDinTextCompPro-Italic"/>
-                <a:cs typeface="PFDinTextCompPro-Italic"/>
-              </a:rPr>
-              <a:t>Techniques for producing designs</a:t>
-            </a:r>
-          </a:p>
-          <a:p>
-            <a:pPr marL="785813" lvl="1" indent="-457200" algn="l">
-              <a:buFont typeface="Arial"/>
-              <a:buChar char="•"/>
-            </a:pPr>
-            <a:r>
-              <a:rPr lang="en-US" sz="3000" dirty="0" smtClean="0">
-                <a:latin typeface="PFDinTextCompPro-Italic"/>
-                <a:cs typeface="PFDinTextCompPro-Italic"/>
-              </a:rPr>
-              <a:t>Theory</a:t>
-            </a:r>
-          </a:p>
-          <a:p>
-            <a:pPr marL="785813" lvl="1" indent="-457200" algn="l">
-              <a:buFont typeface="Arial"/>
-              <a:buChar char="•"/>
-            </a:pPr>
-            <a:r>
-              <a:rPr lang="en-US" sz="3000" dirty="0" smtClean="0">
-                <a:latin typeface="PFDinTextCompPro-Italic"/>
-                <a:cs typeface="PFDinTextCompPro-Italic"/>
-              </a:rPr>
-              <a:t>Forward selection</a:t>
-            </a:r>
-          </a:p>
-          <a:p>
-            <a:pPr marL="785813" lvl="1" indent="-457200" algn="l">
-              <a:buFont typeface="Arial"/>
-              <a:buChar char="•"/>
-            </a:pPr>
-            <a:r>
-              <a:rPr lang="en-US" sz="3000" dirty="0" smtClean="0">
-                <a:latin typeface="PFDinTextCompPro-Italic"/>
-                <a:cs typeface="PFDinTextCompPro-Italic"/>
-              </a:rPr>
-              <a:t>Backward elimination</a:t>
-            </a:r>
-          </a:p>
-          <a:p>
-            <a:pPr marL="785813" lvl="1" indent="-457200" algn="l">
-              <a:buFont typeface="Arial"/>
-              <a:buChar char="•"/>
-            </a:pPr>
-            <a:r>
-              <a:rPr lang="en-US" sz="3000" dirty="0" smtClean="0">
-                <a:latin typeface="PFDinTextCompPro-Italic"/>
-                <a:cs typeface="PFDinTextCompPro-Italic"/>
-              </a:rPr>
-              <a:t>More</a:t>
-            </a:r>
-            <a:endParaRPr lang="en-US" sz="3000" dirty="0" smtClean="0">
-              <a:latin typeface="PFDinTextCompPro-Italic"/>
-              <a:cs typeface="PFDinTextCompPro-Italic"/>
-            </a:endParaRPr>
-          </a:p>
-          <a:p>
-            <a:pPr marL="457200" indent="-457200" algn="l">
-              <a:buFont typeface="Arial"/>
-              <a:buChar char="•"/>
-            </a:pPr>
-            <a:endParaRPr lang="en-US" sz="3000" dirty="0">
-              <a:latin typeface="PFDinTextCompPro-Italic"/>
-              <a:cs typeface="PFDinTextCompPro-Italic"/>
-            </a:endParaRPr>
-          </a:p>
-        </p:txBody>
-      </p:sp>
-    </p:spTree>
-    <p:extLst>
-      <p:ext uri="{BB962C8B-B14F-4D97-AF65-F5344CB8AC3E}">
-        <p14:creationId xmlns:p14="http://schemas.microsoft.com/office/powerpoint/2010/main" val="2449941988"/>
-      </p:ext>
-    </p:extLst>
-  </p:cSld>
-  <p:clrMapOvr>
-    <a:masterClrMapping/>
-  </p:clrMapOvr>
-  <p:transition xmlns:p14="http://schemas.microsoft.com/office/powerpoint/2010/main"/>
-  <p:timing>
-    <p:tnLst>
-      <p:par>
-        <p:cTn xmlns:p14="http://schemas.microsoft.com/office/powerpoint/2010/main" id="1" dur="indefinite" restart="never" nodeType="tmRoot"/>
-      </p:par>
-    </p:tnLst>
-  </p:timing>
-</p:sld>
-</file>
-
-<file path=ppt/slides/slide46.xml><?xml version="1.0" encoding="utf-8"?>
-<p:sld xmlns:a="http://schemas.openxmlformats.org/drawingml/2006/main" xmlns:r="http://schemas.openxmlformats.org/officeDocument/2006/relationships" xmlns:p="http://schemas.openxmlformats.org/presentationml/2006/main">
-  <p:cSld>
-    <p:spTree>
-      <p:nvGrpSpPr>
-        <p:cNvPr id="1" name=""/>
-        <p:cNvGrpSpPr/>
-        <p:nvPr/>
-      </p:nvGrpSpPr>
-      <p:grpSpPr>
-        <a:xfrm>
-          <a:off x="0" y="0"/>
-          <a:ext cx="0" cy="0"/>
-          <a:chOff x="0" y="0"/>
-          <a:chExt cx="0" cy="0"/>
-        </a:xfrm>
-      </p:grpSpPr>
-      <p:sp>
-        <p:nvSpPr>
-          <p:cNvPr id="4" name="Content Placeholder 3"/>
-          <p:cNvSpPr>
-            <a:spLocks noGrp="1"/>
-          </p:cNvSpPr>
-          <p:nvPr>
-            <p:ph sz="quarter" idx="11"/>
-          </p:nvPr>
-        </p:nvSpPr>
-        <p:spPr>
-          <a:xfrm>
-            <a:off x="414337" y="495300"/>
-            <a:ext cx="6400800" cy="304800"/>
-          </a:xfrm>
-        </p:spPr>
-        <p:txBody>
-          <a:bodyPr/>
-          <a:lstStyle/>
-          <a:p>
-            <a:pPr eaLnBrk="1" hangingPunct="1">
-              <a:lnSpc>
-                <a:spcPts val="2448"/>
-              </a:lnSpc>
-              <a:defRPr/>
-            </a:pPr>
-            <a:r>
-              <a:rPr lang="en-US" dirty="0"/>
-              <a:t>Intro to regression</a:t>
-            </a:r>
-          </a:p>
-        </p:txBody>
-      </p:sp>
-      <p:sp>
-        <p:nvSpPr>
-          <p:cNvPr id="8" name="Slide Number Placeholder 3"/>
-          <p:cNvSpPr>
-            <a:spLocks noGrp="1"/>
-          </p:cNvSpPr>
-          <p:nvPr>
-            <p:ph type="sldNum" sz="quarter" idx="13"/>
-          </p:nvPr>
-        </p:nvSpPr>
-        <p:spPr/>
-        <p:txBody>
-          <a:bodyPr/>
-          <a:lstStyle/>
-          <a:p>
-            <a:pPr>
-              <a:defRPr/>
-            </a:pPr>
-            <a:fld id="{BD5AD749-DAD1-6A4A-A2AA-CB20EAD0AEB7}" type="slidenum">
-              <a:rPr lang="en-US"/>
-              <a:pPr>
-                <a:defRPr/>
-              </a:pPr>
-              <a:t>46</a:t>
-            </a:fld>
-            <a:endParaRPr lang="en-US"/>
-          </a:p>
-        </p:txBody>
-      </p:sp>
-      <p:sp>
-        <p:nvSpPr>
-          <p:cNvPr id="9" name="TextBox 8"/>
-          <p:cNvSpPr txBox="1"/>
-          <p:nvPr/>
-        </p:nvSpPr>
-        <p:spPr>
-          <a:xfrm>
-            <a:off x="566737" y="952500"/>
-            <a:ext cx="8382000" cy="3785652"/>
-          </a:xfrm>
-          <a:prstGeom prst="rect">
-            <a:avLst/>
-          </a:prstGeom>
-          <a:noFill/>
-        </p:spPr>
-        <p:txBody>
-          <a:bodyPr wrap="square" rtlCol="0">
-            <a:spAutoFit/>
-          </a:bodyPr>
-          <a:lstStyle/>
-          <a:p>
-            <a:pPr algn="l"/>
-            <a:r>
-              <a:rPr lang="en-US" sz="3000" dirty="0" smtClean="0">
-                <a:latin typeface="PFDinTextCompPro-Italic"/>
-                <a:cs typeface="PFDinTextCompPro-Italic"/>
-              </a:rPr>
-              <a:t>Q: </a:t>
-            </a:r>
-            <a:r>
-              <a:rPr lang="en-US" sz="3000" dirty="0" smtClean="0">
-                <a:latin typeface="PFDinTextCompPro-Italic"/>
-                <a:cs typeface="PFDinTextCompPro-Italic"/>
-              </a:rPr>
-              <a:t>So, how do we select</a:t>
-            </a:r>
-            <a:r>
-              <a:rPr lang="en-US" sz="3000" dirty="0" smtClean="0">
-                <a:latin typeface="PFDinTextCompPro-Italic"/>
-                <a:cs typeface="PFDinTextCompPro-Italic"/>
-              </a:rPr>
-              <a:t> </a:t>
-            </a:r>
-            <a:r>
-              <a:rPr lang="en-US" sz="3000" dirty="0" smtClean="0">
-                <a:latin typeface="PFDinTextCompPro-Italic"/>
-                <a:cs typeface="PFDinTextCompPro-Italic"/>
-              </a:rPr>
-              <a:t>a linear regression model?</a:t>
-            </a:r>
-            <a:endParaRPr lang="en-US" sz="3000" dirty="0" smtClean="0">
-              <a:latin typeface="PFDinTextCompPro-Italic"/>
-              <a:cs typeface="PFDinTextCompPro-Italic"/>
-            </a:endParaRPr>
-          </a:p>
-          <a:p>
-            <a:pPr marL="457200" indent="-457200" algn="l">
-              <a:buFont typeface="Arial"/>
-              <a:buChar char="•"/>
-            </a:pPr>
-            <a:r>
-              <a:rPr lang="en-US" sz="3000" dirty="0" smtClean="0">
-                <a:latin typeface="PFDinTextCompPro-Italic"/>
-                <a:cs typeface="PFDinTextCompPro-Italic"/>
-              </a:rPr>
-              <a:t>Techniques for producing designs</a:t>
-            </a:r>
-          </a:p>
-          <a:p>
-            <a:pPr marL="785813" lvl="1" indent="-457200" algn="l">
-              <a:buFont typeface="Arial"/>
-              <a:buChar char="•"/>
-            </a:pPr>
-            <a:r>
-              <a:rPr lang="en-US" sz="3000" dirty="0" smtClean="0">
-                <a:latin typeface="PFDinTextCompPro-Italic"/>
-                <a:cs typeface="PFDinTextCompPro-Italic"/>
-              </a:rPr>
-              <a:t>Theory</a:t>
-            </a:r>
-          </a:p>
-          <a:p>
-            <a:pPr marL="785813" lvl="1" indent="-457200" algn="l">
-              <a:buFont typeface="Arial"/>
-              <a:buChar char="•"/>
-            </a:pPr>
-            <a:r>
-              <a:rPr lang="en-US" sz="3000" dirty="0" smtClean="0">
-                <a:latin typeface="PFDinTextCompPro-Italic"/>
-                <a:cs typeface="PFDinTextCompPro-Italic"/>
-              </a:rPr>
-              <a:t>Forward selection</a:t>
-            </a:r>
-          </a:p>
-          <a:p>
-            <a:pPr marL="785813" lvl="1" indent="-457200" algn="l">
-              <a:buFont typeface="Arial"/>
-              <a:buChar char="•"/>
-            </a:pPr>
-            <a:r>
-              <a:rPr lang="en-US" sz="3000" dirty="0" smtClean="0">
-                <a:latin typeface="PFDinTextCompPro-Italic"/>
-                <a:cs typeface="PFDinTextCompPro-Italic"/>
-              </a:rPr>
-              <a:t>Backward elimination</a:t>
-            </a:r>
-          </a:p>
-          <a:p>
-            <a:pPr marL="785813" lvl="1" indent="-457200" algn="l">
-              <a:buFont typeface="Arial"/>
-              <a:buChar char="•"/>
-            </a:pPr>
-            <a:r>
-              <a:rPr lang="en-US" sz="3000" dirty="0" smtClean="0">
-                <a:latin typeface="PFDinTextCompPro-Italic"/>
-                <a:cs typeface="PFDinTextCompPro-Italic"/>
-              </a:rPr>
-              <a:t>More</a:t>
-            </a:r>
-            <a:endParaRPr lang="en-US" sz="3000" dirty="0" smtClean="0">
-              <a:latin typeface="PFDinTextCompPro-Italic"/>
-              <a:cs typeface="PFDinTextCompPro-Italic"/>
-            </a:endParaRPr>
-          </a:p>
-          <a:p>
-            <a:pPr marL="457200" indent="-457200" algn="l">
-              <a:buFont typeface="Arial"/>
-              <a:buChar char="•"/>
-            </a:pPr>
-            <a:r>
-              <a:rPr lang="en-US" sz="3000" dirty="0" smtClean="0">
-                <a:latin typeface="PFDinTextCompPro-Italic"/>
-                <a:cs typeface="PFDinTextCompPro-Italic"/>
-              </a:rPr>
-              <a:t>Techniques for evaluating designs</a:t>
-            </a:r>
-          </a:p>
-          <a:p>
-            <a:pPr marL="457200" indent="-457200" algn="l">
-              <a:buFont typeface="Arial"/>
-              <a:buChar char="•"/>
-            </a:pPr>
-            <a:endParaRPr lang="en-US" sz="3000" dirty="0">
-              <a:latin typeface="PFDinTextCompPro-Italic"/>
-              <a:cs typeface="PFDinTextCompPro-Italic"/>
-            </a:endParaRPr>
-          </a:p>
-        </p:txBody>
-      </p:sp>
-    </p:spTree>
-    <p:extLst>
-      <p:ext uri="{BB962C8B-B14F-4D97-AF65-F5344CB8AC3E}">
-        <p14:creationId xmlns:p14="http://schemas.microsoft.com/office/powerpoint/2010/main" val="2449941988"/>
-      </p:ext>
-    </p:extLst>
-  </p:cSld>
-  <p:clrMapOvr>
-    <a:masterClrMapping/>
-  </p:clrMapOvr>
-  <p:transition xmlns:p14="http://schemas.microsoft.com/office/powerpoint/2010/main"/>
-  <p:timing>
-    <p:tnLst>
-      <p:par>
-        <p:cTn xmlns:p14="http://schemas.microsoft.com/office/powerpoint/2010/main" id="1" dur="indefinite" restart="never" nodeType="tmRoot"/>
-      </p:par>
-    </p:tnLst>
-  </p:timing>
-</p:sld>
-</file>
-
-<file path=ppt/slides/slide47.xml><?xml version="1.0" encoding="utf-8"?>
-<p:sld xmlns:a="http://schemas.openxmlformats.org/drawingml/2006/main" xmlns:r="http://schemas.openxmlformats.org/officeDocument/2006/relationships" xmlns:p="http://schemas.openxmlformats.org/presentationml/2006/main">
-  <p:cSld>
-    <p:spTree>
-      <p:nvGrpSpPr>
-        <p:cNvPr id="1" name=""/>
-        <p:cNvGrpSpPr/>
-        <p:nvPr/>
-      </p:nvGrpSpPr>
-      <p:grpSpPr>
-        <a:xfrm>
-          <a:off x="0" y="0"/>
-          <a:ext cx="0" cy="0"/>
-          <a:chOff x="0" y="0"/>
-          <a:chExt cx="0" cy="0"/>
-        </a:xfrm>
-      </p:grpSpPr>
-      <p:sp>
-        <p:nvSpPr>
-          <p:cNvPr id="4" name="Content Placeholder 3"/>
-          <p:cNvSpPr>
-            <a:spLocks noGrp="1"/>
-          </p:cNvSpPr>
-          <p:nvPr>
-            <p:ph sz="quarter" idx="11"/>
-          </p:nvPr>
-        </p:nvSpPr>
-        <p:spPr>
-          <a:xfrm>
-            <a:off x="414337" y="495300"/>
-            <a:ext cx="6400800" cy="304800"/>
-          </a:xfrm>
-        </p:spPr>
-        <p:txBody>
-          <a:bodyPr/>
-          <a:lstStyle/>
-          <a:p>
-            <a:pPr eaLnBrk="1" hangingPunct="1">
-              <a:lnSpc>
-                <a:spcPts val="2448"/>
-              </a:lnSpc>
-              <a:defRPr/>
-            </a:pPr>
-            <a:r>
-              <a:rPr lang="en-US" dirty="0"/>
-              <a:t>Intro to regression</a:t>
-            </a:r>
-          </a:p>
-        </p:txBody>
-      </p:sp>
-      <p:sp>
-        <p:nvSpPr>
-          <p:cNvPr id="8" name="Slide Number Placeholder 3"/>
-          <p:cNvSpPr>
-            <a:spLocks noGrp="1"/>
-          </p:cNvSpPr>
-          <p:nvPr>
-            <p:ph type="sldNum" sz="quarter" idx="13"/>
-          </p:nvPr>
-        </p:nvSpPr>
-        <p:spPr/>
-        <p:txBody>
-          <a:bodyPr/>
-          <a:lstStyle/>
-          <a:p>
-            <a:pPr>
-              <a:defRPr/>
-            </a:pPr>
-            <a:fld id="{BD5AD749-DAD1-6A4A-A2AA-CB20EAD0AEB7}" type="slidenum">
-              <a:rPr lang="en-US"/>
-              <a:pPr>
-                <a:defRPr/>
-              </a:pPr>
-              <a:t>47</a:t>
-            </a:fld>
-            <a:endParaRPr lang="en-US"/>
-          </a:p>
-        </p:txBody>
-      </p:sp>
-      <p:sp>
-        <p:nvSpPr>
-          <p:cNvPr id="9" name="TextBox 8"/>
-          <p:cNvSpPr txBox="1"/>
-          <p:nvPr/>
-        </p:nvSpPr>
-        <p:spPr>
-          <a:xfrm>
-            <a:off x="566737" y="952500"/>
-            <a:ext cx="8382000" cy="4247317"/>
-          </a:xfrm>
-          <a:prstGeom prst="rect">
-            <a:avLst/>
-          </a:prstGeom>
-          <a:noFill/>
-        </p:spPr>
-        <p:txBody>
-          <a:bodyPr wrap="square" rtlCol="0">
-            <a:spAutoFit/>
-          </a:bodyPr>
-          <a:lstStyle/>
-          <a:p>
-            <a:pPr algn="l"/>
-            <a:r>
-              <a:rPr lang="en-US" sz="3000" dirty="0" smtClean="0">
-                <a:latin typeface="PFDinTextCompPro-Italic"/>
-                <a:cs typeface="PFDinTextCompPro-Italic"/>
-              </a:rPr>
-              <a:t>Q: </a:t>
-            </a:r>
-            <a:r>
-              <a:rPr lang="en-US" sz="3000" dirty="0" smtClean="0">
-                <a:latin typeface="PFDinTextCompPro-Italic"/>
-                <a:cs typeface="PFDinTextCompPro-Italic"/>
-              </a:rPr>
-              <a:t>So, how do we select</a:t>
-            </a:r>
-            <a:r>
-              <a:rPr lang="en-US" sz="3000" dirty="0" smtClean="0">
-                <a:latin typeface="PFDinTextCompPro-Italic"/>
-                <a:cs typeface="PFDinTextCompPro-Italic"/>
-              </a:rPr>
-              <a:t> </a:t>
-            </a:r>
-            <a:r>
-              <a:rPr lang="en-US" sz="3000" dirty="0" smtClean="0">
-                <a:latin typeface="PFDinTextCompPro-Italic"/>
-                <a:cs typeface="PFDinTextCompPro-Italic"/>
-              </a:rPr>
-              <a:t>a linear regression model?</a:t>
-            </a:r>
-            <a:endParaRPr lang="en-US" sz="3000" dirty="0" smtClean="0">
-              <a:latin typeface="PFDinTextCompPro-Italic"/>
-              <a:cs typeface="PFDinTextCompPro-Italic"/>
-            </a:endParaRPr>
-          </a:p>
-          <a:p>
-            <a:pPr marL="457200" indent="-457200" algn="l">
-              <a:buFont typeface="Arial"/>
-              <a:buChar char="•"/>
-            </a:pPr>
-            <a:r>
-              <a:rPr lang="en-US" sz="3000" dirty="0" smtClean="0">
-                <a:latin typeface="PFDinTextCompPro-Italic"/>
-                <a:cs typeface="PFDinTextCompPro-Italic"/>
-              </a:rPr>
-              <a:t>Techniques for producing designs</a:t>
-            </a:r>
-          </a:p>
-          <a:p>
-            <a:pPr marL="785813" lvl="1" indent="-457200" algn="l">
-              <a:buFont typeface="Arial"/>
-              <a:buChar char="•"/>
-            </a:pPr>
-            <a:r>
-              <a:rPr lang="en-US" sz="3000" dirty="0" smtClean="0">
-                <a:latin typeface="PFDinTextCompPro-Italic"/>
-                <a:cs typeface="PFDinTextCompPro-Italic"/>
-              </a:rPr>
-              <a:t>Theory</a:t>
-            </a:r>
-          </a:p>
-          <a:p>
-            <a:pPr marL="785813" lvl="1" indent="-457200" algn="l">
-              <a:buFont typeface="Arial"/>
-              <a:buChar char="•"/>
-            </a:pPr>
-            <a:r>
-              <a:rPr lang="en-US" sz="3000" dirty="0" smtClean="0">
-                <a:latin typeface="PFDinTextCompPro-Italic"/>
-                <a:cs typeface="PFDinTextCompPro-Italic"/>
-              </a:rPr>
-              <a:t>Forward selection</a:t>
-            </a:r>
-          </a:p>
-          <a:p>
-            <a:pPr marL="785813" lvl="1" indent="-457200" algn="l">
-              <a:buFont typeface="Arial"/>
-              <a:buChar char="•"/>
-            </a:pPr>
-            <a:r>
-              <a:rPr lang="en-US" sz="3000" dirty="0" smtClean="0">
-                <a:latin typeface="PFDinTextCompPro-Italic"/>
-                <a:cs typeface="PFDinTextCompPro-Italic"/>
-              </a:rPr>
-              <a:t>Backward elimination</a:t>
-            </a:r>
-          </a:p>
-          <a:p>
-            <a:pPr marL="785813" lvl="1" indent="-457200" algn="l">
-              <a:buFont typeface="Arial"/>
-              <a:buChar char="•"/>
-            </a:pPr>
-            <a:r>
-              <a:rPr lang="en-US" sz="3000" dirty="0" smtClean="0">
-                <a:latin typeface="PFDinTextCompPro-Italic"/>
-                <a:cs typeface="PFDinTextCompPro-Italic"/>
-              </a:rPr>
-              <a:t>More</a:t>
-            </a:r>
-            <a:endParaRPr lang="en-US" sz="3000" dirty="0" smtClean="0">
-              <a:latin typeface="PFDinTextCompPro-Italic"/>
-              <a:cs typeface="PFDinTextCompPro-Italic"/>
-            </a:endParaRPr>
-          </a:p>
-          <a:p>
-            <a:pPr marL="457200" indent="-457200" algn="l">
-              <a:buFont typeface="Arial"/>
-              <a:buChar char="•"/>
-            </a:pPr>
-            <a:r>
-              <a:rPr lang="en-US" sz="3000" dirty="0" smtClean="0">
-                <a:latin typeface="PFDinTextCompPro-Italic"/>
-                <a:cs typeface="PFDinTextCompPro-Italic"/>
-              </a:rPr>
-              <a:t>Techniques for evaluating designs</a:t>
-            </a:r>
-          </a:p>
-          <a:p>
-            <a:pPr marL="785813" lvl="1" indent="-457200" algn="l">
-              <a:buFont typeface="Arial"/>
-              <a:buChar char="•"/>
-            </a:pPr>
-            <a:r>
-              <a:rPr lang="en-US" sz="3000" dirty="0" smtClean="0">
-                <a:latin typeface="PFDinTextCompPro-Italic"/>
-                <a:cs typeface="PFDinTextCompPro-Italic"/>
-              </a:rPr>
-              <a:t>Training metrics</a:t>
-            </a:r>
-          </a:p>
-          <a:p>
-            <a:pPr marL="457200" indent="-457200" algn="l">
-              <a:buFont typeface="Arial"/>
-              <a:buChar char="•"/>
-            </a:pPr>
-            <a:endParaRPr lang="en-US" sz="3000" dirty="0">
-              <a:latin typeface="PFDinTextCompPro-Italic"/>
-              <a:cs typeface="PFDinTextCompPro-Italic"/>
-            </a:endParaRPr>
-          </a:p>
-        </p:txBody>
-      </p:sp>
-    </p:spTree>
-    <p:extLst>
-      <p:ext uri="{BB962C8B-B14F-4D97-AF65-F5344CB8AC3E}">
-        <p14:creationId xmlns:p14="http://schemas.microsoft.com/office/powerpoint/2010/main" val="2449941988"/>
-      </p:ext>
-    </p:extLst>
-  </p:cSld>
-  <p:clrMapOvr>
-    <a:masterClrMapping/>
-  </p:clrMapOvr>
-  <p:transition xmlns:p14="http://schemas.microsoft.com/office/powerpoint/2010/main"/>
-  <p:timing>
-    <p:tnLst>
-      <p:par>
-        <p:cTn xmlns:p14="http://schemas.microsoft.com/office/powerpoint/2010/main" id="1" dur="indefinite" restart="never" nodeType="tmRoot"/>
-      </p:par>
-    </p:tnLst>
-  </p:timing>
-</p:sld>
-</file>
-
-<file path=ppt/slides/slide48.xml><?xml version="1.0" encoding="utf-8"?>
-<p:sld xmlns:a="http://schemas.openxmlformats.org/drawingml/2006/main" xmlns:r="http://schemas.openxmlformats.org/officeDocument/2006/relationships" xmlns:p="http://schemas.openxmlformats.org/presentationml/2006/main">
-  <p:cSld>
-    <p:spTree>
-      <p:nvGrpSpPr>
-        <p:cNvPr id="1" name=""/>
-        <p:cNvGrpSpPr/>
-        <p:nvPr/>
-      </p:nvGrpSpPr>
-      <p:grpSpPr>
-        <a:xfrm>
-          <a:off x="0" y="0"/>
-          <a:ext cx="0" cy="0"/>
-          <a:chOff x="0" y="0"/>
-          <a:chExt cx="0" cy="0"/>
-        </a:xfrm>
-      </p:grpSpPr>
-      <p:sp>
-        <p:nvSpPr>
-          <p:cNvPr id="4" name="Content Placeholder 3"/>
-          <p:cNvSpPr>
-            <a:spLocks noGrp="1"/>
-          </p:cNvSpPr>
-          <p:nvPr>
-            <p:ph sz="quarter" idx="11"/>
-          </p:nvPr>
-        </p:nvSpPr>
-        <p:spPr>
-          <a:xfrm>
-            <a:off x="414337" y="495300"/>
-            <a:ext cx="6400800" cy="304800"/>
-          </a:xfrm>
-        </p:spPr>
-        <p:txBody>
-          <a:bodyPr/>
-          <a:lstStyle/>
-          <a:p>
-            <a:pPr eaLnBrk="1" hangingPunct="1">
-              <a:lnSpc>
-                <a:spcPts val="2448"/>
-              </a:lnSpc>
-              <a:defRPr/>
-            </a:pPr>
-            <a:r>
-              <a:rPr lang="en-US" dirty="0"/>
-              <a:t>Intro to regression</a:t>
-            </a:r>
-          </a:p>
-        </p:txBody>
-      </p:sp>
-      <p:sp>
-        <p:nvSpPr>
-          <p:cNvPr id="8" name="Slide Number Placeholder 3"/>
-          <p:cNvSpPr>
-            <a:spLocks noGrp="1"/>
-          </p:cNvSpPr>
-          <p:nvPr>
-            <p:ph type="sldNum" sz="quarter" idx="13"/>
-          </p:nvPr>
-        </p:nvSpPr>
-        <p:spPr/>
-        <p:txBody>
-          <a:bodyPr/>
-          <a:lstStyle/>
-          <a:p>
-            <a:pPr>
-              <a:defRPr/>
-            </a:pPr>
-            <a:fld id="{BD5AD749-DAD1-6A4A-A2AA-CB20EAD0AEB7}" type="slidenum">
-              <a:rPr lang="en-US"/>
-              <a:pPr>
-                <a:defRPr/>
-              </a:pPr>
-              <a:t>48</a:t>
-            </a:fld>
-            <a:endParaRPr lang="en-US"/>
-          </a:p>
-        </p:txBody>
-      </p:sp>
-      <p:sp>
-        <p:nvSpPr>
-          <p:cNvPr id="9" name="TextBox 8"/>
-          <p:cNvSpPr txBox="1"/>
-          <p:nvPr/>
-        </p:nvSpPr>
-        <p:spPr>
-          <a:xfrm>
-            <a:off x="566737" y="952500"/>
-            <a:ext cx="8382000" cy="4708981"/>
-          </a:xfrm>
-          <a:prstGeom prst="rect">
-            <a:avLst/>
-          </a:prstGeom>
-          <a:noFill/>
-        </p:spPr>
-        <p:txBody>
-          <a:bodyPr wrap="square" rtlCol="0">
-            <a:spAutoFit/>
-          </a:bodyPr>
-          <a:lstStyle/>
-          <a:p>
-            <a:pPr algn="l"/>
-            <a:r>
-              <a:rPr lang="en-US" sz="3000" dirty="0" smtClean="0">
-                <a:latin typeface="PFDinTextCompPro-Italic"/>
-                <a:cs typeface="PFDinTextCompPro-Italic"/>
-              </a:rPr>
-              <a:t>Q: </a:t>
-            </a:r>
-            <a:r>
-              <a:rPr lang="en-US" sz="3000" dirty="0" smtClean="0">
-                <a:latin typeface="PFDinTextCompPro-Italic"/>
-                <a:cs typeface="PFDinTextCompPro-Italic"/>
-              </a:rPr>
-              <a:t>So, how do we select</a:t>
-            </a:r>
-            <a:r>
-              <a:rPr lang="en-US" sz="3000" dirty="0" smtClean="0">
-                <a:latin typeface="PFDinTextCompPro-Italic"/>
-                <a:cs typeface="PFDinTextCompPro-Italic"/>
-              </a:rPr>
-              <a:t> </a:t>
-            </a:r>
-            <a:r>
-              <a:rPr lang="en-US" sz="3000" dirty="0" smtClean="0">
-                <a:latin typeface="PFDinTextCompPro-Italic"/>
-                <a:cs typeface="PFDinTextCompPro-Italic"/>
-              </a:rPr>
-              <a:t>a linear regression model?</a:t>
-            </a:r>
-            <a:endParaRPr lang="en-US" sz="3000" dirty="0" smtClean="0">
-              <a:latin typeface="PFDinTextCompPro-Italic"/>
-              <a:cs typeface="PFDinTextCompPro-Italic"/>
-            </a:endParaRPr>
-          </a:p>
-          <a:p>
-            <a:pPr marL="457200" indent="-457200" algn="l">
-              <a:buFont typeface="Arial"/>
-              <a:buChar char="•"/>
-            </a:pPr>
-            <a:r>
-              <a:rPr lang="en-US" sz="3000" dirty="0" smtClean="0">
-                <a:latin typeface="PFDinTextCompPro-Italic"/>
-                <a:cs typeface="PFDinTextCompPro-Italic"/>
-              </a:rPr>
-              <a:t>Techniques for producing designs</a:t>
-            </a:r>
-          </a:p>
-          <a:p>
-            <a:pPr marL="785813" lvl="1" indent="-457200" algn="l">
-              <a:buFont typeface="Arial"/>
-              <a:buChar char="•"/>
-            </a:pPr>
-            <a:r>
-              <a:rPr lang="en-US" sz="3000" dirty="0" smtClean="0">
-                <a:latin typeface="PFDinTextCompPro-Italic"/>
-                <a:cs typeface="PFDinTextCompPro-Italic"/>
-              </a:rPr>
-              <a:t>Theory</a:t>
-            </a:r>
-          </a:p>
-          <a:p>
-            <a:pPr marL="785813" lvl="1" indent="-457200" algn="l">
-              <a:buFont typeface="Arial"/>
-              <a:buChar char="•"/>
-            </a:pPr>
-            <a:r>
-              <a:rPr lang="en-US" sz="3000" dirty="0" smtClean="0">
-                <a:latin typeface="PFDinTextCompPro-Italic"/>
-                <a:cs typeface="PFDinTextCompPro-Italic"/>
-              </a:rPr>
-              <a:t>Forward selection</a:t>
-            </a:r>
-          </a:p>
-          <a:p>
-            <a:pPr marL="785813" lvl="1" indent="-457200" algn="l">
-              <a:buFont typeface="Arial"/>
-              <a:buChar char="•"/>
-            </a:pPr>
-            <a:r>
-              <a:rPr lang="en-US" sz="3000" dirty="0" smtClean="0">
-                <a:latin typeface="PFDinTextCompPro-Italic"/>
-                <a:cs typeface="PFDinTextCompPro-Italic"/>
-              </a:rPr>
-              <a:t>Backward elimination</a:t>
-            </a:r>
-          </a:p>
-          <a:p>
-            <a:pPr marL="785813" lvl="1" indent="-457200" algn="l">
-              <a:buFont typeface="Arial"/>
-              <a:buChar char="•"/>
-            </a:pPr>
-            <a:r>
-              <a:rPr lang="en-US" sz="3000" dirty="0" smtClean="0">
-                <a:latin typeface="PFDinTextCompPro-Italic"/>
-                <a:cs typeface="PFDinTextCompPro-Italic"/>
-              </a:rPr>
-              <a:t>More</a:t>
-            </a:r>
-            <a:endParaRPr lang="en-US" sz="3000" dirty="0" smtClean="0">
-              <a:latin typeface="PFDinTextCompPro-Italic"/>
-              <a:cs typeface="PFDinTextCompPro-Italic"/>
-            </a:endParaRPr>
-          </a:p>
-          <a:p>
-            <a:pPr marL="457200" indent="-457200" algn="l">
-              <a:buFont typeface="Arial"/>
-              <a:buChar char="•"/>
-            </a:pPr>
-            <a:r>
-              <a:rPr lang="en-US" sz="3000" dirty="0" smtClean="0">
-                <a:latin typeface="PFDinTextCompPro-Italic"/>
-                <a:cs typeface="PFDinTextCompPro-Italic"/>
-              </a:rPr>
-              <a:t>Techniques for evaluating designs</a:t>
-            </a:r>
-          </a:p>
-          <a:p>
-            <a:pPr marL="785813" lvl="1" indent="-457200" algn="l">
-              <a:buFont typeface="Arial"/>
-              <a:buChar char="•"/>
-            </a:pPr>
-            <a:r>
-              <a:rPr lang="en-US" sz="3000" dirty="0" smtClean="0">
-                <a:latin typeface="PFDinTextCompPro-Italic"/>
-                <a:cs typeface="PFDinTextCompPro-Italic"/>
-              </a:rPr>
-              <a:t>Training metrics</a:t>
-            </a:r>
-          </a:p>
-          <a:p>
-            <a:pPr marL="785813" lvl="1" indent="-457200" algn="l">
-              <a:buFont typeface="Arial"/>
-              <a:buChar char="•"/>
-            </a:pPr>
-            <a:r>
-              <a:rPr lang="en-US" sz="3000" dirty="0" smtClean="0">
-                <a:latin typeface="PFDinTextCompPro-Italic"/>
-                <a:cs typeface="PFDinTextCompPro-Italic"/>
-              </a:rPr>
-              <a:t>Test set performance / Cross-validation</a:t>
-            </a:r>
-          </a:p>
-          <a:p>
-            <a:pPr marL="457200" indent="-457200" algn="l">
-              <a:buFont typeface="Arial"/>
-              <a:buChar char="•"/>
-            </a:pPr>
-            <a:endParaRPr lang="en-US" sz="3000" dirty="0">
-              <a:latin typeface="PFDinTextCompPro-Italic"/>
-              <a:cs typeface="PFDinTextCompPro-Italic"/>
-            </a:endParaRPr>
-          </a:p>
-        </p:txBody>
-      </p:sp>
-    </p:spTree>
-    <p:extLst>
-      <p:ext uri="{BB962C8B-B14F-4D97-AF65-F5344CB8AC3E}">
-        <p14:creationId xmlns:p14="http://schemas.microsoft.com/office/powerpoint/2010/main" val="2449941988"/>
-      </p:ext>
-    </p:extLst>
-  </p:cSld>
-  <p:clrMapOvr>
-    <a:masterClrMapping/>
-  </p:clrMapOvr>
-  <p:transition xmlns:p14="http://schemas.microsoft.com/office/powerpoint/2010/main"/>
-  <p:timing>
-    <p:tnLst>
-      <p:par>
-        <p:cTn xmlns:p14="http://schemas.microsoft.com/office/powerpoint/2010/main" id="1" dur="indefinite" restart="never" nodeType="tmRoot"/>
-      </p:par>
-    </p:tnLst>
-  </p:timing>
-</p:sld>
-</file>
-
-<file path=ppt/slides/slide49.xml><?xml version="1.0" encoding="utf-8"?>
-<p:sld xmlns:a="http://schemas.openxmlformats.org/drawingml/2006/main" xmlns:r="http://schemas.openxmlformats.org/officeDocument/2006/relationships" xmlns:p="http://schemas.openxmlformats.org/presentationml/2006/main">
-  <p:cSld>
-    <p:spTree>
-      <p:nvGrpSpPr>
-        <p:cNvPr id="1" name=""/>
-        <p:cNvGrpSpPr/>
-        <p:nvPr/>
-      </p:nvGrpSpPr>
-      <p:grpSpPr>
-        <a:xfrm>
-          <a:off x="0" y="0"/>
-          <a:ext cx="0" cy="0"/>
-          <a:chOff x="0" y="0"/>
-          <a:chExt cx="0" cy="0"/>
-        </a:xfrm>
-      </p:grpSpPr>
-      <p:sp>
-        <p:nvSpPr>
-          <p:cNvPr id="2" name="Title 1"/>
-          <p:cNvSpPr>
-            <a:spLocks noGrp="1"/>
-          </p:cNvSpPr>
-          <p:nvPr>
-            <p:ph type="title"/>
-          </p:nvPr>
-        </p:nvSpPr>
-        <p:spPr>
-          <a:xfrm>
-            <a:off x="347663" y="3619500"/>
-            <a:ext cx="8426450" cy="914400"/>
-          </a:xfrm>
-        </p:spPr>
-        <p:txBody>
-          <a:bodyPr/>
-          <a:lstStyle/>
-          <a:p>
-            <a:pPr>
-              <a:defRPr/>
-            </a:pPr>
-            <a:r>
-              <a:rPr lang="en-US" sz="7500" dirty="0" smtClean="0"/>
-              <a:t>Exercises</a:t>
-            </a:r>
-            <a:endParaRPr lang="en-US" sz="7500" dirty="0"/>
-          </a:p>
-        </p:txBody>
-      </p:sp>
-      <p:sp>
-        <p:nvSpPr>
-          <p:cNvPr id="4" name="Content Placeholder 3"/>
-          <p:cNvSpPr>
-            <a:spLocks noGrp="1"/>
-          </p:cNvSpPr>
-          <p:nvPr>
-            <p:ph sz="quarter" idx="11"/>
-          </p:nvPr>
-        </p:nvSpPr>
-        <p:spPr>
-          <a:xfrm>
-            <a:off x="371475" y="495300"/>
-            <a:ext cx="6400800" cy="304800"/>
-          </a:xfrm>
-        </p:spPr>
-        <p:txBody>
-          <a:bodyPr wrap="square" lIns="91440" tIns="45720" rIns="91440" bIns="45720" numCol="1" anchor="t" anchorCtr="0" compatLnSpc="1">
-            <a:prstTxWarp prst="textNoShape">
-              <a:avLst/>
-            </a:prstTxWarp>
-          </a:bodyPr>
-          <a:lstStyle/>
-          <a:p>
-            <a:pPr marL="0" indent="0"/>
-            <a:r>
-              <a:rPr lang="en-US" cap="none" dirty="0" smtClean="0">
-                <a:latin typeface="PFDinTextCompPro-Bold" charset="0"/>
-                <a:ea typeface="ヒラギノ角ゴ ProN W3" charset="0"/>
-                <a:cs typeface="ヒラギノ角ゴ ProN W3" charset="0"/>
-              </a:rPr>
-              <a:t>INTRO TO DATA SCIENCE</a:t>
-            </a:r>
-            <a:endParaRPr lang="en-US" cap="none" dirty="0">
-              <a:latin typeface="PFDinTextCompPro-Bold" charset="0"/>
-              <a:ea typeface="ヒラギノ角ゴ ProN W3" charset="0"/>
-              <a:cs typeface="ヒラギノ角ゴ ProN W3" charset="0"/>
-            </a:endParaRPr>
-          </a:p>
-        </p:txBody>
-      </p:sp>
-    </p:spTree>
-    <p:extLst>
-      <p:ext uri="{BB962C8B-B14F-4D97-AF65-F5344CB8AC3E}">
-        <p14:creationId xmlns:p14="http://schemas.microsoft.com/office/powerpoint/2010/main" val="1427883577"/>
       </p:ext>
     </p:extLst>
   </p:cSld>
